--- a/Конференция/Презентация.pptx
+++ b/Конференция/Презентация.pptx
@@ -111,6 +111,11 @@
       </a:defRPr>
     </a:lvl9pPr>
   </p:defaultTextStyle>
+  <p:extLst>
+    <p:ext uri="{EFAFB233-063F-42B5-8137-9DF3F51BA10A}">
+      <p15:sldGuideLst xmlns:p15="http://schemas.microsoft.com/office/powerpoint/2012/main"/>
+    </p:ext>
+  </p:extLst>
 </p:presentation>
 </file>
 
@@ -119,7 +124,7 @@
   <pc:docChgLst>
     <pc:chgData name="Максим Мясников" userId="eb1110bc54b184a5" providerId="LiveId" clId="{F86559E5-74DA-4563-8F35-542E728138DC}"/>
     <pc:docChg chg="undo redo custSel addSld delSld modSld">
-      <pc:chgData name="Максим Мясников" userId="eb1110bc54b184a5" providerId="LiveId" clId="{F86559E5-74DA-4563-8F35-542E728138DC}" dt="2021-11-21T16:00:17.995" v="1216" actId="478"/>
+      <pc:chgData name="Максим Мясников" userId="eb1110bc54b184a5" providerId="LiveId" clId="{F86559E5-74DA-4563-8F35-542E728138DC}" dt="2021-11-21T16:37:57.720" v="1667" actId="1076"/>
       <pc:docMkLst>
         <pc:docMk/>
       </pc:docMkLst>
@@ -304,7 +309,7 @@
         </pc:graphicFrameChg>
       </pc:sldChg>
       <pc:sldChg chg="addSp delSp modSp new mod">
-        <pc:chgData name="Максим Мясников" userId="eb1110bc54b184a5" providerId="LiveId" clId="{F86559E5-74DA-4563-8F35-542E728138DC}" dt="2021-11-21T15:53:50.680" v="946" actId="20577"/>
+        <pc:chgData name="Максим Мясников" userId="eb1110bc54b184a5" providerId="LiveId" clId="{F86559E5-74DA-4563-8F35-542E728138DC}" dt="2021-11-21T16:18:55.466" v="1325" actId="20577"/>
         <pc:sldMkLst>
           <pc:docMk/>
           <pc:sldMk cId="2456304978" sldId="261"/>
@@ -365,17 +370,65 @@
             <ac:spMk id="10" creationId="{8F55DEDF-5990-4F81-8B9E-56D0555EE5E4}"/>
           </ac:spMkLst>
         </pc:spChg>
-        <pc:graphicFrameChg chg="add mod modGraphic">
-          <ac:chgData name="Максим Мясников" userId="eb1110bc54b184a5" providerId="LiveId" clId="{F86559E5-74DA-4563-8F35-542E728138DC}" dt="2021-11-21T15:53:50.680" v="946" actId="20577"/>
+        <pc:spChg chg="add mod">
+          <ac:chgData name="Максим Мясников" userId="eb1110bc54b184a5" providerId="LiveId" clId="{F86559E5-74DA-4563-8F35-542E728138DC}" dt="2021-11-21T16:18:48.274" v="1319" actId="20577"/>
+          <ac:spMkLst>
+            <pc:docMk/>
+            <pc:sldMk cId="2456304978" sldId="261"/>
+            <ac:spMk id="11" creationId="{2DDC89E7-A530-400A-A01F-40592D80074D}"/>
+          </ac:spMkLst>
+        </pc:spChg>
+        <pc:spChg chg="add mod">
+          <ac:chgData name="Максим Мясников" userId="eb1110bc54b184a5" providerId="LiveId" clId="{F86559E5-74DA-4563-8F35-542E728138DC}" dt="2021-11-21T16:18:55.466" v="1325" actId="20577"/>
+          <ac:spMkLst>
+            <pc:docMk/>
+            <pc:sldMk cId="2456304978" sldId="261"/>
+            <ac:spMk id="13" creationId="{8E914B5B-3ECE-4356-974B-58C2C4F70D93}"/>
+          </ac:spMkLst>
+        </pc:spChg>
+        <pc:graphicFrameChg chg="add del mod modGraphic">
+          <ac:chgData name="Максим Мясников" userId="eb1110bc54b184a5" providerId="LiveId" clId="{F86559E5-74DA-4563-8F35-542E728138DC}" dt="2021-11-21T16:17:18.288" v="1306" actId="478"/>
           <ac:graphicFrameMkLst>
             <pc:docMk/>
             <pc:sldMk cId="2456304978" sldId="261"/>
             <ac:graphicFrameMk id="4" creationId="{2A63106B-14C3-4E59-AD5C-FA65AD7885A0}"/>
           </ac:graphicFrameMkLst>
         </pc:graphicFrameChg>
+        <pc:picChg chg="add mod">
+          <ac:chgData name="Максим Мясников" userId="eb1110bc54b184a5" providerId="LiveId" clId="{F86559E5-74DA-4563-8F35-542E728138DC}" dt="2021-11-21T16:17:48.106" v="1309" actId="1440"/>
+          <ac:picMkLst>
+            <pc:docMk/>
+            <pc:sldMk cId="2456304978" sldId="261"/>
+            <ac:picMk id="3" creationId="{D31315EB-61EA-484C-9C1E-318C92BA291B}"/>
+          </ac:picMkLst>
+        </pc:picChg>
+        <pc:picChg chg="add mod">
+          <ac:chgData name="Максим Мясников" userId="eb1110bc54b184a5" providerId="LiveId" clId="{F86559E5-74DA-4563-8F35-542E728138DC}" dt="2021-11-21T16:18:34.937" v="1313" actId="1076"/>
+          <ac:picMkLst>
+            <pc:docMk/>
+            <pc:sldMk cId="2456304978" sldId="261"/>
+            <ac:picMk id="6" creationId="{453ACBF7-2A53-443B-83DF-925A9DB18D5B}"/>
+          </ac:picMkLst>
+        </pc:picChg>
+        <pc:cxnChg chg="add mod">
+          <ac:chgData name="Максим Мясников" userId="eb1110bc54b184a5" providerId="LiveId" clId="{F86559E5-74DA-4563-8F35-542E728138DC}" dt="2021-11-21T16:18:45.234" v="1315" actId="1076"/>
+          <ac:cxnSpMkLst>
+            <pc:docMk/>
+            <pc:sldMk cId="2456304978" sldId="261"/>
+            <ac:cxnSpMk id="12" creationId="{1E8E08B3-4191-4306-8A94-382214B1CE6F}"/>
+          </ac:cxnSpMkLst>
+        </pc:cxnChg>
+        <pc:cxnChg chg="add mod">
+          <ac:chgData name="Максим Мясников" userId="eb1110bc54b184a5" providerId="LiveId" clId="{F86559E5-74DA-4563-8F35-542E728138DC}" dt="2021-11-21T16:18:52.459" v="1321" actId="1076"/>
+          <ac:cxnSpMkLst>
+            <pc:docMk/>
+            <pc:sldMk cId="2456304978" sldId="261"/>
+            <ac:cxnSpMk id="14" creationId="{B3A7E6EB-15F7-413D-8711-38F386A45926}"/>
+          </ac:cxnSpMkLst>
+        </pc:cxnChg>
       </pc:sldChg>
       <pc:sldChg chg="addSp delSp modSp new mod">
-        <pc:chgData name="Максим Мясников" userId="eb1110bc54b184a5" providerId="LiveId" clId="{F86559E5-74DA-4563-8F35-542E728138DC}" dt="2021-11-21T15:46:40.198" v="871" actId="120"/>
+        <pc:chgData name="Максим Мясников" userId="eb1110bc54b184a5" providerId="LiveId" clId="{F86559E5-74DA-4563-8F35-542E728138DC}" dt="2021-11-21T16:19:38.379" v="1331" actId="167"/>
         <pc:sldMkLst>
           <pc:docMk/>
           <pc:sldMk cId="2834225856" sldId="262"/>
@@ -404,21 +457,133 @@
             <ac:spMk id="5" creationId="{7569BAB1-0735-477A-9EE0-DF964E8F4A97}"/>
           </ac:spMkLst>
         </pc:spChg>
-        <pc:graphicFrameChg chg="add mod modGraphic">
-          <ac:chgData name="Максим Мясников" userId="eb1110bc54b184a5" providerId="LiveId" clId="{F86559E5-74DA-4563-8F35-542E728138DC}" dt="2021-11-21T15:46:40.198" v="871" actId="120"/>
+        <pc:spChg chg="add mod">
+          <ac:chgData name="Максим Мясников" userId="eb1110bc54b184a5" providerId="LiveId" clId="{F86559E5-74DA-4563-8F35-542E728138DC}" dt="2021-11-21T16:14:56.121" v="1278" actId="1076"/>
+          <ac:spMkLst>
+            <pc:docMk/>
+            <pc:sldMk cId="2834225856" sldId="262"/>
+            <ac:spMk id="15" creationId="{EDF1319A-2F3D-498C-86A8-F44B700360D7}"/>
+          </ac:spMkLst>
+        </pc:spChg>
+        <pc:spChg chg="add del mod">
+          <ac:chgData name="Максим Мясников" userId="eb1110bc54b184a5" providerId="LiveId" clId="{F86559E5-74DA-4563-8F35-542E728138DC}" dt="2021-11-21T16:15:00.076" v="1280"/>
+          <ac:spMkLst>
+            <pc:docMk/>
+            <pc:sldMk cId="2834225856" sldId="262"/>
+            <ac:spMk id="16" creationId="{E954847A-E489-41E9-B04C-81344F4752E9}"/>
+          </ac:spMkLst>
+        </pc:spChg>
+        <pc:spChg chg="add mod">
+          <ac:chgData name="Максим Мясников" userId="eb1110bc54b184a5" providerId="LiveId" clId="{F86559E5-74DA-4563-8F35-542E728138DC}" dt="2021-11-21T16:15:14.754" v="1289" actId="20577"/>
+          <ac:spMkLst>
+            <pc:docMk/>
+            <pc:sldMk cId="2834225856" sldId="262"/>
+            <ac:spMk id="17" creationId="{771DB8DD-B19A-4C89-AB9F-10414EFE9483}"/>
+          </ac:spMkLst>
+        </pc:spChg>
+        <pc:spChg chg="add mod">
+          <ac:chgData name="Максим Мясников" userId="eb1110bc54b184a5" providerId="LiveId" clId="{F86559E5-74DA-4563-8F35-542E728138DC}" dt="2021-11-21T16:15:23.707" v="1297" actId="20577"/>
+          <ac:spMkLst>
+            <pc:docMk/>
+            <pc:sldMk cId="2834225856" sldId="262"/>
+            <ac:spMk id="18" creationId="{CBCD7BFA-13A1-412F-BF0D-A9E751C7E570}"/>
+          </ac:spMkLst>
+        </pc:spChg>
+        <pc:graphicFrameChg chg="add del mod modGraphic">
+          <ac:chgData name="Максим Мясников" userId="eb1110bc54b184a5" providerId="LiveId" clId="{F86559E5-74DA-4563-8F35-542E728138DC}" dt="2021-11-21T16:10:58.200" v="1217" actId="478"/>
           <ac:graphicFrameMkLst>
             <pc:docMk/>
             <pc:sldMk cId="2834225856" sldId="262"/>
             <ac:graphicFrameMk id="4" creationId="{40EE2B0E-86F0-4C2E-A700-C9FFF2622397}"/>
           </ac:graphicFrameMkLst>
         </pc:graphicFrameChg>
+        <pc:picChg chg="add del mod">
+          <ac:chgData name="Максим Мясников" userId="eb1110bc54b184a5" providerId="LiveId" clId="{F86559E5-74DA-4563-8F35-542E728138DC}" dt="2021-11-21T16:12:03.084" v="1231" actId="478"/>
+          <ac:picMkLst>
+            <pc:docMk/>
+            <pc:sldMk cId="2834225856" sldId="262"/>
+            <ac:picMk id="6" creationId="{F3B6AEC2-998A-46DF-B6BF-28AAB1550D31}"/>
+          </ac:picMkLst>
+        </pc:picChg>
+        <pc:picChg chg="add del mod">
+          <ac:chgData name="Максим Мясников" userId="eb1110bc54b184a5" providerId="LiveId" clId="{F86559E5-74DA-4563-8F35-542E728138DC}" dt="2021-11-21T16:12:33.290" v="1236" actId="478"/>
+          <ac:picMkLst>
+            <pc:docMk/>
+            <pc:sldMk cId="2834225856" sldId="262"/>
+            <ac:picMk id="8" creationId="{8D4F24C7-D0D6-46D3-9EA8-FF6466382591}"/>
+          </ac:picMkLst>
+        </pc:picChg>
+        <pc:picChg chg="add del mod ord">
+          <ac:chgData name="Максим Мясников" userId="eb1110bc54b184a5" providerId="LiveId" clId="{F86559E5-74DA-4563-8F35-542E728138DC}" dt="2021-11-21T16:19:28.993" v="1326" actId="478"/>
+          <ac:picMkLst>
+            <pc:docMk/>
+            <pc:sldMk cId="2834225856" sldId="262"/>
+            <ac:picMk id="10" creationId="{768979EB-8E30-4E7B-B362-AEEF447CC01A}"/>
+          </ac:picMkLst>
+        </pc:picChg>
+        <pc:picChg chg="add mod ord">
+          <ac:chgData name="Максим Мясников" userId="eb1110bc54b184a5" providerId="LiveId" clId="{F86559E5-74DA-4563-8F35-542E728138DC}" dt="2021-11-21T16:19:38.379" v="1331" actId="167"/>
+          <ac:picMkLst>
+            <pc:docMk/>
+            <pc:sldMk cId="2834225856" sldId="262"/>
+            <ac:picMk id="12" creationId="{1212C747-9338-4A1B-B039-5FA62226ECA9}"/>
+          </ac:picMkLst>
+        </pc:picChg>
+        <pc:picChg chg="add mod">
+          <ac:chgData name="Максим Мясников" userId="eb1110bc54b184a5" providerId="LiveId" clId="{F86559E5-74DA-4563-8F35-542E728138DC}" dt="2021-11-21T16:14:13.154" v="1255" actId="1076"/>
+          <ac:picMkLst>
+            <pc:docMk/>
+            <pc:sldMk cId="2834225856" sldId="262"/>
+            <ac:picMk id="14" creationId="{B7588B8A-D8B2-4AB3-84A6-EF48AD1A3B8E}"/>
+          </ac:picMkLst>
+        </pc:picChg>
+        <pc:picChg chg="add mod ord">
+          <ac:chgData name="Максим Мясников" userId="eb1110bc54b184a5" providerId="LiveId" clId="{F86559E5-74DA-4563-8F35-542E728138DC}" dt="2021-11-21T16:19:35.244" v="1330" actId="167"/>
+          <ac:picMkLst>
+            <pc:docMk/>
+            <pc:sldMk cId="2834225856" sldId="262"/>
+            <ac:picMk id="26" creationId="{73AB6340-EB51-4370-A3E9-691EFF51F1D4}"/>
+          </ac:picMkLst>
+        </pc:picChg>
+        <pc:cxnChg chg="add mod">
+          <ac:chgData name="Максим Мясников" userId="eb1110bc54b184a5" providerId="LiveId" clId="{F86559E5-74DA-4563-8F35-542E728138DC}" dt="2021-11-21T16:15:49.382" v="1299" actId="1582"/>
+          <ac:cxnSpMkLst>
+            <pc:docMk/>
+            <pc:sldMk cId="2834225856" sldId="262"/>
+            <ac:cxnSpMk id="20" creationId="{64B00223-14DB-496E-A17D-B8DF4FD324F3}"/>
+          </ac:cxnSpMkLst>
+        </pc:cxnChg>
+        <pc:cxnChg chg="add mod">
+          <ac:chgData name="Максим Мясников" userId="eb1110bc54b184a5" providerId="LiveId" clId="{F86559E5-74DA-4563-8F35-542E728138DC}" dt="2021-11-21T16:15:56.202" v="1302" actId="14100"/>
+          <ac:cxnSpMkLst>
+            <pc:docMk/>
+            <pc:sldMk cId="2834225856" sldId="262"/>
+            <ac:cxnSpMk id="21" creationId="{98BD8F03-A3B6-4200-9DF9-D5311CC22068}"/>
+          </ac:cxnSpMkLst>
+        </pc:cxnChg>
+        <pc:cxnChg chg="add mod">
+          <ac:chgData name="Максим Мясников" userId="eb1110bc54b184a5" providerId="LiveId" clId="{F86559E5-74DA-4563-8F35-542E728138DC}" dt="2021-11-21T16:16:08.986" v="1305" actId="14100"/>
+          <ac:cxnSpMkLst>
+            <pc:docMk/>
+            <pc:sldMk cId="2834225856" sldId="262"/>
+            <ac:cxnSpMk id="23" creationId="{72A572DD-4174-4FC4-9555-DE72F5543EF1}"/>
+          </ac:cxnSpMkLst>
+        </pc:cxnChg>
       </pc:sldChg>
       <pc:sldChg chg="addSp delSp modSp add mod">
-        <pc:chgData name="Максим Мясников" userId="eb1110bc54b184a5" providerId="LiveId" clId="{F86559E5-74DA-4563-8F35-542E728138DC}" dt="2021-11-21T15:39:57.807" v="689"/>
+        <pc:chgData name="Максим Мясников" userId="eb1110bc54b184a5" providerId="LiveId" clId="{F86559E5-74DA-4563-8F35-542E728138DC}" dt="2021-11-21T16:37:57.720" v="1667" actId="1076"/>
         <pc:sldMkLst>
           <pc:docMk/>
           <pc:sldMk cId="2464020795" sldId="263"/>
         </pc:sldMkLst>
+        <pc:spChg chg="mod">
+          <ac:chgData name="Максим Мясников" userId="eb1110bc54b184a5" providerId="LiveId" clId="{F86559E5-74DA-4563-8F35-542E728138DC}" dt="2021-11-21T16:22:00.138" v="1393" actId="20577"/>
+          <ac:spMkLst>
+            <pc:docMk/>
+            <pc:sldMk cId="2464020795" sldId="263"/>
+            <ac:spMk id="3" creationId="{BCEC2118-95EB-4EC5-BEC8-F7ACEEA5B534}"/>
+          </ac:spMkLst>
+        </pc:spChg>
         <pc:graphicFrameChg chg="add del mod modGraphic">
           <ac:chgData name="Максим Мясников" userId="eb1110bc54b184a5" providerId="LiveId" clId="{F86559E5-74DA-4563-8F35-542E728138DC}" dt="2021-11-21T15:39:52.946" v="688" actId="478"/>
           <ac:graphicFrameMkLst>
@@ -435,17 +600,65 @@
             <ac:graphicFrameMk id="6" creationId="{D441192A-822C-4467-8757-EE3369C665DA}"/>
           </ac:graphicFrameMkLst>
         </pc:graphicFrameChg>
-        <pc:graphicFrameChg chg="add mod">
-          <ac:chgData name="Максим Мясников" userId="eb1110bc54b184a5" providerId="LiveId" clId="{F86559E5-74DA-4563-8F35-542E728138DC}" dt="2021-11-21T15:39:57.807" v="689"/>
+        <pc:graphicFrameChg chg="add mod modGraphic">
+          <ac:chgData name="Максим Мясников" userId="eb1110bc54b184a5" providerId="LiveId" clId="{F86559E5-74DA-4563-8F35-542E728138DC}" dt="2021-11-21T16:35:27.884" v="1636" actId="2165"/>
           <ac:graphicFrameMkLst>
             <pc:docMk/>
             <pc:sldMk cId="2464020795" sldId="263"/>
             <ac:graphicFrameMk id="7" creationId="{5F399FA9-277B-42BB-B362-FE76CD04F2FF}"/>
           </ac:graphicFrameMkLst>
         </pc:graphicFrameChg>
+        <pc:picChg chg="add mod">
+          <ac:chgData name="Максим Мясников" userId="eb1110bc54b184a5" providerId="LiveId" clId="{F86559E5-74DA-4563-8F35-542E728138DC}" dt="2021-11-21T16:35:57.216" v="1641" actId="1076"/>
+          <ac:picMkLst>
+            <pc:docMk/>
+            <pc:sldMk cId="2464020795" sldId="263"/>
+            <ac:picMk id="1026" creationId="{64BE628D-1A95-491F-9F77-1CBC4647719E}"/>
+          </ac:picMkLst>
+        </pc:picChg>
+        <pc:picChg chg="add mod">
+          <ac:chgData name="Максим Мясников" userId="eb1110bc54b184a5" providerId="LiveId" clId="{F86559E5-74DA-4563-8F35-542E728138DC}" dt="2021-11-21T16:36:14.097" v="1644" actId="1076"/>
+          <ac:picMkLst>
+            <pc:docMk/>
+            <pc:sldMk cId="2464020795" sldId="263"/>
+            <ac:picMk id="1028" creationId="{0A5C0072-31B5-4F7E-9A73-69CB802552F4}"/>
+          </ac:picMkLst>
+        </pc:picChg>
+        <pc:picChg chg="add del">
+          <ac:chgData name="Максим Мясников" userId="eb1110bc54b184a5" providerId="LiveId" clId="{F86559E5-74DA-4563-8F35-542E728138DC}" dt="2021-11-21T16:36:29.026" v="1646" actId="478"/>
+          <ac:picMkLst>
+            <pc:docMk/>
+            <pc:sldMk cId="2464020795" sldId="263"/>
+            <ac:picMk id="1030" creationId="{3659A120-FB0E-4A0F-8F2D-E4399FCB629B}"/>
+          </ac:picMkLst>
+        </pc:picChg>
+        <pc:picChg chg="add mod">
+          <ac:chgData name="Максим Мясников" userId="eb1110bc54b184a5" providerId="LiveId" clId="{F86559E5-74DA-4563-8F35-542E728138DC}" dt="2021-11-21T16:37:28.776" v="1661" actId="1076"/>
+          <ac:picMkLst>
+            <pc:docMk/>
+            <pc:sldMk cId="2464020795" sldId="263"/>
+            <ac:picMk id="1032" creationId="{4D190FB7-0916-4C94-8420-251EB8977817}"/>
+          </ac:picMkLst>
+        </pc:picChg>
+        <pc:picChg chg="add mod">
+          <ac:chgData name="Максим Мясников" userId="eb1110bc54b184a5" providerId="LiveId" clId="{F86559E5-74DA-4563-8F35-542E728138DC}" dt="2021-11-21T16:37:30.536" v="1662" actId="1076"/>
+          <ac:picMkLst>
+            <pc:docMk/>
+            <pc:sldMk cId="2464020795" sldId="263"/>
+            <ac:picMk id="1034" creationId="{5DB1A3E9-C05E-4B70-B1AB-F33774AFFD68}"/>
+          </ac:picMkLst>
+        </pc:picChg>
+        <pc:picChg chg="add mod">
+          <ac:chgData name="Максим Мясников" userId="eb1110bc54b184a5" providerId="LiveId" clId="{F86559E5-74DA-4563-8F35-542E728138DC}" dt="2021-11-21T16:37:57.720" v="1667" actId="1076"/>
+          <ac:picMkLst>
+            <pc:docMk/>
+            <pc:sldMk cId="2464020795" sldId="263"/>
+            <ac:picMk id="1036" creationId="{49334E8B-E3E5-452A-A842-E46C7B0835C9}"/>
+          </ac:picMkLst>
+        </pc:picChg>
       </pc:sldChg>
       <pc:sldChg chg="addSp delSp modSp new mod">
-        <pc:chgData name="Максим Мясников" userId="eb1110bc54b184a5" providerId="LiveId" clId="{F86559E5-74DA-4563-8F35-542E728138DC}" dt="2021-11-21T15:42:00.116" v="790" actId="20577"/>
+        <pc:chgData name="Максим Мясников" userId="eb1110bc54b184a5" providerId="LiveId" clId="{F86559E5-74DA-4563-8F35-542E728138DC}" dt="2021-11-21T16:21:42.569" v="1358" actId="1076"/>
         <pc:sldMkLst>
           <pc:docMk/>
           <pc:sldMk cId="576072518" sldId="264"/>
@@ -507,7 +720,7 @@
           </ac:spMkLst>
         </pc:spChg>
         <pc:spChg chg="add mod">
-          <ac:chgData name="Максим Мясников" userId="eb1110bc54b184a5" providerId="LiveId" clId="{F86559E5-74DA-4563-8F35-542E728138DC}" dt="2021-11-21T15:42:00.116" v="790" actId="20577"/>
+          <ac:chgData name="Максим Мясников" userId="eb1110bc54b184a5" providerId="LiveId" clId="{F86559E5-74DA-4563-8F35-542E728138DC}" dt="2021-11-21T16:20:22.602" v="1339" actId="20577"/>
           <ac:spMkLst>
             <pc:docMk/>
             <pc:sldMk cId="576072518" sldId="264"/>
@@ -538,8 +751,8 @@
             <ac:picMk id="11" creationId="{FC39E915-3950-4A69-AD81-810F5D7CF1B9}"/>
           </ac:picMkLst>
         </pc:picChg>
-        <pc:picChg chg="add mod">
-          <ac:chgData name="Максим Мясников" userId="eb1110bc54b184a5" providerId="LiveId" clId="{F86559E5-74DA-4563-8F35-542E728138DC}" dt="2021-11-21T15:35:23.358" v="592" actId="1037"/>
+        <pc:picChg chg="add mod ord modCrop">
+          <ac:chgData name="Максим Мясников" userId="eb1110bc54b184a5" providerId="LiveId" clId="{F86559E5-74DA-4563-8F35-542E728138DC}" dt="2021-11-21T16:21:37.530" v="1357" actId="1076"/>
           <ac:picMkLst>
             <pc:docMk/>
             <pc:sldMk cId="576072518" sldId="264"/>
@@ -563,7 +776,7 @@
           </ac:picMkLst>
         </pc:picChg>
         <pc:picChg chg="add mod">
-          <ac:chgData name="Максим Мясников" userId="eb1110bc54b184a5" providerId="LiveId" clId="{F86559E5-74DA-4563-8F35-542E728138DC}" dt="2021-11-21T15:35:23.358" v="592" actId="1037"/>
+          <ac:chgData name="Максим Мясников" userId="eb1110bc54b184a5" providerId="LiveId" clId="{F86559E5-74DA-4563-8F35-542E728138DC}" dt="2021-11-21T16:21:24.514" v="1355" actId="1076"/>
           <ac:picMkLst>
             <pc:docMk/>
             <pc:sldMk cId="576072518" sldId="264"/>
@@ -571,13 +784,29 @@
           </ac:picMkLst>
         </pc:picChg>
         <pc:picChg chg="add mod">
-          <ac:chgData name="Максим Мясников" userId="eb1110bc54b184a5" providerId="LiveId" clId="{F86559E5-74DA-4563-8F35-542E728138DC}" dt="2021-11-21T15:35:23.358" v="592" actId="1037"/>
+          <ac:chgData name="Максим Мясников" userId="eb1110bc54b184a5" providerId="LiveId" clId="{F86559E5-74DA-4563-8F35-542E728138DC}" dt="2021-11-21T16:21:42.569" v="1358" actId="1076"/>
           <ac:picMkLst>
             <pc:docMk/>
             <pc:sldMk cId="576072518" sldId="264"/>
             <ac:picMk id="6152" creationId="{9E493C9C-C1BF-40E5-9B07-F8B1D5DA4E18}"/>
           </ac:picMkLst>
         </pc:picChg>
+        <pc:cxnChg chg="add del mod">
+          <ac:chgData name="Максим Мясников" userId="eb1110bc54b184a5" providerId="LiveId" clId="{F86559E5-74DA-4563-8F35-542E728138DC}" dt="2021-11-21T16:20:05.387" v="1337" actId="478"/>
+          <ac:cxnSpMkLst>
+            <pc:docMk/>
+            <pc:sldMk cId="576072518" sldId="264"/>
+            <ac:cxnSpMk id="10" creationId="{C625FB6E-E066-4DA9-A83B-95F7DCA52BA4}"/>
+          </ac:cxnSpMkLst>
+        </pc:cxnChg>
+        <pc:cxnChg chg="add del mod">
+          <ac:chgData name="Максим Мясников" userId="eb1110bc54b184a5" providerId="LiveId" clId="{F86559E5-74DA-4563-8F35-542E728138DC}" dt="2021-11-21T16:20:06.065" v="1338" actId="478"/>
+          <ac:cxnSpMkLst>
+            <pc:docMk/>
+            <pc:sldMk cId="576072518" sldId="264"/>
+            <ac:cxnSpMk id="11" creationId="{77156094-A111-49D8-97E8-64A9F2193E90}"/>
+          </ac:cxnSpMkLst>
+        </pc:cxnChg>
       </pc:sldChg>
       <pc:sldChg chg="addSp delSp modSp new mod">
         <pc:chgData name="Максим Мясников" userId="eb1110bc54b184a5" providerId="LiveId" clId="{F86559E5-74DA-4563-8F35-542E728138DC}" dt="2021-11-21T16:00:17.995" v="1216" actId="478"/>
@@ -9838,7 +10067,7 @@
             </a:pPr>
             <a:r>
               <a:rPr lang="ru-RU" dirty="0"/>
-              <a:t>Результаты опроса об использовании электронной почтой</a:t>
+              <a:t>Сравнение почтовых менеджеров</a:t>
             </a:r>
           </a:p>
         </p:txBody>
@@ -9858,14 +10087,14 @@
           <p:nvPr>
             <p:extLst>
               <p:ext uri="{D42A27DB-BD31-4B8C-83A1-F6EECF244321}">
-                <p14:modId xmlns:p14="http://schemas.microsoft.com/office/powerpoint/2010/main" val="2404701414"/>
+                <p14:modId xmlns:p14="http://schemas.microsoft.com/office/powerpoint/2010/main" val="1598103617"/>
               </p:ext>
             </p:extLst>
           </p:nvPr>
         </p:nvGraphicFramePr>
         <p:xfrm>
           <a:off x="677334" y="1930400"/>
-          <a:ext cx="7737895" cy="4011959"/>
+          <a:ext cx="7737902" cy="1940718"/>
         </p:xfrm>
         <a:graphic>
           <a:graphicData uri="http://schemas.openxmlformats.org/drawingml/2006/table">
@@ -9874,36 +10103,83 @@
                 <a:tableStyleId>{5C22544A-7EE6-4342-B048-85BDC9FD1C3A}</a:tableStyleId>
               </a:tblPr>
               <a:tblGrid>
-                <a:gridCol w="1401556">
+                <a:gridCol w="2029652">
                   <a:extLst>
                     <a:ext uri="{9D8B030D-6E8A-4147-A177-3AD203B41FA5}">
                       <a16:colId xmlns:a16="http://schemas.microsoft.com/office/drawing/2014/main" val="969700487"/>
                     </a:ext>
                   </a:extLst>
                 </a:gridCol>
-                <a:gridCol w="1729833">
+                <a:gridCol w="1141650">
                   <a:extLst>
                     <a:ext uri="{9D8B030D-6E8A-4147-A177-3AD203B41FA5}">
                       <a16:colId xmlns:a16="http://schemas.microsoft.com/office/drawing/2014/main" val="3592318149"/>
                     </a:ext>
                   </a:extLst>
                 </a:gridCol>
-                <a:gridCol w="2173856">
+                <a:gridCol w="1141650">
                   <a:extLst>
                     <a:ext uri="{9D8B030D-6E8A-4147-A177-3AD203B41FA5}">
                       <a16:colId xmlns:a16="http://schemas.microsoft.com/office/drawing/2014/main" val="4100671952"/>
                     </a:ext>
                   </a:extLst>
                 </a:gridCol>
-                <a:gridCol w="2432650">
+                <a:gridCol w="1141650">
                   <a:extLst>
                     <a:ext uri="{9D8B030D-6E8A-4147-A177-3AD203B41FA5}">
                       <a16:colId xmlns:a16="http://schemas.microsoft.com/office/drawing/2014/main" val="695588361"/>
                     </a:ext>
                   </a:extLst>
                 </a:gridCol>
+                <a:gridCol w="1141650">
+                  <a:extLst>
+                    <a:ext uri="{9D8B030D-6E8A-4147-A177-3AD203B41FA5}">
+                      <a16:colId xmlns:a16="http://schemas.microsoft.com/office/drawing/2014/main" val="2067046710"/>
+                    </a:ext>
+                  </a:extLst>
+                </a:gridCol>
+                <a:gridCol w="1141650">
+                  <a:extLst>
+                    <a:ext uri="{9D8B030D-6E8A-4147-A177-3AD203B41FA5}">
+                      <a16:colId xmlns:a16="http://schemas.microsoft.com/office/drawing/2014/main" val="1486816376"/>
+                    </a:ext>
+                  </a:extLst>
+                </a:gridCol>
               </a:tblGrid>
-              <a:tr h="235239">
+              <a:tr h="646906">
+                <a:tc>
+                  <a:txBody>
+                    <a:bodyPr/>
+                    <a:lstStyle/>
+                    <a:p>
+                      <a:pPr algn="just">
+                        <a:tabLst>
+                          <a:tab pos="457200" algn="l"/>
+                          <a:tab pos="914400" algn="l"/>
+                          <a:tab pos="1371600" algn="l"/>
+                          <a:tab pos="1828800" algn="l"/>
+                          <a:tab pos="2286000" algn="l"/>
+                          <a:tab pos="2743200" algn="l"/>
+                          <a:tab pos="3200400" algn="l"/>
+                          <a:tab pos="3657600" algn="l"/>
+                        </a:tabLst>
+                      </a:pPr>
+                      <a:endParaRPr lang="ru-RU" sz="1200" dirty="0">
+                        <a:ln>
+                          <a:noFill/>
+                        </a:ln>
+                        <a:solidFill>
+                          <a:srgbClr val="000000"/>
+                        </a:solidFill>
+                        <a:effectLst/>
+                        <a:latin typeface="Helvetica Neue"/>
+                        <a:ea typeface="Helvetica Neue"/>
+                        <a:cs typeface="Helvetica Neue"/>
+                      </a:endParaRPr>
+                    </a:p>
+                  </a:txBody>
+                  <a:tcPr marL="52929" marR="52929" marT="0" marB="0"/>
+                </a:tc>
                 <a:tc>
                   <a:txBody>
                     <a:bodyPr/>
@@ -9922,13 +10198,19 @@
                         </a:tabLst>
                       </a:pPr>
                       <a:r>
-                        <a:rPr lang="ru-RU" sz="1200" dirty="0">
+                        <a:rPr lang="en-US" sz="1200" dirty="0">
                           <a:ln>
                             <a:noFill/>
                           </a:ln>
+                          <a:solidFill>
+                            <a:srgbClr val="000000"/>
+                          </a:solidFill>
                           <a:effectLst/>
+                          <a:latin typeface="Helvetica Neue"/>
+                          <a:ea typeface="Helvetica Neue"/>
+                          <a:cs typeface="Helvetica Neue"/>
                         </a:rPr>
-                        <a:t>Характеристика</a:t>
+                        <a:t>Outlook</a:t>
                       </a:r>
                       <a:endParaRPr lang="ru-RU" sz="1200" dirty="0">
                         <a:ln>
@@ -9968,9 +10250,15 @@
                           <a:ln>
                             <a:noFill/>
                           </a:ln>
+                          <a:solidFill>
+                            <a:srgbClr val="000000"/>
+                          </a:solidFill>
                           <a:effectLst/>
+                          <a:latin typeface="Helvetica Neue"/>
+                          <a:ea typeface="Helvetica Neue"/>
+                          <a:cs typeface="Helvetica Neue"/>
                         </a:rPr>
-                        <a:t>SOAP</a:t>
+                        <a:t>Thunderbird</a:t>
                       </a:r>
                       <a:endParaRPr lang="ru-RU" sz="1200" dirty="0">
                         <a:ln>
@@ -10006,15 +10294,21 @@
                         </a:tabLst>
                       </a:pPr>
                       <a:r>
-                        <a:rPr lang="en-US" sz="1200">
+                        <a:rPr lang="en-US" sz="1200" dirty="0" err="1">
                           <a:ln>
                             <a:noFill/>
                           </a:ln>
+                          <a:solidFill>
+                            <a:srgbClr val="000000"/>
+                          </a:solidFill>
                           <a:effectLst/>
+                          <a:latin typeface="Helvetica Neue"/>
+                          <a:ea typeface="Helvetica Neue"/>
+                          <a:cs typeface="Helvetica Neue"/>
                         </a:rPr>
-                        <a:t>XML-RPC</a:t>
+                        <a:t>Mailbird</a:t>
                       </a:r>
-                      <a:endParaRPr lang="ru-RU" sz="1200">
+                      <a:endParaRPr lang="ru-RU" sz="1200" dirty="0">
                         <a:ln>
                           <a:noFill/>
                         </a:ln>
@@ -10048,13 +10342,82 @@
                         </a:tabLst>
                       </a:pPr>
                       <a:r>
+                        <a:rPr lang="en-US" sz="1200" dirty="0" err="1">
+                          <a:ln>
+                            <a:noFill/>
+                          </a:ln>
+                          <a:solidFill>
+                            <a:srgbClr val="000000"/>
+                          </a:solidFill>
+                          <a:effectLst/>
+                          <a:latin typeface="Helvetica Neue"/>
+                          <a:ea typeface="Helvetica Neue"/>
+                          <a:cs typeface="Helvetica Neue"/>
+                        </a:rPr>
+                        <a:t>eM</a:t>
+                      </a:r>
+                      <a:r>
                         <a:rPr lang="en-US" sz="1200" dirty="0">
                           <a:ln>
                             <a:noFill/>
                           </a:ln>
+                          <a:solidFill>
+                            <a:srgbClr val="000000"/>
+                          </a:solidFill>
                           <a:effectLst/>
+                          <a:latin typeface="Helvetica Neue"/>
+                          <a:ea typeface="Helvetica Neue"/>
+                          <a:cs typeface="Helvetica Neue"/>
                         </a:rPr>
-                        <a:t>REST</a:t>
+                        <a:t> Client</a:t>
+                      </a:r>
+                      <a:endParaRPr lang="ru-RU" sz="1200" dirty="0">
+                        <a:ln>
+                          <a:noFill/>
+                        </a:ln>
+                        <a:solidFill>
+                          <a:srgbClr val="000000"/>
+                        </a:solidFill>
+                        <a:effectLst/>
+                        <a:latin typeface="Helvetica Neue"/>
+                        <a:ea typeface="Helvetica Neue"/>
+                        <a:cs typeface="Helvetica Neue"/>
+                      </a:endParaRPr>
+                    </a:p>
+                  </a:txBody>
+                  <a:tcPr marL="52929" marR="52929" marT="0" marB="0"/>
+                </a:tc>
+                <a:tc>
+                  <a:txBody>
+                    <a:bodyPr/>
+                    <a:lstStyle/>
+                    <a:p>
+                      <a:pPr algn="just">
+                        <a:tabLst>
+                          <a:tab pos="457200" algn="l"/>
+                          <a:tab pos="914400" algn="l"/>
+                          <a:tab pos="1371600" algn="l"/>
+                          <a:tab pos="1828800" algn="l"/>
+                          <a:tab pos="2286000" algn="l"/>
+                          <a:tab pos="2743200" algn="l"/>
+                          <a:tab pos="3200400" algn="l"/>
+                          <a:tab pos="3657600" algn="l"/>
+                        </a:tabLst>
+                      </a:pPr>
+                      <a:r>
+                        <a:rPr lang="en-US" sz="1200" dirty="0" err="1">
+                          <a:ln>
+                            <a:noFill/>
+                          </a:ln>
+                          <a:solidFill>
+                            <a:srgbClr val="000000"/>
+                          </a:solidFill>
+                          <a:effectLst/>
+                          <a:latin typeface="Helvetica Neue"/>
+                          <a:ea typeface="Helvetica Neue"/>
+                          <a:cs typeface="Helvetica Neue"/>
+                        </a:rPr>
+                        <a:t>Polymail</a:t>
                       </a:r>
                       <a:endParaRPr lang="ru-RU" sz="1200" dirty="0">
                         <a:ln>
@@ -10078,7 +10441,7 @@
                   </a:ext>
                 </a:extLst>
               </a:tr>
-              <a:tr h="1646670">
+              <a:tr h="646906">
                 <a:tc>
                   <a:txBody>
                     <a:bodyPr/>
@@ -10101,239 +10464,16 @@
                           <a:ln>
                             <a:noFill/>
                           </a:ln>
+                          <a:solidFill>
+                            <a:srgbClr val="000000"/>
+                          </a:solidFill>
                           <a:effectLst/>
+                          <a:latin typeface="Helvetica Neue"/>
+                          <a:ea typeface="Helvetica Neue"/>
+                          <a:cs typeface="Helvetica Neue"/>
                         </a:rPr>
-                        <a:t>Как организован</a:t>
+                        <a:t>Поддерживающие ОС</a:t>
                       </a:r>
-                      <a:endParaRPr lang="ru-RU" sz="1200" dirty="0">
-                        <a:ln>
-                          <a:noFill/>
-                        </a:ln>
-                        <a:solidFill>
-                          <a:srgbClr val="000000"/>
-                        </a:solidFill>
-                        <a:effectLst/>
-                        <a:latin typeface="Helvetica Neue"/>
-                        <a:ea typeface="Helvetica Neue"/>
-                        <a:cs typeface="Helvetica Neue"/>
-                      </a:endParaRPr>
-                    </a:p>
-                  </a:txBody>
-                  <a:tcPr marL="52929" marR="52929" marT="0" marB="0"/>
-                </a:tc>
-                <a:tc>
-                  <a:txBody>
-                    <a:bodyPr/>
-                    <a:lstStyle/>
-                    <a:p>
-                      <a:pPr algn="l">
-                        <a:tabLst>
-                          <a:tab pos="457200" algn="l"/>
-                          <a:tab pos="914400" algn="l"/>
-                          <a:tab pos="1371600" algn="l"/>
-                          <a:tab pos="1828800" algn="l"/>
-                          <a:tab pos="2286000" algn="l"/>
-                          <a:tab pos="2743200" algn="l"/>
-                          <a:tab pos="3200400" algn="l"/>
-                          <a:tab pos="3657600" algn="l"/>
-                        </a:tabLst>
-                      </a:pPr>
-                      <a:r>
-                        <a:rPr lang="ru-RU" sz="1200" dirty="0">
-                          <a:ln>
-                            <a:noFill/>
-                          </a:ln>
-                          <a:effectLst/>
-                        </a:rPr>
-                        <a:t>Конвертная структура сообщений</a:t>
-                      </a:r>
-                      <a:endParaRPr lang="ru-RU" sz="1200" dirty="0">
-                        <a:ln>
-                          <a:noFill/>
-                        </a:ln>
-                        <a:solidFill>
-                          <a:srgbClr val="000000"/>
-                        </a:solidFill>
-                        <a:effectLst/>
-                        <a:latin typeface="Helvetica Neue"/>
-                        <a:ea typeface="Helvetica Neue"/>
-                        <a:cs typeface="Helvetica Neue"/>
-                      </a:endParaRPr>
-                    </a:p>
-                  </a:txBody>
-                  <a:tcPr marL="52929" marR="52929" marT="0" marB="0"/>
-                </a:tc>
-                <a:tc>
-                  <a:txBody>
-                    <a:bodyPr/>
-                    <a:lstStyle/>
-                    <a:p>
-                      <a:pPr algn="l">
-                        <a:tabLst>
-                          <a:tab pos="457200" algn="l"/>
-                          <a:tab pos="914400" algn="l"/>
-                          <a:tab pos="1371600" algn="l"/>
-                          <a:tab pos="1828800" algn="l"/>
-                          <a:tab pos="2286000" algn="l"/>
-                          <a:tab pos="2743200" algn="l"/>
-                          <a:tab pos="3200400" algn="l"/>
-                          <a:tab pos="3657600" algn="l"/>
-                        </a:tabLst>
-                      </a:pPr>
-                      <a:r>
-                        <a:rPr lang="ru-RU" sz="1200" dirty="0">
-                          <a:ln>
-                            <a:noFill/>
-                          </a:ln>
-                          <a:effectLst/>
-                        </a:rPr>
-                        <a:t>Локальный вызов процедуры</a:t>
-                      </a:r>
-                      <a:endParaRPr lang="ru-RU" sz="1200" dirty="0">
-                        <a:ln>
-                          <a:noFill/>
-                        </a:ln>
-                        <a:solidFill>
-                          <a:srgbClr val="000000"/>
-                        </a:solidFill>
-                        <a:effectLst/>
-                        <a:latin typeface="Helvetica Neue"/>
-                        <a:ea typeface="Helvetica Neue"/>
-                        <a:cs typeface="Helvetica Neue"/>
-                      </a:endParaRPr>
-                    </a:p>
-                  </a:txBody>
-                  <a:tcPr marL="52929" marR="52929" marT="0" marB="0"/>
-                </a:tc>
-                <a:tc>
-                  <a:txBody>
-                    <a:bodyPr/>
-                    <a:lstStyle/>
-                    <a:p>
-                      <a:pPr algn="l">
-                        <a:tabLst>
-                          <a:tab pos="457200" algn="l"/>
-                          <a:tab pos="914400" algn="l"/>
-                          <a:tab pos="1371600" algn="l"/>
-                          <a:tab pos="1828800" algn="l"/>
-                          <a:tab pos="2286000" algn="l"/>
-                          <a:tab pos="2743200" algn="l"/>
-                          <a:tab pos="3200400" algn="l"/>
-                          <a:tab pos="3657600" algn="l"/>
-                        </a:tabLst>
-                      </a:pPr>
-                      <a:r>
-                        <a:rPr lang="ru-RU" sz="1200" dirty="0">
-                          <a:ln>
-                            <a:noFill/>
-                          </a:ln>
-                          <a:effectLst/>
-                        </a:rPr>
-                        <a:t>Соответствие архитектурным ограничениям (единство интерфейса; отсутствие состояния; кэширование; клиент-серверный подход; многоуровневая система; расширяемость функционала)</a:t>
-                      </a:r>
-                      <a:endParaRPr lang="ru-RU" sz="1200" dirty="0">
-                        <a:ln>
-                          <a:noFill/>
-                        </a:ln>
-                        <a:solidFill>
-                          <a:srgbClr val="000000"/>
-                        </a:solidFill>
-                        <a:effectLst/>
-                        <a:latin typeface="Helvetica Neue"/>
-                        <a:ea typeface="Helvetica Neue"/>
-                        <a:cs typeface="Helvetica Neue"/>
-                      </a:endParaRPr>
-                    </a:p>
-                  </a:txBody>
-                  <a:tcPr marL="52929" marR="52929" marT="0" marB="0"/>
-                </a:tc>
-                <a:extLst>
-                  <a:ext uri="{0D108BD9-81ED-4DB2-BD59-A6C34878D82A}">
-                    <a16:rowId xmlns:a16="http://schemas.microsoft.com/office/drawing/2014/main" val="676282581"/>
-                  </a:ext>
-                </a:extLst>
-              </a:tr>
-              <a:tr h="235239">
-                <a:tc>
-                  <a:txBody>
-                    <a:bodyPr/>
-                    <a:lstStyle/>
-                    <a:p>
-                      <a:pPr algn="just">
-                        <a:tabLst>
-                          <a:tab pos="457200" algn="l"/>
-                          <a:tab pos="914400" algn="l"/>
-                          <a:tab pos="1371600" algn="l"/>
-                          <a:tab pos="1828800" algn="l"/>
-                          <a:tab pos="2286000" algn="l"/>
-                          <a:tab pos="2743200" algn="l"/>
-                          <a:tab pos="3200400" algn="l"/>
-                          <a:tab pos="3657600" algn="l"/>
-                        </a:tabLst>
-                      </a:pPr>
-                      <a:r>
-                        <a:rPr lang="ru-RU" sz="1200" dirty="0">
-                          <a:ln>
-                            <a:noFill/>
-                          </a:ln>
-                          <a:effectLst/>
-                        </a:rPr>
-                        <a:t>Формат</a:t>
-                      </a:r>
-                      <a:endParaRPr lang="ru-RU" sz="1200" dirty="0">
-                        <a:ln>
-                          <a:noFill/>
-                        </a:ln>
-                        <a:solidFill>
-                          <a:srgbClr val="000000"/>
-                        </a:solidFill>
-                        <a:effectLst/>
-                        <a:latin typeface="Helvetica Neue"/>
-                        <a:ea typeface="Helvetica Neue"/>
-                        <a:cs typeface="Helvetica Neue"/>
-                      </a:endParaRPr>
-                    </a:p>
-                  </a:txBody>
-                  <a:tcPr marL="52929" marR="52929" marT="0" marB="0"/>
-                </a:tc>
-                <a:tc>
-                  <a:txBody>
-                    <a:bodyPr/>
-                    <a:lstStyle/>
-                    <a:p>
-                      <a:pPr algn="l">
-                        <a:tabLst>
-                          <a:tab pos="457200" algn="l"/>
-                          <a:tab pos="914400" algn="l"/>
-                          <a:tab pos="1371600" algn="l"/>
-                          <a:tab pos="1828800" algn="l"/>
-                          <a:tab pos="2286000" algn="l"/>
-                          <a:tab pos="2743200" algn="l"/>
-                          <a:tab pos="3200400" algn="l"/>
-                          <a:tab pos="3657600" algn="l"/>
-                        </a:tabLst>
-                      </a:pPr>
-                      <a:r>
-                        <a:rPr lang="en-US" sz="1200">
-                          <a:ln>
-                            <a:noFill/>
-                          </a:ln>
-                          <a:effectLst/>
-                        </a:rPr>
-                        <a:t>XML</a:t>
-                      </a:r>
-                      <a:endParaRPr lang="ru-RU" sz="1200">
-                        <a:ln>
-                          <a:noFill/>
-                        </a:ln>
-                        <a:solidFill>
-                          <a:srgbClr val="000000"/>
-                        </a:solidFill>
-                        <a:effectLst/>
-                        <a:latin typeface="Helvetica Neue"/>
-                        <a:ea typeface="Helvetica Neue"/>
-                        <a:cs typeface="Helvetica Neue"/>
-                      </a:endParaRPr>
                     </a:p>
                   </a:txBody>
                   <a:tcPr marL="52929" marR="52929" marT="0" marB="0"/>
@@ -10360,30 +10500,17 @@
                           <a:ln>
                             <a:noFill/>
                           </a:ln>
+                          <a:solidFill>
+                            <a:srgbClr val="000000"/>
+                          </a:solidFill>
                           <a:effectLst/>
+                          <a:latin typeface="Helvetica Neue"/>
+                          <a:ea typeface="Helvetica Neue"/>
+                          <a:cs typeface="Helvetica Neue"/>
                         </a:rPr>
-                        <a:t>XML</a:t>
+                        <a:t>Windows</a:t>
                       </a:r>
-                      <a:endParaRPr lang="ru-RU" sz="1200" dirty="0">
-                        <a:ln>
-                          <a:noFill/>
-                        </a:ln>
-                        <a:solidFill>
-                          <a:srgbClr val="000000"/>
-                        </a:solidFill>
-                        <a:effectLst/>
-                        <a:latin typeface="Helvetica Neue"/>
-                        <a:ea typeface="Helvetica Neue"/>
-                        <a:cs typeface="Helvetica Neue"/>
-                      </a:endParaRPr>
                     </a:p>
-                  </a:txBody>
-                  <a:tcPr marL="52929" marR="52929" marT="0" marB="0"/>
-                </a:tc>
-                <a:tc>
-                  <a:txBody>
-                    <a:bodyPr/>
-                    <a:lstStyle/>
                     <a:p>
                       <a:pPr algn="l">
                         <a:tabLst>
@@ -10398,577 +10525,19 @@
                         </a:tabLst>
                       </a:pPr>
                       <a:r>
-                        <a:rPr lang="en-US" sz="1200">
-                          <a:ln>
-                            <a:noFill/>
-                          </a:ln>
-                          <a:effectLst/>
-                        </a:rPr>
-                        <a:t>XML</a:t>
-                      </a:r>
-                      <a:r>
-                        <a:rPr lang="ru-RU" sz="1200">
-                          <a:ln>
-                            <a:noFill/>
-                          </a:ln>
-                          <a:effectLst/>
-                        </a:rPr>
-                        <a:t>, </a:t>
-                      </a:r>
-                      <a:r>
-                        <a:rPr lang="en-US" sz="1200">
-                          <a:ln>
-                            <a:noFill/>
-                          </a:ln>
-                          <a:effectLst/>
-                        </a:rPr>
-                        <a:t>JSON</a:t>
-                      </a:r>
-                      <a:r>
-                        <a:rPr lang="ru-RU" sz="1200">
-                          <a:ln>
-                            <a:noFill/>
-                          </a:ln>
-                          <a:effectLst/>
-                        </a:rPr>
-                        <a:t>, </a:t>
-                      </a:r>
-                      <a:r>
-                        <a:rPr lang="en-US" sz="1200">
-                          <a:ln>
-                            <a:noFill/>
-                          </a:ln>
-                          <a:effectLst/>
-                        </a:rPr>
-                        <a:t>HTML</a:t>
-                      </a:r>
-                      <a:r>
-                        <a:rPr lang="ru-RU" sz="1200">
-                          <a:ln>
-                            <a:noFill/>
-                          </a:ln>
-                          <a:effectLst/>
-                        </a:rPr>
-                        <a:t>, текст</a:t>
-                      </a:r>
-                      <a:endParaRPr lang="ru-RU" sz="1200">
-                        <a:ln>
-                          <a:noFill/>
-                        </a:ln>
-                        <a:solidFill>
-                          <a:srgbClr val="000000"/>
-                        </a:solidFill>
-                        <a:effectLst/>
-                        <a:latin typeface="Helvetica Neue"/>
-                        <a:ea typeface="Helvetica Neue"/>
-                        <a:cs typeface="Helvetica Neue"/>
-                      </a:endParaRPr>
-                    </a:p>
-                  </a:txBody>
-                  <a:tcPr marL="52929" marR="52929" marT="0" marB="0"/>
-                </a:tc>
-                <a:extLst>
-                  <a:ext uri="{0D108BD9-81ED-4DB2-BD59-A6C34878D82A}">
-                    <a16:rowId xmlns:a16="http://schemas.microsoft.com/office/drawing/2014/main" val="3340372954"/>
-                  </a:ext>
-                </a:extLst>
-              </a:tr>
-              <a:tr h="235239">
-                <a:tc>
-                  <a:txBody>
-                    <a:bodyPr/>
-                    <a:lstStyle/>
-                    <a:p>
-                      <a:pPr algn="l">
-                        <a:tabLst>
-                          <a:tab pos="457200" algn="l"/>
-                          <a:tab pos="914400" algn="l"/>
-                          <a:tab pos="1371600" algn="l"/>
-                          <a:tab pos="1828800" algn="l"/>
-                          <a:tab pos="2286000" algn="l"/>
-                          <a:tab pos="2743200" algn="l"/>
-                          <a:tab pos="3200400" algn="l"/>
-                          <a:tab pos="3657600" algn="l"/>
-                        </a:tabLst>
-                      </a:pPr>
-                      <a:r>
-                        <a:rPr lang="ru-RU" sz="1200" dirty="0">
-                          <a:ln>
-                            <a:noFill/>
-                          </a:ln>
-                          <a:effectLst/>
-                        </a:rPr>
-                        <a:t>Изучение и работа</a:t>
-                      </a:r>
-                      <a:endParaRPr lang="ru-RU" sz="1200" dirty="0">
-                        <a:ln>
-                          <a:noFill/>
-                        </a:ln>
-                        <a:solidFill>
-                          <a:srgbClr val="000000"/>
-                        </a:solidFill>
-                        <a:effectLst/>
-                        <a:latin typeface="Helvetica Neue"/>
-                        <a:ea typeface="Helvetica Neue"/>
-                        <a:cs typeface="Helvetica Neue"/>
-                      </a:endParaRPr>
-                    </a:p>
-                  </a:txBody>
-                  <a:tcPr marL="52929" marR="52929" marT="0" marB="0"/>
-                </a:tc>
-                <a:tc>
-                  <a:txBody>
-                    <a:bodyPr/>
-                    <a:lstStyle/>
-                    <a:p>
-                      <a:pPr algn="l">
-                        <a:tabLst>
-                          <a:tab pos="457200" algn="l"/>
-                          <a:tab pos="914400" algn="l"/>
-                          <a:tab pos="1371600" algn="l"/>
-                          <a:tab pos="1828800" algn="l"/>
-                          <a:tab pos="2286000" algn="l"/>
-                          <a:tab pos="2743200" algn="l"/>
-                          <a:tab pos="3200400" algn="l"/>
-                          <a:tab pos="3657600" algn="l"/>
-                        </a:tabLst>
-                      </a:pPr>
-                      <a:r>
-                        <a:rPr lang="ru-RU" sz="1200">
-                          <a:ln>
-                            <a:noFill/>
-                          </a:ln>
-                          <a:effectLst/>
-                        </a:rPr>
-                        <a:t>Сложно</a:t>
-                      </a:r>
-                      <a:endParaRPr lang="ru-RU" sz="1200">
-                        <a:ln>
-                          <a:noFill/>
-                        </a:ln>
-                        <a:solidFill>
-                          <a:srgbClr val="000000"/>
-                        </a:solidFill>
-                        <a:effectLst/>
-                        <a:latin typeface="Helvetica Neue"/>
-                        <a:ea typeface="Helvetica Neue"/>
-                        <a:cs typeface="Helvetica Neue"/>
-                      </a:endParaRPr>
-                    </a:p>
-                  </a:txBody>
-                  <a:tcPr marL="52929" marR="52929" marT="0" marB="0"/>
-                </a:tc>
-                <a:tc>
-                  <a:txBody>
-                    <a:bodyPr/>
-                    <a:lstStyle/>
-                    <a:p>
-                      <a:pPr algn="l">
-                        <a:tabLst>
-                          <a:tab pos="457200" algn="l"/>
-                          <a:tab pos="914400" algn="l"/>
-                          <a:tab pos="1371600" algn="l"/>
-                          <a:tab pos="1828800" algn="l"/>
-                          <a:tab pos="2286000" algn="l"/>
-                          <a:tab pos="2743200" algn="l"/>
-                          <a:tab pos="3200400" algn="l"/>
-                          <a:tab pos="3657600" algn="l"/>
-                        </a:tabLst>
-                      </a:pPr>
-                      <a:r>
-                        <a:rPr lang="ru-RU" sz="1200">
-                          <a:ln>
-                            <a:noFill/>
-                          </a:ln>
-                          <a:effectLst/>
-                        </a:rPr>
-                        <a:t>Легко</a:t>
-                      </a:r>
-                      <a:endParaRPr lang="ru-RU" sz="1200">
-                        <a:ln>
-                          <a:noFill/>
-                        </a:ln>
-                        <a:solidFill>
-                          <a:srgbClr val="000000"/>
-                        </a:solidFill>
-                        <a:effectLst/>
-                        <a:latin typeface="Helvetica Neue"/>
-                        <a:ea typeface="Helvetica Neue"/>
-                        <a:cs typeface="Helvetica Neue"/>
-                      </a:endParaRPr>
-                    </a:p>
-                  </a:txBody>
-                  <a:tcPr marL="52929" marR="52929" marT="0" marB="0"/>
-                </a:tc>
-                <a:tc>
-                  <a:txBody>
-                    <a:bodyPr/>
-                    <a:lstStyle/>
-                    <a:p>
-                      <a:pPr algn="l">
-                        <a:tabLst>
-                          <a:tab pos="457200" algn="l"/>
-                          <a:tab pos="914400" algn="l"/>
-                          <a:tab pos="1371600" algn="l"/>
-                          <a:tab pos="1828800" algn="l"/>
-                          <a:tab pos="2286000" algn="l"/>
-                          <a:tab pos="2743200" algn="l"/>
-                          <a:tab pos="3200400" algn="l"/>
-                          <a:tab pos="3657600" algn="l"/>
-                        </a:tabLst>
-                      </a:pPr>
-                      <a:r>
-                        <a:rPr lang="ru-RU" sz="1200">
-                          <a:ln>
-                            <a:noFill/>
-                          </a:ln>
-                          <a:effectLst/>
-                        </a:rPr>
-                        <a:t>Легко</a:t>
-                      </a:r>
-                      <a:endParaRPr lang="ru-RU" sz="1200">
-                        <a:ln>
-                          <a:noFill/>
-                        </a:ln>
-                        <a:solidFill>
-                          <a:srgbClr val="000000"/>
-                        </a:solidFill>
-                        <a:effectLst/>
-                        <a:latin typeface="Helvetica Neue"/>
-                        <a:ea typeface="Helvetica Neue"/>
-                        <a:cs typeface="Helvetica Neue"/>
-                      </a:endParaRPr>
-                    </a:p>
-                  </a:txBody>
-                  <a:tcPr marL="52929" marR="52929" marT="0" marB="0"/>
-                </a:tc>
-                <a:extLst>
-                  <a:ext uri="{0D108BD9-81ED-4DB2-BD59-A6C34878D82A}">
-                    <a16:rowId xmlns:a16="http://schemas.microsoft.com/office/drawing/2014/main" val="159992071"/>
-                  </a:ext>
-                </a:extLst>
-              </a:tr>
-              <a:tr h="235239">
-                <a:tc>
-                  <a:txBody>
-                    <a:bodyPr/>
-                    <a:lstStyle/>
-                    <a:p>
-                      <a:pPr algn="just">
-                        <a:tabLst>
-                          <a:tab pos="457200" algn="l"/>
-                          <a:tab pos="914400" algn="l"/>
-                          <a:tab pos="1371600" algn="l"/>
-                          <a:tab pos="1828800" algn="l"/>
-                          <a:tab pos="2286000" algn="l"/>
-                          <a:tab pos="2743200" algn="l"/>
-                          <a:tab pos="3200400" algn="l"/>
-                          <a:tab pos="3657600" algn="l"/>
-                        </a:tabLst>
-                      </a:pPr>
-                      <a:r>
-                        <a:rPr lang="ru-RU" sz="1200">
-                          <a:ln>
-                            <a:noFill/>
-                          </a:ln>
-                          <a:effectLst/>
-                        </a:rPr>
-                        <a:t>Сообщество</a:t>
-                      </a:r>
-                      <a:endParaRPr lang="ru-RU" sz="1200">
-                        <a:ln>
-                          <a:noFill/>
-                        </a:ln>
-                        <a:solidFill>
-                          <a:srgbClr val="000000"/>
-                        </a:solidFill>
-                        <a:effectLst/>
-                        <a:latin typeface="Helvetica Neue"/>
-                        <a:ea typeface="Helvetica Neue"/>
-                        <a:cs typeface="Helvetica Neue"/>
-                      </a:endParaRPr>
-                    </a:p>
-                  </a:txBody>
-                  <a:tcPr marL="52929" marR="52929" marT="0" marB="0"/>
-                </a:tc>
-                <a:tc>
-                  <a:txBody>
-                    <a:bodyPr/>
-                    <a:lstStyle/>
-                    <a:p>
-                      <a:pPr algn="l">
-                        <a:tabLst>
-                          <a:tab pos="457200" algn="l"/>
-                          <a:tab pos="914400" algn="l"/>
-                          <a:tab pos="1371600" algn="l"/>
-                          <a:tab pos="1828800" algn="l"/>
-                          <a:tab pos="2286000" algn="l"/>
-                          <a:tab pos="2743200" algn="l"/>
-                          <a:tab pos="3200400" algn="l"/>
-                          <a:tab pos="3657600" algn="l"/>
-                        </a:tabLst>
-                      </a:pPr>
-                      <a:r>
-                        <a:rPr lang="ru-RU" sz="1200" dirty="0">
-                          <a:ln>
-                            <a:noFill/>
-                          </a:ln>
-                          <a:effectLst/>
-                        </a:rPr>
-                        <a:t>Небольшое</a:t>
-                      </a:r>
-                      <a:endParaRPr lang="ru-RU" sz="1200" dirty="0">
-                        <a:ln>
-                          <a:noFill/>
-                        </a:ln>
-                        <a:solidFill>
-                          <a:srgbClr val="000000"/>
-                        </a:solidFill>
-                        <a:effectLst/>
-                        <a:latin typeface="Helvetica Neue"/>
-                        <a:ea typeface="Helvetica Neue"/>
-                        <a:cs typeface="Helvetica Neue"/>
-                      </a:endParaRPr>
-                    </a:p>
-                  </a:txBody>
-                  <a:tcPr marL="52929" marR="52929" marT="0" marB="0"/>
-                </a:tc>
-                <a:tc>
-                  <a:txBody>
-                    <a:bodyPr/>
-                    <a:lstStyle/>
-                    <a:p>
-                      <a:pPr algn="l">
-                        <a:tabLst>
-                          <a:tab pos="457200" algn="l"/>
-                          <a:tab pos="914400" algn="l"/>
-                          <a:tab pos="1371600" algn="l"/>
-                          <a:tab pos="1828800" algn="l"/>
-                          <a:tab pos="2286000" algn="l"/>
-                          <a:tab pos="2743200" algn="l"/>
-                          <a:tab pos="3200400" algn="l"/>
-                          <a:tab pos="3657600" algn="l"/>
-                        </a:tabLst>
-                      </a:pPr>
-                      <a:r>
-                        <a:rPr lang="ru-RU" sz="1200" dirty="0">
-                          <a:ln>
-                            <a:noFill/>
-                          </a:ln>
-                          <a:effectLst/>
-                        </a:rPr>
-                        <a:t>Большое</a:t>
-                      </a:r>
-                      <a:endParaRPr lang="ru-RU" sz="1200" dirty="0">
-                        <a:ln>
-                          <a:noFill/>
-                        </a:ln>
-                        <a:solidFill>
-                          <a:srgbClr val="000000"/>
-                        </a:solidFill>
-                        <a:effectLst/>
-                        <a:latin typeface="Helvetica Neue"/>
-                        <a:ea typeface="Helvetica Neue"/>
-                        <a:cs typeface="Helvetica Neue"/>
-                      </a:endParaRPr>
-                    </a:p>
-                  </a:txBody>
-                  <a:tcPr marL="52929" marR="52929" marT="0" marB="0"/>
-                </a:tc>
-                <a:tc>
-                  <a:txBody>
-                    <a:bodyPr/>
-                    <a:lstStyle/>
-                    <a:p>
-                      <a:pPr algn="l">
-                        <a:tabLst>
-                          <a:tab pos="457200" algn="l"/>
-                          <a:tab pos="914400" algn="l"/>
-                          <a:tab pos="1371600" algn="l"/>
-                          <a:tab pos="1828800" algn="l"/>
-                          <a:tab pos="2286000" algn="l"/>
-                          <a:tab pos="2743200" algn="l"/>
-                          <a:tab pos="3200400" algn="l"/>
-                          <a:tab pos="3657600" algn="l"/>
-                        </a:tabLst>
-                      </a:pPr>
-                      <a:r>
-                        <a:rPr lang="ru-RU" sz="1200" dirty="0">
-                          <a:ln>
-                            <a:noFill/>
-                          </a:ln>
-                          <a:effectLst/>
-                        </a:rPr>
-                        <a:t>Большое</a:t>
-                      </a:r>
-                      <a:endParaRPr lang="ru-RU" sz="1200" dirty="0">
-                        <a:ln>
-                          <a:noFill/>
-                        </a:ln>
-                        <a:solidFill>
-                          <a:srgbClr val="000000"/>
-                        </a:solidFill>
-                        <a:effectLst/>
-                        <a:latin typeface="Helvetica Neue"/>
-                        <a:ea typeface="Helvetica Neue"/>
-                        <a:cs typeface="Helvetica Neue"/>
-                      </a:endParaRPr>
-                    </a:p>
-                  </a:txBody>
-                  <a:tcPr marL="52929" marR="52929" marT="0" marB="0"/>
-                </a:tc>
-                <a:extLst>
-                  <a:ext uri="{0D108BD9-81ED-4DB2-BD59-A6C34878D82A}">
-                    <a16:rowId xmlns:a16="http://schemas.microsoft.com/office/drawing/2014/main" val="996670102"/>
-                  </a:ext>
-                </a:extLst>
-              </a:tr>
-              <a:tr h="1293812">
-                <a:tc>
-                  <a:txBody>
-                    <a:bodyPr/>
-                    <a:lstStyle/>
-                    <a:p>
-                      <a:pPr algn="just">
-                        <a:tabLst>
-                          <a:tab pos="457200" algn="l"/>
-                          <a:tab pos="914400" algn="l"/>
-                          <a:tab pos="1371600" algn="l"/>
-                          <a:tab pos="1828800" algn="l"/>
-                          <a:tab pos="2286000" algn="l"/>
-                          <a:tab pos="2743200" algn="l"/>
-                          <a:tab pos="3200400" algn="l"/>
-                          <a:tab pos="3657600" algn="l"/>
-                        </a:tabLst>
-                      </a:pPr>
-                      <a:r>
-                        <a:rPr lang="ru-RU" sz="1200" dirty="0">
-                          <a:ln>
-                            <a:noFill/>
-                          </a:ln>
-                          <a:effectLst/>
-                        </a:rPr>
-                        <a:t>Использование</a:t>
-                      </a:r>
-                      <a:endParaRPr lang="ru-RU" sz="1200" dirty="0">
-                        <a:ln>
-                          <a:noFill/>
-                        </a:ln>
-                        <a:solidFill>
-                          <a:srgbClr val="000000"/>
-                        </a:solidFill>
-                        <a:effectLst/>
-                        <a:latin typeface="Helvetica Neue"/>
-                        <a:ea typeface="Helvetica Neue"/>
-                        <a:cs typeface="Helvetica Neue"/>
-                      </a:endParaRPr>
-                    </a:p>
-                  </a:txBody>
-                  <a:tcPr marL="52929" marR="52929" marT="0" marB="0"/>
-                </a:tc>
-                <a:tc>
-                  <a:txBody>
-                    <a:bodyPr/>
-                    <a:lstStyle/>
-                    <a:p>
-                      <a:pPr algn="l">
-                        <a:tabLst>
-                          <a:tab pos="457200" algn="l"/>
-                          <a:tab pos="914400" algn="l"/>
-                          <a:tab pos="1371600" algn="l"/>
-                          <a:tab pos="1828800" algn="l"/>
-                          <a:tab pos="2286000" algn="l"/>
-                          <a:tab pos="2743200" algn="l"/>
-                          <a:tab pos="3200400" algn="l"/>
-                          <a:tab pos="3657600" algn="l"/>
-                        </a:tabLst>
-                      </a:pPr>
-                      <a:r>
-                        <a:rPr lang="ru-RU" sz="1200" dirty="0">
-                          <a:ln>
-                            <a:noFill/>
-                          </a:ln>
-                          <a:effectLst/>
-                        </a:rPr>
-                        <a:t>Платежные шлюзы; управление </a:t>
-                      </a:r>
-                      <a:r>
                         <a:rPr lang="en-US" sz="1200" dirty="0">
                           <a:ln>
                             <a:noFill/>
                           </a:ln>
+                          <a:solidFill>
+                            <a:srgbClr val="000000"/>
+                          </a:solidFill>
                           <a:effectLst/>
+                          <a:latin typeface="Helvetica Neue"/>
+                          <a:ea typeface="Helvetica Neue"/>
+                          <a:cs typeface="Helvetica Neue"/>
                         </a:rPr>
-                        <a:t>CRM</a:t>
-                      </a:r>
-                      <a:r>
-                        <a:rPr lang="ru-RU" sz="1200" dirty="0">
-                          <a:ln>
-                            <a:noFill/>
-                          </a:ln>
-                          <a:effectLst/>
-                        </a:rPr>
-                        <a:t>-решениями финансовых и телекоммуникационных сервисов;</a:t>
-                      </a:r>
-                      <a:endParaRPr lang="ru-RU" sz="1200" dirty="0">
-                        <a:ln>
-                          <a:noFill/>
-                        </a:ln>
-                        <a:solidFill>
-                          <a:srgbClr val="000000"/>
-                        </a:solidFill>
-                        <a:effectLst/>
-                        <a:latin typeface="Helvetica Neue"/>
-                        <a:ea typeface="Helvetica Neue"/>
-                        <a:cs typeface="Helvetica Neue"/>
-                      </a:endParaRPr>
-                    </a:p>
-                  </a:txBody>
-                  <a:tcPr marL="52929" marR="52929" marT="0" marB="0"/>
-                </a:tc>
-                <a:tc>
-                  <a:txBody>
-                    <a:bodyPr/>
-                    <a:lstStyle/>
-                    <a:p>
-                      <a:pPr algn="l">
-                        <a:tabLst>
-                          <a:tab pos="457200" algn="l"/>
-                          <a:tab pos="914400" algn="l"/>
-                          <a:tab pos="1371600" algn="l"/>
-                          <a:tab pos="1828800" algn="l"/>
-                          <a:tab pos="2286000" algn="l"/>
-                          <a:tab pos="2743200" algn="l"/>
-                          <a:tab pos="3200400" algn="l"/>
-                          <a:tab pos="3657600" algn="l"/>
-                        </a:tabLst>
-                      </a:pPr>
-                      <a:r>
-                        <a:rPr lang="ru-RU" sz="1200" dirty="0">
-                          <a:ln>
-                            <a:noFill/>
-                          </a:ln>
-                          <a:effectLst/>
-                        </a:rPr>
-                        <a:t>Командное и ориентированное на действия </a:t>
-                      </a:r>
-                      <a:r>
-                        <a:rPr lang="en-US" sz="1200" dirty="0">
-                          <a:ln>
-                            <a:noFill/>
-                          </a:ln>
-                          <a:effectLst/>
-                        </a:rPr>
-                        <a:t>API</a:t>
-                      </a:r>
-                      <a:r>
-                        <a:rPr lang="ru-RU" sz="1200" dirty="0">
-                          <a:ln>
-                            <a:noFill/>
-                          </a:ln>
-                          <a:effectLst/>
-                        </a:rPr>
-                        <a:t>; Высокопроизводительное взаимодействие большой микро-сервисной системы</a:t>
+                        <a:t>MacOS</a:t>
                       </a:r>
                       <a:endParaRPr lang="ru-RU" sz="1200" dirty="0">
                         <a:ln>
@@ -11008,18 +10577,15 @@
                           <a:ln>
                             <a:noFill/>
                           </a:ln>
+                          <a:solidFill>
+                            <a:srgbClr val="000000"/>
+                          </a:solidFill>
                           <a:effectLst/>
+                          <a:latin typeface="Helvetica Neue"/>
+                          <a:ea typeface="Helvetica Neue"/>
+                          <a:cs typeface="Helvetica Neue"/>
                         </a:rPr>
-                        <a:t>API</a:t>
-                      </a:r>
-                      <a:r>
-                        <a:rPr lang="ru-RU" sz="1200" dirty="0">
-                          <a:ln>
-                            <a:noFill/>
-                          </a:ln>
-                          <a:effectLst/>
-                        </a:rPr>
-                        <a:t>-интерфейсы управления;</a:t>
+                        <a:t>Windows</a:t>
                       </a:r>
                     </a:p>
                     <a:p>
@@ -11036,170 +10602,21 @@
                         </a:tabLst>
                       </a:pPr>
                       <a:r>
-                        <a:rPr lang="ru-RU" sz="1200" dirty="0">
+                        <a:rPr lang="en-US" sz="1200" dirty="0">
                           <a:ln>
                             <a:noFill/>
                           </a:ln>
+                          <a:solidFill>
+                            <a:srgbClr val="000000"/>
+                          </a:solidFill>
                           <a:effectLst/>
+                          <a:latin typeface="Helvetica Neue"/>
+                          <a:ea typeface="Helvetica Neue"/>
+                          <a:cs typeface="Helvetica Neue"/>
                         </a:rPr>
-                        <a:t>Простые приложения, управляемые ресурсами</a:t>
+                        <a:t>Linux</a:t>
                       </a:r>
-                      <a:endParaRPr lang="ru-RU" sz="1200" dirty="0">
-                        <a:ln>
-                          <a:noFill/>
-                        </a:ln>
-                        <a:solidFill>
-                          <a:srgbClr val="000000"/>
-                        </a:solidFill>
-                        <a:effectLst/>
-                        <a:latin typeface="Helvetica Neue"/>
-                        <a:ea typeface="Helvetica Neue"/>
-                        <a:cs typeface="Helvetica Neue"/>
-                      </a:endParaRPr>
                     </a:p>
-                  </a:txBody>
-                  <a:tcPr marL="52929" marR="52929" marT="0" marB="0"/>
-                </a:tc>
-                <a:extLst>
-                  <a:ext uri="{0D108BD9-81ED-4DB2-BD59-A6C34878D82A}">
-                    <a16:rowId xmlns:a16="http://schemas.microsoft.com/office/drawing/2014/main" val="2625354602"/>
-                  </a:ext>
-                </a:extLst>
-              </a:tr>
-            </a:tbl>
-          </a:graphicData>
-        </a:graphic>
-      </p:graphicFrame>
-    </p:spTree>
-    <p:extLst>
-      <p:ext uri="{BB962C8B-B14F-4D97-AF65-F5344CB8AC3E}">
-        <p14:creationId xmlns:p14="http://schemas.microsoft.com/office/powerpoint/2010/main" val="2464020795"/>
-      </p:ext>
-    </p:extLst>
-  </p:cSld>
-  <p:clrMapOvr>
-    <a:masterClrMapping/>
-  </p:clrMapOvr>
-</p:sld>
-</file>
-
-<file path=ppt/slides/slide5.xml><?xml version="1.0" encoding="utf-8"?>
-<p:sld xmlns:a="http://schemas.openxmlformats.org/drawingml/2006/main" xmlns:r="http://schemas.openxmlformats.org/officeDocument/2006/relationships" xmlns:p="http://schemas.openxmlformats.org/presentationml/2006/main">
-  <p:cSld>
-    <p:spTree>
-      <p:nvGrpSpPr>
-        <p:cNvPr id="1" name=""/>
-        <p:cNvGrpSpPr/>
-        <p:nvPr/>
-      </p:nvGrpSpPr>
-      <p:grpSpPr>
-        <a:xfrm>
-          <a:off x="0" y="0"/>
-          <a:ext cx="0" cy="0"/>
-          <a:chOff x="0" y="0"/>
-          <a:chExt cx="0" cy="0"/>
-        </a:xfrm>
-      </p:grpSpPr>
-      <p:sp>
-        <p:nvSpPr>
-          <p:cNvPr id="2" name="Заголовок 1">
-            <a:extLst>
-              <a:ext uri="{FF2B5EF4-FFF2-40B4-BE49-F238E27FC236}">
-                <a16:creationId xmlns:a16="http://schemas.microsoft.com/office/drawing/2014/main" id="{2F14D257-437A-4F83-84D7-CC782E349352}"/>
-              </a:ext>
-            </a:extLst>
-          </p:cNvPr>
-          <p:cNvSpPr>
-            <a:spLocks noGrp="1"/>
-          </p:cNvSpPr>
-          <p:nvPr>
-            <p:ph type="title"/>
-          </p:nvPr>
-        </p:nvSpPr>
-        <p:spPr>
-          <a:xfrm>
-            <a:off x="677333" y="609600"/>
-            <a:ext cx="9061889" cy="805132"/>
-          </a:xfrm>
-        </p:spPr>
-        <p:txBody>
-          <a:bodyPr>
-            <a:noAutofit/>
-          </a:bodyPr>
-          <a:lstStyle/>
-          <a:p>
-            <a:r>
-              <a:rPr lang="ru-RU" dirty="0"/>
-              <a:t>Проектирование веб-службы</a:t>
-            </a:r>
-          </a:p>
-        </p:txBody>
-      </p:sp>
-      <p:graphicFrame>
-        <p:nvGraphicFramePr>
-          <p:cNvPr id="4" name="Таблица 3">
-            <a:extLst>
-              <a:ext uri="{FF2B5EF4-FFF2-40B4-BE49-F238E27FC236}">
-                <a16:creationId xmlns:a16="http://schemas.microsoft.com/office/drawing/2014/main" id="{40EE2B0E-86F0-4C2E-A700-C9FFF2622397}"/>
-              </a:ext>
-            </a:extLst>
-          </p:cNvPr>
-          <p:cNvGraphicFramePr>
-            <a:graphicFrameLocks noGrp="1"/>
-          </p:cNvGraphicFramePr>
-          <p:nvPr>
-            <p:extLst>
-              <p:ext uri="{D42A27DB-BD31-4B8C-83A1-F6EECF244321}">
-                <p14:modId xmlns:p14="http://schemas.microsoft.com/office/powerpoint/2010/main" val="2966609446"/>
-              </p:ext>
-            </p:extLst>
-          </p:nvPr>
-        </p:nvGraphicFramePr>
-        <p:xfrm>
-          <a:off x="677334" y="1930399"/>
-          <a:ext cx="7737895" cy="4116716"/>
-        </p:xfrm>
-        <a:graphic>
-          <a:graphicData uri="http://schemas.openxmlformats.org/drawingml/2006/table">
-            <a:tbl>
-              <a:tblPr firstRow="1" firstCol="1" bandRow="1">
-                <a:tableStyleId>{5C22544A-7EE6-4342-B048-85BDC9FD1C3A}</a:tableStyleId>
-              </a:tblPr>
-              <a:tblGrid>
-                <a:gridCol w="1401556">
-                  <a:extLst>
-                    <a:ext uri="{9D8B030D-6E8A-4147-A177-3AD203B41FA5}">
-                      <a16:colId xmlns:a16="http://schemas.microsoft.com/office/drawing/2014/main" val="969700487"/>
-                    </a:ext>
-                  </a:extLst>
-                </a:gridCol>
-                <a:gridCol w="1729833">
-                  <a:extLst>
-                    <a:ext uri="{9D8B030D-6E8A-4147-A177-3AD203B41FA5}">
-                      <a16:colId xmlns:a16="http://schemas.microsoft.com/office/drawing/2014/main" val="3592318149"/>
-                    </a:ext>
-                  </a:extLst>
-                </a:gridCol>
-                <a:gridCol w="2173856">
-                  <a:extLst>
-                    <a:ext uri="{9D8B030D-6E8A-4147-A177-3AD203B41FA5}">
-                      <a16:colId xmlns:a16="http://schemas.microsoft.com/office/drawing/2014/main" val="4100671952"/>
-                    </a:ext>
-                  </a:extLst>
-                </a:gridCol>
-                <a:gridCol w="2432650">
-                  <a:extLst>
-                    <a:ext uri="{9D8B030D-6E8A-4147-A177-3AD203B41FA5}">
-                      <a16:colId xmlns:a16="http://schemas.microsoft.com/office/drawing/2014/main" val="695588361"/>
-                    </a:ext>
-                  </a:extLst>
-                </a:gridCol>
-              </a:tblGrid>
-              <a:tr h="328111">
-                <a:tc>
-                  <a:txBody>
-                    <a:bodyPr/>
-                    <a:lstStyle/>
                     <a:p>
                       <a:pPr algn="l">
                         <a:tabLst>
@@ -11214,13 +10631,19 @@
                         </a:tabLst>
                       </a:pPr>
                       <a:r>
-                        <a:rPr lang="ru-RU" sz="1200" dirty="0">
+                        <a:rPr lang="en-US" sz="1200" dirty="0">
                           <a:ln>
                             <a:noFill/>
                           </a:ln>
+                          <a:solidFill>
+                            <a:srgbClr val="000000"/>
+                          </a:solidFill>
                           <a:effectLst/>
+                          <a:latin typeface="Helvetica Neue"/>
+                          <a:ea typeface="Helvetica Neue"/>
+                          <a:cs typeface="Helvetica Neue"/>
                         </a:rPr>
-                        <a:t>Характеристика</a:t>
+                        <a:t>MacOS</a:t>
                       </a:r>
                       <a:endParaRPr lang="ru-RU" sz="1200" dirty="0">
                         <a:ln>
@@ -11260,1007 +10683,15 @@
                           <a:ln>
                             <a:noFill/>
                           </a:ln>
+                          <a:solidFill>
+                            <a:srgbClr val="000000"/>
+                          </a:solidFill>
                           <a:effectLst/>
+                          <a:latin typeface="Helvetica Neue"/>
+                          <a:ea typeface="Helvetica Neue"/>
+                          <a:cs typeface="Helvetica Neue"/>
                         </a:rPr>
-                        <a:t>SOAP</a:t>
-                      </a:r>
-                      <a:endParaRPr lang="ru-RU" sz="1200" dirty="0">
-                        <a:ln>
-                          <a:noFill/>
-                        </a:ln>
-                        <a:solidFill>
-                          <a:srgbClr val="000000"/>
-                        </a:solidFill>
-                        <a:effectLst/>
-                        <a:latin typeface="Helvetica Neue"/>
-                        <a:ea typeface="Helvetica Neue"/>
-                        <a:cs typeface="Helvetica Neue"/>
-                      </a:endParaRPr>
-                    </a:p>
-                  </a:txBody>
-                  <a:tcPr marL="52929" marR="52929" marT="0" marB="0"/>
-                </a:tc>
-                <a:tc>
-                  <a:txBody>
-                    <a:bodyPr/>
-                    <a:lstStyle/>
-                    <a:p>
-                      <a:pPr algn="l">
-                        <a:tabLst>
-                          <a:tab pos="457200" algn="l"/>
-                          <a:tab pos="914400" algn="l"/>
-                          <a:tab pos="1371600" algn="l"/>
-                          <a:tab pos="1828800" algn="l"/>
-                          <a:tab pos="2286000" algn="l"/>
-                          <a:tab pos="2743200" algn="l"/>
-                          <a:tab pos="3200400" algn="l"/>
-                          <a:tab pos="3657600" algn="l"/>
-                        </a:tabLst>
-                      </a:pPr>
-                      <a:r>
-                        <a:rPr lang="en-US" sz="1200">
-                          <a:ln>
-                            <a:noFill/>
-                          </a:ln>
-                          <a:effectLst/>
-                        </a:rPr>
-                        <a:t>XML-RPC</a:t>
-                      </a:r>
-                      <a:endParaRPr lang="ru-RU" sz="1200">
-                        <a:ln>
-                          <a:noFill/>
-                        </a:ln>
-                        <a:solidFill>
-                          <a:srgbClr val="000000"/>
-                        </a:solidFill>
-                        <a:effectLst/>
-                        <a:latin typeface="Helvetica Neue"/>
-                        <a:ea typeface="Helvetica Neue"/>
-                        <a:cs typeface="Helvetica Neue"/>
-                      </a:endParaRPr>
-                    </a:p>
-                  </a:txBody>
-                  <a:tcPr marL="52929" marR="52929" marT="0" marB="0"/>
-                </a:tc>
-                <a:tc>
-                  <a:txBody>
-                    <a:bodyPr/>
-                    <a:lstStyle/>
-                    <a:p>
-                      <a:pPr algn="l">
-                        <a:tabLst>
-                          <a:tab pos="457200" algn="l"/>
-                          <a:tab pos="914400" algn="l"/>
-                          <a:tab pos="1371600" algn="l"/>
-                          <a:tab pos="1828800" algn="l"/>
-                          <a:tab pos="2286000" algn="l"/>
-                          <a:tab pos="2743200" algn="l"/>
-                          <a:tab pos="3200400" algn="l"/>
-                          <a:tab pos="3657600" algn="l"/>
-                        </a:tabLst>
-                      </a:pPr>
-                      <a:r>
-                        <a:rPr lang="en-US" sz="1200" dirty="0">
-                          <a:ln>
-                            <a:noFill/>
-                          </a:ln>
-                          <a:effectLst/>
-                        </a:rPr>
-                        <a:t>REST</a:t>
-                      </a:r>
-                      <a:endParaRPr lang="ru-RU" sz="1200" dirty="0">
-                        <a:ln>
-                          <a:noFill/>
-                        </a:ln>
-                        <a:solidFill>
-                          <a:srgbClr val="000000"/>
-                        </a:solidFill>
-                        <a:effectLst/>
-                        <a:latin typeface="Helvetica Neue"/>
-                        <a:ea typeface="Helvetica Neue"/>
-                        <a:cs typeface="Helvetica Neue"/>
-                      </a:endParaRPr>
-                    </a:p>
-                  </a:txBody>
-                  <a:tcPr marL="52929" marR="52929" marT="0" marB="0"/>
-                </a:tc>
-                <a:extLst>
-                  <a:ext uri="{0D108BD9-81ED-4DB2-BD59-A6C34878D82A}">
-                    <a16:rowId xmlns:a16="http://schemas.microsoft.com/office/drawing/2014/main" val="1756496711"/>
-                  </a:ext>
-                </a:extLst>
-              </a:tr>
-              <a:tr h="817613">
-                <a:tc>
-                  <a:txBody>
-                    <a:bodyPr/>
-                    <a:lstStyle/>
-                    <a:p>
-                      <a:pPr algn="l">
-                        <a:tabLst>
-                          <a:tab pos="457200" algn="l"/>
-                          <a:tab pos="914400" algn="l"/>
-                          <a:tab pos="1371600" algn="l"/>
-                          <a:tab pos="1828800" algn="l"/>
-                          <a:tab pos="2286000" algn="l"/>
-                          <a:tab pos="2743200" algn="l"/>
-                          <a:tab pos="3200400" algn="l"/>
-                          <a:tab pos="3657600" algn="l"/>
-                        </a:tabLst>
-                      </a:pPr>
-                      <a:r>
-                        <a:rPr lang="ru-RU" sz="1200" dirty="0">
-                          <a:ln>
-                            <a:noFill/>
-                          </a:ln>
-                          <a:effectLst/>
-                        </a:rPr>
-                        <a:t>Как организован</a:t>
-                      </a:r>
-                      <a:endParaRPr lang="ru-RU" sz="1200" dirty="0">
-                        <a:ln>
-                          <a:noFill/>
-                        </a:ln>
-                        <a:solidFill>
-                          <a:srgbClr val="000000"/>
-                        </a:solidFill>
-                        <a:effectLst/>
-                        <a:latin typeface="Helvetica Neue"/>
-                        <a:ea typeface="Helvetica Neue"/>
-                        <a:cs typeface="Helvetica Neue"/>
-                      </a:endParaRPr>
-                    </a:p>
-                  </a:txBody>
-                  <a:tcPr marL="52929" marR="52929" marT="0" marB="0"/>
-                </a:tc>
-                <a:tc>
-                  <a:txBody>
-                    <a:bodyPr/>
-                    <a:lstStyle/>
-                    <a:p>
-                      <a:pPr algn="l">
-                        <a:tabLst>
-                          <a:tab pos="457200" algn="l"/>
-                          <a:tab pos="914400" algn="l"/>
-                          <a:tab pos="1371600" algn="l"/>
-                          <a:tab pos="1828800" algn="l"/>
-                          <a:tab pos="2286000" algn="l"/>
-                          <a:tab pos="2743200" algn="l"/>
-                          <a:tab pos="3200400" algn="l"/>
-                          <a:tab pos="3657600" algn="l"/>
-                        </a:tabLst>
-                      </a:pPr>
-                      <a:r>
-                        <a:rPr lang="ru-RU" sz="1200" dirty="0">
-                          <a:ln>
-                            <a:noFill/>
-                          </a:ln>
-                          <a:effectLst/>
-                        </a:rPr>
-                        <a:t>Конвертная структура сообщений</a:t>
-                      </a:r>
-                      <a:endParaRPr lang="ru-RU" sz="1200" dirty="0">
-                        <a:ln>
-                          <a:noFill/>
-                        </a:ln>
-                        <a:solidFill>
-                          <a:srgbClr val="000000"/>
-                        </a:solidFill>
-                        <a:effectLst/>
-                        <a:latin typeface="Helvetica Neue"/>
-                        <a:ea typeface="Helvetica Neue"/>
-                        <a:cs typeface="Helvetica Neue"/>
-                      </a:endParaRPr>
-                    </a:p>
-                  </a:txBody>
-                  <a:tcPr marL="52929" marR="52929" marT="0" marB="0"/>
-                </a:tc>
-                <a:tc>
-                  <a:txBody>
-                    <a:bodyPr/>
-                    <a:lstStyle/>
-                    <a:p>
-                      <a:pPr algn="l">
-                        <a:tabLst>
-                          <a:tab pos="457200" algn="l"/>
-                          <a:tab pos="914400" algn="l"/>
-                          <a:tab pos="1371600" algn="l"/>
-                          <a:tab pos="1828800" algn="l"/>
-                          <a:tab pos="2286000" algn="l"/>
-                          <a:tab pos="2743200" algn="l"/>
-                          <a:tab pos="3200400" algn="l"/>
-                          <a:tab pos="3657600" algn="l"/>
-                        </a:tabLst>
-                      </a:pPr>
-                      <a:r>
-                        <a:rPr lang="ru-RU" sz="1200" dirty="0">
-                          <a:ln>
-                            <a:noFill/>
-                          </a:ln>
-                          <a:effectLst/>
-                        </a:rPr>
-                        <a:t>Локальный вызов процедуры</a:t>
-                      </a:r>
-                      <a:endParaRPr lang="ru-RU" sz="1200" dirty="0">
-                        <a:ln>
-                          <a:noFill/>
-                        </a:ln>
-                        <a:solidFill>
-                          <a:srgbClr val="000000"/>
-                        </a:solidFill>
-                        <a:effectLst/>
-                        <a:latin typeface="Helvetica Neue"/>
-                        <a:ea typeface="Helvetica Neue"/>
-                        <a:cs typeface="Helvetica Neue"/>
-                      </a:endParaRPr>
-                    </a:p>
-                  </a:txBody>
-                  <a:tcPr marL="52929" marR="52929" marT="0" marB="0"/>
-                </a:tc>
-                <a:tc>
-                  <a:txBody>
-                    <a:bodyPr/>
-                    <a:lstStyle/>
-                    <a:p>
-                      <a:pPr algn="l">
-                        <a:tabLst>
-                          <a:tab pos="457200" algn="l"/>
-                          <a:tab pos="914400" algn="l"/>
-                          <a:tab pos="1371600" algn="l"/>
-                          <a:tab pos="1828800" algn="l"/>
-                          <a:tab pos="2286000" algn="l"/>
-                          <a:tab pos="2743200" algn="l"/>
-                          <a:tab pos="3200400" algn="l"/>
-                          <a:tab pos="3657600" algn="l"/>
-                        </a:tabLst>
-                      </a:pPr>
-                      <a:r>
-                        <a:rPr lang="ru-RU" sz="1200" dirty="0">
-                          <a:ln>
-                            <a:noFill/>
-                          </a:ln>
-                          <a:effectLst/>
-                        </a:rPr>
-                        <a:t>Соответствие архитектурным ограничениям стиля</a:t>
-                      </a:r>
-                      <a:endParaRPr lang="ru-RU" sz="1200" dirty="0">
-                        <a:ln>
-                          <a:noFill/>
-                        </a:ln>
-                        <a:solidFill>
-                          <a:srgbClr val="000000"/>
-                        </a:solidFill>
-                        <a:effectLst/>
-                        <a:latin typeface="Helvetica Neue"/>
-                        <a:ea typeface="Helvetica Neue"/>
-                        <a:cs typeface="Helvetica Neue"/>
-                      </a:endParaRPr>
-                    </a:p>
-                  </a:txBody>
-                  <a:tcPr marL="52929" marR="52929" marT="0" marB="0"/>
-                </a:tc>
-                <a:extLst>
-                  <a:ext uri="{0D108BD9-81ED-4DB2-BD59-A6C34878D82A}">
-                    <a16:rowId xmlns:a16="http://schemas.microsoft.com/office/drawing/2014/main" val="676282581"/>
-                  </a:ext>
-                </a:extLst>
-              </a:tr>
-              <a:tr h="328111">
-                <a:tc>
-                  <a:txBody>
-                    <a:bodyPr/>
-                    <a:lstStyle/>
-                    <a:p>
-                      <a:pPr algn="l">
-                        <a:tabLst>
-                          <a:tab pos="457200" algn="l"/>
-                          <a:tab pos="914400" algn="l"/>
-                          <a:tab pos="1371600" algn="l"/>
-                          <a:tab pos="1828800" algn="l"/>
-                          <a:tab pos="2286000" algn="l"/>
-                          <a:tab pos="2743200" algn="l"/>
-                          <a:tab pos="3200400" algn="l"/>
-                          <a:tab pos="3657600" algn="l"/>
-                        </a:tabLst>
-                      </a:pPr>
-                      <a:r>
-                        <a:rPr lang="ru-RU" sz="1200" dirty="0">
-                          <a:ln>
-                            <a:noFill/>
-                          </a:ln>
-                          <a:effectLst/>
-                        </a:rPr>
-                        <a:t>Формат</a:t>
-                      </a:r>
-                      <a:endParaRPr lang="ru-RU" sz="1200" dirty="0">
-                        <a:ln>
-                          <a:noFill/>
-                        </a:ln>
-                        <a:solidFill>
-                          <a:srgbClr val="000000"/>
-                        </a:solidFill>
-                        <a:effectLst/>
-                        <a:latin typeface="Helvetica Neue"/>
-                        <a:ea typeface="Helvetica Neue"/>
-                        <a:cs typeface="Helvetica Neue"/>
-                      </a:endParaRPr>
-                    </a:p>
-                  </a:txBody>
-                  <a:tcPr marL="52929" marR="52929" marT="0" marB="0"/>
-                </a:tc>
-                <a:tc>
-                  <a:txBody>
-                    <a:bodyPr/>
-                    <a:lstStyle/>
-                    <a:p>
-                      <a:pPr algn="l">
-                        <a:tabLst>
-                          <a:tab pos="457200" algn="l"/>
-                          <a:tab pos="914400" algn="l"/>
-                          <a:tab pos="1371600" algn="l"/>
-                          <a:tab pos="1828800" algn="l"/>
-                          <a:tab pos="2286000" algn="l"/>
-                          <a:tab pos="2743200" algn="l"/>
-                          <a:tab pos="3200400" algn="l"/>
-                          <a:tab pos="3657600" algn="l"/>
-                        </a:tabLst>
-                      </a:pPr>
-                      <a:r>
-                        <a:rPr lang="en-US" sz="1200">
-                          <a:ln>
-                            <a:noFill/>
-                          </a:ln>
-                          <a:effectLst/>
-                        </a:rPr>
-                        <a:t>XML</a:t>
-                      </a:r>
-                      <a:endParaRPr lang="ru-RU" sz="1200">
-                        <a:ln>
-                          <a:noFill/>
-                        </a:ln>
-                        <a:solidFill>
-                          <a:srgbClr val="000000"/>
-                        </a:solidFill>
-                        <a:effectLst/>
-                        <a:latin typeface="Helvetica Neue"/>
-                        <a:ea typeface="Helvetica Neue"/>
-                        <a:cs typeface="Helvetica Neue"/>
-                      </a:endParaRPr>
-                    </a:p>
-                  </a:txBody>
-                  <a:tcPr marL="52929" marR="52929" marT="0" marB="0"/>
-                </a:tc>
-                <a:tc>
-                  <a:txBody>
-                    <a:bodyPr/>
-                    <a:lstStyle/>
-                    <a:p>
-                      <a:pPr algn="l">
-                        <a:tabLst>
-                          <a:tab pos="457200" algn="l"/>
-                          <a:tab pos="914400" algn="l"/>
-                          <a:tab pos="1371600" algn="l"/>
-                          <a:tab pos="1828800" algn="l"/>
-                          <a:tab pos="2286000" algn="l"/>
-                          <a:tab pos="2743200" algn="l"/>
-                          <a:tab pos="3200400" algn="l"/>
-                          <a:tab pos="3657600" algn="l"/>
-                        </a:tabLst>
-                      </a:pPr>
-                      <a:r>
-                        <a:rPr lang="en-US" sz="1200" dirty="0">
-                          <a:ln>
-                            <a:noFill/>
-                          </a:ln>
-                          <a:effectLst/>
-                        </a:rPr>
-                        <a:t>XML</a:t>
-                      </a:r>
-                      <a:endParaRPr lang="ru-RU" sz="1200" dirty="0">
-                        <a:ln>
-                          <a:noFill/>
-                        </a:ln>
-                        <a:solidFill>
-                          <a:srgbClr val="000000"/>
-                        </a:solidFill>
-                        <a:effectLst/>
-                        <a:latin typeface="Helvetica Neue"/>
-                        <a:ea typeface="Helvetica Neue"/>
-                        <a:cs typeface="Helvetica Neue"/>
-                      </a:endParaRPr>
-                    </a:p>
-                  </a:txBody>
-                  <a:tcPr marL="52929" marR="52929" marT="0" marB="0"/>
-                </a:tc>
-                <a:tc>
-                  <a:txBody>
-                    <a:bodyPr/>
-                    <a:lstStyle/>
-                    <a:p>
-                      <a:pPr algn="l">
-                        <a:tabLst>
-                          <a:tab pos="457200" algn="l"/>
-                          <a:tab pos="914400" algn="l"/>
-                          <a:tab pos="1371600" algn="l"/>
-                          <a:tab pos="1828800" algn="l"/>
-                          <a:tab pos="2286000" algn="l"/>
-                          <a:tab pos="2743200" algn="l"/>
-                          <a:tab pos="3200400" algn="l"/>
-                          <a:tab pos="3657600" algn="l"/>
-                        </a:tabLst>
-                      </a:pPr>
-                      <a:r>
-                        <a:rPr lang="en-US" sz="1200">
-                          <a:ln>
-                            <a:noFill/>
-                          </a:ln>
-                          <a:effectLst/>
-                        </a:rPr>
-                        <a:t>XML</a:t>
-                      </a:r>
-                      <a:r>
-                        <a:rPr lang="ru-RU" sz="1200">
-                          <a:ln>
-                            <a:noFill/>
-                          </a:ln>
-                          <a:effectLst/>
-                        </a:rPr>
-                        <a:t>, </a:t>
-                      </a:r>
-                      <a:r>
-                        <a:rPr lang="en-US" sz="1200">
-                          <a:ln>
-                            <a:noFill/>
-                          </a:ln>
-                          <a:effectLst/>
-                        </a:rPr>
-                        <a:t>JSON</a:t>
-                      </a:r>
-                      <a:r>
-                        <a:rPr lang="ru-RU" sz="1200">
-                          <a:ln>
-                            <a:noFill/>
-                          </a:ln>
-                          <a:effectLst/>
-                        </a:rPr>
-                        <a:t>, </a:t>
-                      </a:r>
-                      <a:r>
-                        <a:rPr lang="en-US" sz="1200">
-                          <a:ln>
-                            <a:noFill/>
-                          </a:ln>
-                          <a:effectLst/>
-                        </a:rPr>
-                        <a:t>HTML</a:t>
-                      </a:r>
-                      <a:r>
-                        <a:rPr lang="ru-RU" sz="1200">
-                          <a:ln>
-                            <a:noFill/>
-                          </a:ln>
-                          <a:effectLst/>
-                        </a:rPr>
-                        <a:t>, текст</a:t>
-                      </a:r>
-                      <a:endParaRPr lang="ru-RU" sz="1200">
-                        <a:ln>
-                          <a:noFill/>
-                        </a:ln>
-                        <a:solidFill>
-                          <a:srgbClr val="000000"/>
-                        </a:solidFill>
-                        <a:effectLst/>
-                        <a:latin typeface="Helvetica Neue"/>
-                        <a:ea typeface="Helvetica Neue"/>
-                        <a:cs typeface="Helvetica Neue"/>
-                      </a:endParaRPr>
-                    </a:p>
-                  </a:txBody>
-                  <a:tcPr marL="52929" marR="52929" marT="0" marB="0"/>
-                </a:tc>
-                <a:extLst>
-                  <a:ext uri="{0D108BD9-81ED-4DB2-BD59-A6C34878D82A}">
-                    <a16:rowId xmlns:a16="http://schemas.microsoft.com/office/drawing/2014/main" val="3340372954"/>
-                  </a:ext>
-                </a:extLst>
-              </a:tr>
-              <a:tr h="510162">
-                <a:tc>
-                  <a:txBody>
-                    <a:bodyPr/>
-                    <a:lstStyle/>
-                    <a:p>
-                      <a:pPr algn="l">
-                        <a:tabLst>
-                          <a:tab pos="457200" algn="l"/>
-                          <a:tab pos="914400" algn="l"/>
-                          <a:tab pos="1371600" algn="l"/>
-                          <a:tab pos="1828800" algn="l"/>
-                          <a:tab pos="2286000" algn="l"/>
-                          <a:tab pos="2743200" algn="l"/>
-                          <a:tab pos="3200400" algn="l"/>
-                          <a:tab pos="3657600" algn="l"/>
-                        </a:tabLst>
-                      </a:pPr>
-                      <a:r>
-                        <a:rPr lang="ru-RU" sz="1200" dirty="0">
-                          <a:ln>
-                            <a:noFill/>
-                          </a:ln>
-                          <a:effectLst/>
-                        </a:rPr>
-                        <a:t>Изучение и работа</a:t>
-                      </a:r>
-                      <a:endParaRPr lang="ru-RU" sz="1200" dirty="0">
-                        <a:ln>
-                          <a:noFill/>
-                        </a:ln>
-                        <a:solidFill>
-                          <a:srgbClr val="000000"/>
-                        </a:solidFill>
-                        <a:effectLst/>
-                        <a:latin typeface="Helvetica Neue"/>
-                        <a:ea typeface="Helvetica Neue"/>
-                        <a:cs typeface="Helvetica Neue"/>
-                      </a:endParaRPr>
-                    </a:p>
-                  </a:txBody>
-                  <a:tcPr marL="52929" marR="52929" marT="0" marB="0"/>
-                </a:tc>
-                <a:tc>
-                  <a:txBody>
-                    <a:bodyPr/>
-                    <a:lstStyle/>
-                    <a:p>
-                      <a:pPr algn="l">
-                        <a:tabLst>
-                          <a:tab pos="457200" algn="l"/>
-                          <a:tab pos="914400" algn="l"/>
-                          <a:tab pos="1371600" algn="l"/>
-                          <a:tab pos="1828800" algn="l"/>
-                          <a:tab pos="2286000" algn="l"/>
-                          <a:tab pos="2743200" algn="l"/>
-                          <a:tab pos="3200400" algn="l"/>
-                          <a:tab pos="3657600" algn="l"/>
-                        </a:tabLst>
-                      </a:pPr>
-                      <a:r>
-                        <a:rPr lang="ru-RU" sz="1200" dirty="0">
-                          <a:ln>
-                            <a:noFill/>
-                          </a:ln>
-                          <a:effectLst/>
-                        </a:rPr>
-                        <a:t>Сложно</a:t>
-                      </a:r>
-                      <a:endParaRPr lang="ru-RU" sz="1200" dirty="0">
-                        <a:ln>
-                          <a:noFill/>
-                        </a:ln>
-                        <a:solidFill>
-                          <a:srgbClr val="000000"/>
-                        </a:solidFill>
-                        <a:effectLst/>
-                        <a:latin typeface="Helvetica Neue"/>
-                        <a:ea typeface="Helvetica Neue"/>
-                        <a:cs typeface="Helvetica Neue"/>
-                      </a:endParaRPr>
-                    </a:p>
-                  </a:txBody>
-                  <a:tcPr marL="52929" marR="52929" marT="0" marB="0"/>
-                </a:tc>
-                <a:tc>
-                  <a:txBody>
-                    <a:bodyPr/>
-                    <a:lstStyle/>
-                    <a:p>
-                      <a:pPr algn="l">
-                        <a:tabLst>
-                          <a:tab pos="457200" algn="l"/>
-                          <a:tab pos="914400" algn="l"/>
-                          <a:tab pos="1371600" algn="l"/>
-                          <a:tab pos="1828800" algn="l"/>
-                          <a:tab pos="2286000" algn="l"/>
-                          <a:tab pos="2743200" algn="l"/>
-                          <a:tab pos="3200400" algn="l"/>
-                          <a:tab pos="3657600" algn="l"/>
-                        </a:tabLst>
-                      </a:pPr>
-                      <a:r>
-                        <a:rPr lang="ru-RU" sz="1200">
-                          <a:ln>
-                            <a:noFill/>
-                          </a:ln>
-                          <a:effectLst/>
-                        </a:rPr>
-                        <a:t>Легко</a:t>
-                      </a:r>
-                      <a:endParaRPr lang="ru-RU" sz="1200">
-                        <a:ln>
-                          <a:noFill/>
-                        </a:ln>
-                        <a:solidFill>
-                          <a:srgbClr val="000000"/>
-                        </a:solidFill>
-                        <a:effectLst/>
-                        <a:latin typeface="Helvetica Neue"/>
-                        <a:ea typeface="Helvetica Neue"/>
-                        <a:cs typeface="Helvetica Neue"/>
-                      </a:endParaRPr>
-                    </a:p>
-                  </a:txBody>
-                  <a:tcPr marL="52929" marR="52929" marT="0" marB="0"/>
-                </a:tc>
-                <a:tc>
-                  <a:txBody>
-                    <a:bodyPr/>
-                    <a:lstStyle/>
-                    <a:p>
-                      <a:pPr algn="l">
-                        <a:tabLst>
-                          <a:tab pos="457200" algn="l"/>
-                          <a:tab pos="914400" algn="l"/>
-                          <a:tab pos="1371600" algn="l"/>
-                          <a:tab pos="1828800" algn="l"/>
-                          <a:tab pos="2286000" algn="l"/>
-                          <a:tab pos="2743200" algn="l"/>
-                          <a:tab pos="3200400" algn="l"/>
-                          <a:tab pos="3657600" algn="l"/>
-                        </a:tabLst>
-                      </a:pPr>
-                      <a:r>
-                        <a:rPr lang="ru-RU" sz="1200">
-                          <a:ln>
-                            <a:noFill/>
-                          </a:ln>
-                          <a:effectLst/>
-                        </a:rPr>
-                        <a:t>Легко</a:t>
-                      </a:r>
-                      <a:endParaRPr lang="ru-RU" sz="1200">
-                        <a:ln>
-                          <a:noFill/>
-                        </a:ln>
-                        <a:solidFill>
-                          <a:srgbClr val="000000"/>
-                        </a:solidFill>
-                        <a:effectLst/>
-                        <a:latin typeface="Helvetica Neue"/>
-                        <a:ea typeface="Helvetica Neue"/>
-                        <a:cs typeface="Helvetica Neue"/>
-                      </a:endParaRPr>
-                    </a:p>
-                  </a:txBody>
-                  <a:tcPr marL="52929" marR="52929" marT="0" marB="0"/>
-                </a:tc>
-                <a:extLst>
-                  <a:ext uri="{0D108BD9-81ED-4DB2-BD59-A6C34878D82A}">
-                    <a16:rowId xmlns:a16="http://schemas.microsoft.com/office/drawing/2014/main" val="159992071"/>
-                  </a:ext>
-                </a:extLst>
-              </a:tr>
-              <a:tr h="328111">
-                <a:tc>
-                  <a:txBody>
-                    <a:bodyPr/>
-                    <a:lstStyle/>
-                    <a:p>
-                      <a:pPr algn="l">
-                        <a:tabLst>
-                          <a:tab pos="457200" algn="l"/>
-                          <a:tab pos="914400" algn="l"/>
-                          <a:tab pos="1371600" algn="l"/>
-                          <a:tab pos="1828800" algn="l"/>
-                          <a:tab pos="2286000" algn="l"/>
-                          <a:tab pos="2743200" algn="l"/>
-                          <a:tab pos="3200400" algn="l"/>
-                          <a:tab pos="3657600" algn="l"/>
-                        </a:tabLst>
-                      </a:pPr>
-                      <a:r>
-                        <a:rPr lang="ru-RU" sz="1200">
-                          <a:ln>
-                            <a:noFill/>
-                          </a:ln>
-                          <a:effectLst/>
-                        </a:rPr>
-                        <a:t>Сообщество</a:t>
-                      </a:r>
-                      <a:endParaRPr lang="ru-RU" sz="1200">
-                        <a:ln>
-                          <a:noFill/>
-                        </a:ln>
-                        <a:solidFill>
-                          <a:srgbClr val="000000"/>
-                        </a:solidFill>
-                        <a:effectLst/>
-                        <a:latin typeface="Helvetica Neue"/>
-                        <a:ea typeface="Helvetica Neue"/>
-                        <a:cs typeface="Helvetica Neue"/>
-                      </a:endParaRPr>
-                    </a:p>
-                  </a:txBody>
-                  <a:tcPr marL="52929" marR="52929" marT="0" marB="0"/>
-                </a:tc>
-                <a:tc>
-                  <a:txBody>
-                    <a:bodyPr/>
-                    <a:lstStyle/>
-                    <a:p>
-                      <a:pPr algn="l">
-                        <a:tabLst>
-                          <a:tab pos="457200" algn="l"/>
-                          <a:tab pos="914400" algn="l"/>
-                          <a:tab pos="1371600" algn="l"/>
-                          <a:tab pos="1828800" algn="l"/>
-                          <a:tab pos="2286000" algn="l"/>
-                          <a:tab pos="2743200" algn="l"/>
-                          <a:tab pos="3200400" algn="l"/>
-                          <a:tab pos="3657600" algn="l"/>
-                        </a:tabLst>
-                      </a:pPr>
-                      <a:r>
-                        <a:rPr lang="ru-RU" sz="1200" dirty="0">
-                          <a:ln>
-                            <a:noFill/>
-                          </a:ln>
-                          <a:effectLst/>
-                        </a:rPr>
-                        <a:t>Небольшое</a:t>
-                      </a:r>
-                      <a:endParaRPr lang="ru-RU" sz="1200" dirty="0">
-                        <a:ln>
-                          <a:noFill/>
-                        </a:ln>
-                        <a:solidFill>
-                          <a:srgbClr val="000000"/>
-                        </a:solidFill>
-                        <a:effectLst/>
-                        <a:latin typeface="Helvetica Neue"/>
-                        <a:ea typeface="Helvetica Neue"/>
-                        <a:cs typeface="Helvetica Neue"/>
-                      </a:endParaRPr>
-                    </a:p>
-                  </a:txBody>
-                  <a:tcPr marL="52929" marR="52929" marT="0" marB="0"/>
-                </a:tc>
-                <a:tc>
-                  <a:txBody>
-                    <a:bodyPr/>
-                    <a:lstStyle/>
-                    <a:p>
-                      <a:pPr algn="l">
-                        <a:tabLst>
-                          <a:tab pos="457200" algn="l"/>
-                          <a:tab pos="914400" algn="l"/>
-                          <a:tab pos="1371600" algn="l"/>
-                          <a:tab pos="1828800" algn="l"/>
-                          <a:tab pos="2286000" algn="l"/>
-                          <a:tab pos="2743200" algn="l"/>
-                          <a:tab pos="3200400" algn="l"/>
-                          <a:tab pos="3657600" algn="l"/>
-                        </a:tabLst>
-                      </a:pPr>
-                      <a:r>
-                        <a:rPr lang="ru-RU" sz="1200" dirty="0">
-                          <a:ln>
-                            <a:noFill/>
-                          </a:ln>
-                          <a:effectLst/>
-                        </a:rPr>
-                        <a:t>Большое</a:t>
-                      </a:r>
-                      <a:endParaRPr lang="ru-RU" sz="1200" dirty="0">
-                        <a:ln>
-                          <a:noFill/>
-                        </a:ln>
-                        <a:solidFill>
-                          <a:srgbClr val="000000"/>
-                        </a:solidFill>
-                        <a:effectLst/>
-                        <a:latin typeface="Helvetica Neue"/>
-                        <a:ea typeface="Helvetica Neue"/>
-                        <a:cs typeface="Helvetica Neue"/>
-                      </a:endParaRPr>
-                    </a:p>
-                  </a:txBody>
-                  <a:tcPr marL="52929" marR="52929" marT="0" marB="0"/>
-                </a:tc>
-                <a:tc>
-                  <a:txBody>
-                    <a:bodyPr/>
-                    <a:lstStyle/>
-                    <a:p>
-                      <a:pPr algn="l">
-                        <a:tabLst>
-                          <a:tab pos="457200" algn="l"/>
-                          <a:tab pos="914400" algn="l"/>
-                          <a:tab pos="1371600" algn="l"/>
-                          <a:tab pos="1828800" algn="l"/>
-                          <a:tab pos="2286000" algn="l"/>
-                          <a:tab pos="2743200" algn="l"/>
-                          <a:tab pos="3200400" algn="l"/>
-                          <a:tab pos="3657600" algn="l"/>
-                        </a:tabLst>
-                      </a:pPr>
-                      <a:r>
-                        <a:rPr lang="ru-RU" sz="1200" dirty="0">
-                          <a:ln>
-                            <a:noFill/>
-                          </a:ln>
-                          <a:effectLst/>
-                        </a:rPr>
-                        <a:t>Большое</a:t>
-                      </a:r>
-                      <a:endParaRPr lang="ru-RU" sz="1200" dirty="0">
-                        <a:ln>
-                          <a:noFill/>
-                        </a:ln>
-                        <a:solidFill>
-                          <a:srgbClr val="000000"/>
-                        </a:solidFill>
-                        <a:effectLst/>
-                        <a:latin typeface="Helvetica Neue"/>
-                        <a:ea typeface="Helvetica Neue"/>
-                        <a:cs typeface="Helvetica Neue"/>
-                      </a:endParaRPr>
-                    </a:p>
-                  </a:txBody>
-                  <a:tcPr marL="52929" marR="52929" marT="0" marB="0"/>
-                </a:tc>
-                <a:extLst>
-                  <a:ext uri="{0D108BD9-81ED-4DB2-BD59-A6C34878D82A}">
-                    <a16:rowId xmlns:a16="http://schemas.microsoft.com/office/drawing/2014/main" val="996670102"/>
-                  </a:ext>
-                </a:extLst>
-              </a:tr>
-              <a:tr h="1804608">
-                <a:tc>
-                  <a:txBody>
-                    <a:bodyPr/>
-                    <a:lstStyle/>
-                    <a:p>
-                      <a:pPr algn="l">
-                        <a:tabLst>
-                          <a:tab pos="457200" algn="l"/>
-                          <a:tab pos="914400" algn="l"/>
-                          <a:tab pos="1371600" algn="l"/>
-                          <a:tab pos="1828800" algn="l"/>
-                          <a:tab pos="2286000" algn="l"/>
-                          <a:tab pos="2743200" algn="l"/>
-                          <a:tab pos="3200400" algn="l"/>
-                          <a:tab pos="3657600" algn="l"/>
-                        </a:tabLst>
-                      </a:pPr>
-                      <a:r>
-                        <a:rPr lang="ru-RU" sz="1200" dirty="0">
-                          <a:ln>
-                            <a:noFill/>
-                          </a:ln>
-                          <a:effectLst/>
-                        </a:rPr>
-                        <a:t>Использование</a:t>
-                      </a:r>
-                      <a:endParaRPr lang="ru-RU" sz="1200" dirty="0">
-                        <a:ln>
-                          <a:noFill/>
-                        </a:ln>
-                        <a:solidFill>
-                          <a:srgbClr val="000000"/>
-                        </a:solidFill>
-                        <a:effectLst/>
-                        <a:latin typeface="Helvetica Neue"/>
-                        <a:ea typeface="Helvetica Neue"/>
-                        <a:cs typeface="Helvetica Neue"/>
-                      </a:endParaRPr>
-                    </a:p>
-                  </a:txBody>
-                  <a:tcPr marL="52929" marR="52929" marT="0" marB="0"/>
-                </a:tc>
-                <a:tc>
-                  <a:txBody>
-                    <a:bodyPr/>
-                    <a:lstStyle/>
-                    <a:p>
-                      <a:pPr algn="l">
-                        <a:tabLst>
-                          <a:tab pos="457200" algn="l"/>
-                          <a:tab pos="914400" algn="l"/>
-                          <a:tab pos="1371600" algn="l"/>
-                          <a:tab pos="1828800" algn="l"/>
-                          <a:tab pos="2286000" algn="l"/>
-                          <a:tab pos="2743200" algn="l"/>
-                          <a:tab pos="3200400" algn="l"/>
-                          <a:tab pos="3657600" algn="l"/>
-                        </a:tabLst>
-                      </a:pPr>
-                      <a:r>
-                        <a:rPr lang="ru-RU" sz="1200" dirty="0">
-                          <a:ln>
-                            <a:noFill/>
-                          </a:ln>
-                          <a:effectLst/>
-                        </a:rPr>
-                        <a:t>Платежные шлюзы; управление </a:t>
-                      </a:r>
-                      <a:r>
-                        <a:rPr lang="en-US" sz="1200" dirty="0">
-                          <a:ln>
-                            <a:noFill/>
-                          </a:ln>
-                          <a:effectLst/>
-                        </a:rPr>
-                        <a:t>CRM</a:t>
-                      </a:r>
-                      <a:r>
-                        <a:rPr lang="ru-RU" sz="1200" dirty="0">
-                          <a:ln>
-                            <a:noFill/>
-                          </a:ln>
-                          <a:effectLst/>
-                        </a:rPr>
-                        <a:t>-решениями финансовых и телекоммуникационных сервисов;</a:t>
-                      </a:r>
-                      <a:endParaRPr lang="ru-RU" sz="1200" dirty="0">
-                        <a:ln>
-                          <a:noFill/>
-                        </a:ln>
-                        <a:solidFill>
-                          <a:srgbClr val="000000"/>
-                        </a:solidFill>
-                        <a:effectLst/>
-                        <a:latin typeface="Helvetica Neue"/>
-                        <a:ea typeface="Helvetica Neue"/>
-                        <a:cs typeface="Helvetica Neue"/>
-                      </a:endParaRPr>
-                    </a:p>
-                  </a:txBody>
-                  <a:tcPr marL="52929" marR="52929" marT="0" marB="0"/>
-                </a:tc>
-                <a:tc>
-                  <a:txBody>
-                    <a:bodyPr/>
-                    <a:lstStyle/>
-                    <a:p>
-                      <a:pPr algn="l">
-                        <a:tabLst>
-                          <a:tab pos="457200" algn="l"/>
-                          <a:tab pos="914400" algn="l"/>
-                          <a:tab pos="1371600" algn="l"/>
-                          <a:tab pos="1828800" algn="l"/>
-                          <a:tab pos="2286000" algn="l"/>
-                          <a:tab pos="2743200" algn="l"/>
-                          <a:tab pos="3200400" algn="l"/>
-                          <a:tab pos="3657600" algn="l"/>
-                        </a:tabLst>
-                      </a:pPr>
-                      <a:r>
-                        <a:rPr lang="ru-RU" sz="1200" dirty="0">
-                          <a:ln>
-                            <a:noFill/>
-                          </a:ln>
-                          <a:effectLst/>
-                        </a:rPr>
-                        <a:t>Командное и ориентированное на действия </a:t>
-                      </a:r>
-                      <a:r>
-                        <a:rPr lang="en-US" sz="1200" dirty="0">
-                          <a:ln>
-                            <a:noFill/>
-                          </a:ln>
-                          <a:effectLst/>
-                        </a:rPr>
-                        <a:t>API</a:t>
-                      </a:r>
-                      <a:r>
-                        <a:rPr lang="ru-RU" sz="1200" dirty="0">
-                          <a:ln>
-                            <a:noFill/>
-                          </a:ln>
-                          <a:effectLst/>
-                        </a:rPr>
-                        <a:t>; Высокопроизводительное взаимодействие большой микро-сервисной системы</a:t>
+                        <a:t>Windows</a:t>
                       </a:r>
                       <a:endParaRPr lang="ru-RU" sz="1200" dirty="0">
                         <a:ln>
@@ -12300,20 +10731,237 @@
                           <a:ln>
                             <a:noFill/>
                           </a:ln>
+                          <a:solidFill>
+                            <a:srgbClr val="000000"/>
+                          </a:solidFill>
                           <a:effectLst/>
+                          <a:latin typeface="Helvetica Neue"/>
+                          <a:ea typeface="Helvetica Neue"/>
+                          <a:cs typeface="Helvetica Neue"/>
                         </a:rPr>
-                        <a:t>API</a:t>
+                        <a:t>Windows</a:t>
                       </a:r>
+                    </a:p>
+                    <a:p>
+                      <a:pPr algn="l">
+                        <a:tabLst>
+                          <a:tab pos="457200" algn="l"/>
+                          <a:tab pos="914400" algn="l"/>
+                          <a:tab pos="1371600" algn="l"/>
+                          <a:tab pos="1828800" algn="l"/>
+                          <a:tab pos="2286000" algn="l"/>
+                          <a:tab pos="2743200" algn="l"/>
+                          <a:tab pos="3200400" algn="l"/>
+                          <a:tab pos="3657600" algn="l"/>
+                        </a:tabLst>
+                      </a:pPr>
+                      <a:r>
+                        <a:rPr lang="en-US" sz="1200" dirty="0">
+                          <a:ln>
+                            <a:noFill/>
+                          </a:ln>
+                          <a:solidFill>
+                            <a:srgbClr val="000000"/>
+                          </a:solidFill>
+                          <a:effectLst/>
+                          <a:latin typeface="Helvetica Neue"/>
+                          <a:ea typeface="Helvetica Neue"/>
+                          <a:cs typeface="Helvetica Neue"/>
+                        </a:rPr>
+                        <a:t>MacOS</a:t>
+                      </a:r>
+                      <a:endParaRPr lang="ru-RU" sz="1200" dirty="0">
+                        <a:ln>
+                          <a:noFill/>
+                        </a:ln>
+                        <a:solidFill>
+                          <a:srgbClr val="000000"/>
+                        </a:solidFill>
+                        <a:effectLst/>
+                        <a:latin typeface="Helvetica Neue"/>
+                        <a:ea typeface="Helvetica Neue"/>
+                        <a:cs typeface="Helvetica Neue"/>
+                      </a:endParaRPr>
+                    </a:p>
+                    <a:p>
+                      <a:pPr algn="l">
+                        <a:tabLst>
+                          <a:tab pos="457200" algn="l"/>
+                          <a:tab pos="914400" algn="l"/>
+                          <a:tab pos="1371600" algn="l"/>
+                          <a:tab pos="1828800" algn="l"/>
+                          <a:tab pos="2286000" algn="l"/>
+                          <a:tab pos="2743200" algn="l"/>
+                          <a:tab pos="3200400" algn="l"/>
+                          <a:tab pos="3657600" algn="l"/>
+                        </a:tabLst>
+                      </a:pPr>
+                      <a:endParaRPr lang="ru-RU" sz="1200" dirty="0">
+                        <a:ln>
+                          <a:noFill/>
+                        </a:ln>
+                        <a:solidFill>
+                          <a:srgbClr val="000000"/>
+                        </a:solidFill>
+                        <a:effectLst/>
+                        <a:latin typeface="Helvetica Neue"/>
+                        <a:ea typeface="Helvetica Neue"/>
+                        <a:cs typeface="Helvetica Neue"/>
+                      </a:endParaRPr>
+                    </a:p>
+                  </a:txBody>
+                  <a:tcPr marL="52929" marR="52929" marT="0" marB="0"/>
+                </a:tc>
+                <a:tc>
+                  <a:txBody>
+                    <a:bodyPr/>
+                    <a:lstStyle/>
+                    <a:p>
+                      <a:pPr algn="l">
+                        <a:tabLst>
+                          <a:tab pos="457200" algn="l"/>
+                          <a:tab pos="914400" algn="l"/>
+                          <a:tab pos="1371600" algn="l"/>
+                          <a:tab pos="1828800" algn="l"/>
+                          <a:tab pos="2286000" algn="l"/>
+                          <a:tab pos="2743200" algn="l"/>
+                          <a:tab pos="3200400" algn="l"/>
+                          <a:tab pos="3657600" algn="l"/>
+                        </a:tabLst>
+                      </a:pPr>
+                      <a:r>
+                        <a:rPr lang="en-US" sz="1200" dirty="0">
+                          <a:ln>
+                            <a:noFill/>
+                          </a:ln>
+                          <a:solidFill>
+                            <a:srgbClr val="000000"/>
+                          </a:solidFill>
+                          <a:effectLst/>
+                          <a:latin typeface="Helvetica Neue"/>
+                          <a:ea typeface="Helvetica Neue"/>
+                          <a:cs typeface="Helvetica Neue"/>
+                        </a:rPr>
+                        <a:t>Windows</a:t>
+                      </a:r>
+                    </a:p>
+                    <a:p>
+                      <a:pPr algn="l">
+                        <a:tabLst>
+                          <a:tab pos="457200" algn="l"/>
+                          <a:tab pos="914400" algn="l"/>
+                          <a:tab pos="1371600" algn="l"/>
+                          <a:tab pos="1828800" algn="l"/>
+                          <a:tab pos="2286000" algn="l"/>
+                          <a:tab pos="2743200" algn="l"/>
+                          <a:tab pos="3200400" algn="l"/>
+                          <a:tab pos="3657600" algn="l"/>
+                        </a:tabLst>
+                      </a:pPr>
+                      <a:r>
+                        <a:rPr lang="en-US" sz="1200" dirty="0">
+                          <a:ln>
+                            <a:noFill/>
+                          </a:ln>
+                          <a:solidFill>
+                            <a:srgbClr val="000000"/>
+                          </a:solidFill>
+                          <a:effectLst/>
+                          <a:latin typeface="Helvetica Neue"/>
+                          <a:ea typeface="Helvetica Neue"/>
+                          <a:cs typeface="Helvetica Neue"/>
+                        </a:rPr>
+                        <a:t>MacOS</a:t>
+                      </a:r>
+                      <a:endParaRPr lang="ru-RU" sz="1200" dirty="0">
+                        <a:ln>
+                          <a:noFill/>
+                        </a:ln>
+                        <a:solidFill>
+                          <a:srgbClr val="000000"/>
+                        </a:solidFill>
+                        <a:effectLst/>
+                        <a:latin typeface="Helvetica Neue"/>
+                        <a:ea typeface="Helvetica Neue"/>
+                        <a:cs typeface="Helvetica Neue"/>
+                      </a:endParaRPr>
+                    </a:p>
+                    <a:p>
+                      <a:pPr algn="l">
+                        <a:tabLst>
+                          <a:tab pos="457200" algn="l"/>
+                          <a:tab pos="914400" algn="l"/>
+                          <a:tab pos="1371600" algn="l"/>
+                          <a:tab pos="1828800" algn="l"/>
+                          <a:tab pos="2286000" algn="l"/>
+                          <a:tab pos="2743200" algn="l"/>
+                          <a:tab pos="3200400" algn="l"/>
+                          <a:tab pos="3657600" algn="l"/>
+                        </a:tabLst>
+                      </a:pPr>
+                      <a:endParaRPr lang="ru-RU" sz="1200" dirty="0">
+                        <a:ln>
+                          <a:noFill/>
+                        </a:ln>
+                        <a:solidFill>
+                          <a:srgbClr val="000000"/>
+                        </a:solidFill>
+                        <a:effectLst/>
+                        <a:latin typeface="Helvetica Neue"/>
+                        <a:ea typeface="Helvetica Neue"/>
+                        <a:cs typeface="Helvetica Neue"/>
+                      </a:endParaRPr>
+                    </a:p>
+                  </a:txBody>
+                  <a:tcPr marL="52929" marR="52929" marT="0" marB="0"/>
+                </a:tc>
+                <a:extLst>
+                  <a:ext uri="{0D108BD9-81ED-4DB2-BD59-A6C34878D82A}">
+                    <a16:rowId xmlns:a16="http://schemas.microsoft.com/office/drawing/2014/main" val="676282581"/>
+                  </a:ext>
+                </a:extLst>
+              </a:tr>
+              <a:tr h="646906">
+                <a:tc>
+                  <a:txBody>
+                    <a:bodyPr/>
+                    <a:lstStyle/>
+                    <a:p>
+                      <a:pPr algn="just">
+                        <a:tabLst>
+                          <a:tab pos="457200" algn="l"/>
+                          <a:tab pos="914400" algn="l"/>
+                          <a:tab pos="1371600" algn="l"/>
+                          <a:tab pos="1828800" algn="l"/>
+                          <a:tab pos="2286000" algn="l"/>
+                          <a:tab pos="2743200" algn="l"/>
+                          <a:tab pos="3200400" algn="l"/>
+                          <a:tab pos="3657600" algn="l"/>
+                        </a:tabLst>
+                      </a:pPr>
                       <a:r>
                         <a:rPr lang="ru-RU" sz="1200" dirty="0">
                           <a:ln>
                             <a:noFill/>
                           </a:ln>
+                          <a:solidFill>
+                            <a:srgbClr val="000000"/>
+                          </a:solidFill>
                           <a:effectLst/>
+                          <a:latin typeface="Helvetica Neue"/>
+                          <a:ea typeface="Helvetica Neue"/>
+                          <a:cs typeface="Helvetica Neue"/>
                         </a:rPr>
-                        <a:t>-интерфейсы управления;</a:t>
+                        <a:t>Свободный доступ</a:t>
                       </a:r>
                     </a:p>
+                  </a:txBody>
+                  <a:tcPr marL="52929" marR="52929" marT="0" marB="0"/>
+                </a:tc>
+                <a:tc>
+                  <a:txBody>
+                    <a:bodyPr/>
+                    <a:lstStyle/>
                     <a:p>
                       <a:pPr algn="l">
                         <a:tabLst>
@@ -12332,29 +10980,167 @@
                           <a:ln>
                             <a:noFill/>
                           </a:ln>
+                          <a:solidFill>
+                            <a:srgbClr val="000000"/>
+                          </a:solidFill>
                           <a:effectLst/>
+                          <a:latin typeface="Helvetica Neue"/>
+                          <a:ea typeface="Helvetica Neue"/>
+                          <a:cs typeface="Helvetica Neue"/>
                         </a:rPr>
-                        <a:t>Простые приложения, управляемые ресурсами</a:t>
+                        <a:t>Платно</a:t>
                       </a:r>
-                      <a:endParaRPr lang="ru-RU" sz="1200" dirty="0">
-                        <a:ln>
-                          <a:noFill/>
-                        </a:ln>
-                        <a:solidFill>
-                          <a:srgbClr val="000000"/>
-                        </a:solidFill>
-                        <a:effectLst/>
-                        <a:latin typeface="Helvetica Neue"/>
-                        <a:ea typeface="Helvetica Neue"/>
-                        <a:cs typeface="Helvetica Neue"/>
-                      </a:endParaRPr>
+                    </a:p>
+                  </a:txBody>
+                  <a:tcPr marL="52929" marR="52929" marT="0" marB="0"/>
+                </a:tc>
+                <a:tc>
+                  <a:txBody>
+                    <a:bodyPr/>
+                    <a:lstStyle/>
+                    <a:p>
+                      <a:pPr algn="l">
+                        <a:tabLst>
+                          <a:tab pos="457200" algn="l"/>
+                          <a:tab pos="914400" algn="l"/>
+                          <a:tab pos="1371600" algn="l"/>
+                          <a:tab pos="1828800" algn="l"/>
+                          <a:tab pos="2286000" algn="l"/>
+                          <a:tab pos="2743200" algn="l"/>
+                          <a:tab pos="3200400" algn="l"/>
+                          <a:tab pos="3657600" algn="l"/>
+                        </a:tabLst>
+                      </a:pPr>
+                      <a:r>
+                        <a:rPr lang="ru-RU" sz="1200" dirty="0">
+                          <a:ln>
+                            <a:noFill/>
+                          </a:ln>
+                          <a:solidFill>
+                            <a:srgbClr val="000000"/>
+                          </a:solidFill>
+                          <a:effectLst/>
+                          <a:latin typeface="Helvetica Neue"/>
+                          <a:ea typeface="Helvetica Neue"/>
+                          <a:cs typeface="Helvetica Neue"/>
+                        </a:rPr>
+                        <a:t>Бесплатно</a:t>
+                      </a:r>
+                    </a:p>
+                  </a:txBody>
+                  <a:tcPr marL="52929" marR="52929" marT="0" marB="0"/>
+                </a:tc>
+                <a:tc>
+                  <a:txBody>
+                    <a:bodyPr/>
+                    <a:lstStyle/>
+                    <a:p>
+                      <a:pPr algn="l">
+                        <a:tabLst>
+                          <a:tab pos="457200" algn="l"/>
+                          <a:tab pos="914400" algn="l"/>
+                          <a:tab pos="1371600" algn="l"/>
+                          <a:tab pos="1828800" algn="l"/>
+                          <a:tab pos="2286000" algn="l"/>
+                          <a:tab pos="2743200" algn="l"/>
+                          <a:tab pos="3200400" algn="l"/>
+                          <a:tab pos="3657600" algn="l"/>
+                        </a:tabLst>
+                      </a:pPr>
+                      <a:r>
+                        <a:rPr lang="ru-RU" sz="1200" dirty="0">
+                          <a:ln>
+                            <a:noFill/>
+                          </a:ln>
+                          <a:solidFill>
+                            <a:srgbClr val="000000"/>
+                          </a:solidFill>
+                          <a:effectLst/>
+                          <a:latin typeface="Helvetica Neue"/>
+                          <a:ea typeface="Helvetica Neue"/>
+                          <a:cs typeface="Helvetica Neue"/>
+                        </a:rPr>
+                        <a:t>Платно</a:t>
+                      </a:r>
+                    </a:p>
+                  </a:txBody>
+                  <a:tcPr marL="52929" marR="52929" marT="0" marB="0"/>
+                </a:tc>
+                <a:tc>
+                  <a:txBody>
+                    <a:bodyPr/>
+                    <a:lstStyle/>
+                    <a:p>
+                      <a:pPr algn="l">
+                        <a:tabLst>
+                          <a:tab pos="457200" algn="l"/>
+                          <a:tab pos="914400" algn="l"/>
+                          <a:tab pos="1371600" algn="l"/>
+                          <a:tab pos="1828800" algn="l"/>
+                          <a:tab pos="2286000" algn="l"/>
+                          <a:tab pos="2743200" algn="l"/>
+                          <a:tab pos="3200400" algn="l"/>
+                          <a:tab pos="3657600" algn="l"/>
+                        </a:tabLst>
+                      </a:pPr>
+                      <a:r>
+                        <a:rPr lang="ru-RU" sz="1200" dirty="0">
+                          <a:ln>
+                            <a:noFill/>
+                          </a:ln>
+                          <a:solidFill>
+                            <a:srgbClr val="000000"/>
+                          </a:solidFill>
+                          <a:effectLst/>
+                          <a:latin typeface="Helvetica Neue"/>
+                          <a:ea typeface="Helvetica Neue"/>
+                          <a:cs typeface="Helvetica Neue"/>
+                        </a:rPr>
+                        <a:t>Платно</a:t>
+                      </a:r>
+                    </a:p>
+                  </a:txBody>
+                  <a:tcPr marL="52929" marR="52929" marT="0" marB="0"/>
+                </a:tc>
+                <a:tc>
+                  <a:txBody>
+                    <a:bodyPr/>
+                    <a:lstStyle/>
+                    <a:p>
+                      <a:pPr algn="l">
+                        <a:tabLst>
+                          <a:tab pos="457200" algn="l"/>
+                          <a:tab pos="914400" algn="l"/>
+                          <a:tab pos="1371600" algn="l"/>
+                          <a:tab pos="1828800" algn="l"/>
+                          <a:tab pos="2286000" algn="l"/>
+                          <a:tab pos="2743200" algn="l"/>
+                          <a:tab pos="3200400" algn="l"/>
+                          <a:tab pos="3657600" algn="l"/>
+                        </a:tabLst>
+                      </a:pPr>
+                      <a:r>
+                        <a:rPr lang="ru-RU" sz="1200" dirty="0">
+                          <a:ln>
+                            <a:noFill/>
+                          </a:ln>
+                          <a:solidFill>
+                            <a:srgbClr val="000000"/>
+                          </a:solidFill>
+                          <a:effectLst/>
+                          <a:latin typeface="Helvetica Neue"/>
+                          <a:ea typeface="Helvetica Neue"/>
+                          <a:cs typeface="Helvetica Neue"/>
+                        </a:rPr>
+                        <a:t>Платно</a:t>
+                      </a:r>
                     </a:p>
                   </a:txBody>
                   <a:tcPr marL="52929" marR="52929" marT="0" marB="0"/>
                 </a:tc>
                 <a:extLst>
                   <a:ext uri="{0D108BD9-81ED-4DB2-BD59-A6C34878D82A}">
-                    <a16:rowId xmlns:a16="http://schemas.microsoft.com/office/drawing/2014/main" val="2625354602"/>
+                    <a16:rowId xmlns:a16="http://schemas.microsoft.com/office/drawing/2014/main" val="3340372954"/>
                   </a:ext>
                 </a:extLst>
               </a:tr>
@@ -12362,6 +11148,392 @@
           </a:graphicData>
         </a:graphic>
       </p:graphicFrame>
+      <p:pic>
+        <p:nvPicPr>
+          <p:cNvPr id="1026" name="Picture 2">
+            <a:extLst>
+              <a:ext uri="{FF2B5EF4-FFF2-40B4-BE49-F238E27FC236}">
+                <a16:creationId xmlns:a16="http://schemas.microsoft.com/office/drawing/2014/main" id="{64BE628D-1A95-491F-9F77-1CBC4647719E}"/>
+              </a:ext>
+            </a:extLst>
+          </p:cNvPr>
+          <p:cNvPicPr>
+            <a:picLocks noChangeAspect="1" noChangeArrowheads="1"/>
+          </p:cNvPicPr>
+          <p:nvPr/>
+        </p:nvPicPr>
+        <p:blipFill>
+          <a:blip r:embed="rId2">
+            <a:extLst>
+              <a:ext uri="{28A0092B-C50C-407E-A947-70E740481C1C}">
+                <a14:useLocalDpi xmlns:a14="http://schemas.microsoft.com/office/drawing/2010/main" val="0"/>
+              </a:ext>
+            </a:extLst>
+          </a:blip>
+          <a:srcRect/>
+          <a:stretch>
+            <a:fillRect/>
+          </a:stretch>
+        </p:blipFill>
+        <p:spPr bwMode="auto">
+          <a:xfrm>
+            <a:off x="928735" y="4246075"/>
+            <a:ext cx="1263851" cy="1263851"/>
+          </a:xfrm>
+          <a:prstGeom prst="rect">
+            <a:avLst/>
+          </a:prstGeom>
+          <a:noFill/>
+          <a:extLst>
+            <a:ext uri="{909E8E84-426E-40DD-AFC4-6F175D3DCCD1}">
+              <a14:hiddenFill xmlns:a14="http://schemas.microsoft.com/office/drawing/2010/main">
+                <a:solidFill>
+                  <a:srgbClr val="FFFFFF"/>
+                </a:solidFill>
+              </a14:hiddenFill>
+            </a:ext>
+          </a:extLst>
+        </p:spPr>
+      </p:pic>
+      <p:pic>
+        <p:nvPicPr>
+          <p:cNvPr id="1028" name="Picture 4">
+            <a:extLst>
+              <a:ext uri="{FF2B5EF4-FFF2-40B4-BE49-F238E27FC236}">
+                <a16:creationId xmlns:a16="http://schemas.microsoft.com/office/drawing/2014/main" id="{0A5C0072-31B5-4F7E-9A73-69CB802552F4}"/>
+              </a:ext>
+            </a:extLst>
+          </p:cNvPr>
+          <p:cNvPicPr>
+            <a:picLocks noChangeAspect="1" noChangeArrowheads="1"/>
+          </p:cNvPicPr>
+          <p:nvPr/>
+        </p:nvPicPr>
+        <p:blipFill>
+          <a:blip r:embed="rId3">
+            <a:extLst>
+              <a:ext uri="{28A0092B-C50C-407E-A947-70E740481C1C}">
+                <a14:useLocalDpi xmlns:a14="http://schemas.microsoft.com/office/drawing/2010/main" val="0"/>
+              </a:ext>
+            </a:extLst>
+          </a:blip>
+          <a:srcRect/>
+          <a:stretch>
+            <a:fillRect/>
+          </a:stretch>
+        </p:blipFill>
+        <p:spPr bwMode="auto">
+          <a:xfrm>
+            <a:off x="2540252" y="4247584"/>
+            <a:ext cx="1263851" cy="1263851"/>
+          </a:xfrm>
+          <a:prstGeom prst="rect">
+            <a:avLst/>
+          </a:prstGeom>
+          <a:noFill/>
+          <a:extLst>
+            <a:ext uri="{909E8E84-426E-40DD-AFC4-6F175D3DCCD1}">
+              <a14:hiddenFill xmlns:a14="http://schemas.microsoft.com/office/drawing/2010/main">
+                <a:solidFill>
+                  <a:srgbClr val="FFFFFF"/>
+                </a:solidFill>
+              </a14:hiddenFill>
+            </a:ext>
+          </a:extLst>
+        </p:spPr>
+      </p:pic>
+      <p:pic>
+        <p:nvPicPr>
+          <p:cNvPr id="1032" name="Picture 8">
+            <a:extLst>
+              <a:ext uri="{FF2B5EF4-FFF2-40B4-BE49-F238E27FC236}">
+                <a16:creationId xmlns:a16="http://schemas.microsoft.com/office/drawing/2014/main" id="{4D190FB7-0916-4C94-8420-251EB8977817}"/>
+              </a:ext>
+            </a:extLst>
+          </p:cNvPr>
+          <p:cNvPicPr>
+            <a:picLocks noChangeAspect="1" noChangeArrowheads="1"/>
+          </p:cNvPicPr>
+          <p:nvPr/>
+        </p:nvPicPr>
+        <p:blipFill rotWithShape="1">
+          <a:blip r:embed="rId4">
+            <a:extLst>
+              <a:ext uri="{28A0092B-C50C-407E-A947-70E740481C1C}">
+                <a14:useLocalDpi xmlns:a14="http://schemas.microsoft.com/office/drawing/2010/main" val="0"/>
+              </a:ext>
+            </a:extLst>
+          </a:blip>
+          <a:srcRect l="4827" t="27760" r="74010" b="27685"/>
+          <a:stretch/>
+        </p:blipFill>
+        <p:spPr bwMode="auto">
+          <a:xfrm>
+            <a:off x="3955910" y="4177265"/>
+            <a:ext cx="1331396" cy="1401469"/>
+          </a:xfrm>
+          <a:prstGeom prst="rect">
+            <a:avLst/>
+          </a:prstGeom>
+          <a:noFill/>
+          <a:extLst>
+            <a:ext uri="{909E8E84-426E-40DD-AFC4-6F175D3DCCD1}">
+              <a14:hiddenFill xmlns:a14="http://schemas.microsoft.com/office/drawing/2010/main">
+                <a:solidFill>
+                  <a:srgbClr val="FFFFFF"/>
+                </a:solidFill>
+              </a14:hiddenFill>
+            </a:ext>
+          </a:extLst>
+        </p:spPr>
+      </p:pic>
+      <p:pic>
+        <p:nvPicPr>
+          <p:cNvPr id="1034" name="Picture 10">
+            <a:extLst>
+              <a:ext uri="{FF2B5EF4-FFF2-40B4-BE49-F238E27FC236}">
+                <a16:creationId xmlns:a16="http://schemas.microsoft.com/office/drawing/2014/main" id="{5DB1A3E9-C05E-4B70-B1AB-F33774AFFD68}"/>
+              </a:ext>
+            </a:extLst>
+          </p:cNvPr>
+          <p:cNvPicPr>
+            <a:picLocks noChangeAspect="1" noChangeArrowheads="1"/>
+          </p:cNvPicPr>
+          <p:nvPr/>
+        </p:nvPicPr>
+        <p:blipFill>
+          <a:blip r:embed="rId5">
+            <a:extLst>
+              <a:ext uri="{28A0092B-C50C-407E-A947-70E740481C1C}">
+                <a14:useLocalDpi xmlns:a14="http://schemas.microsoft.com/office/drawing/2010/main" val="0"/>
+              </a:ext>
+            </a:extLst>
+          </a:blip>
+          <a:srcRect/>
+          <a:stretch>
+            <a:fillRect/>
+          </a:stretch>
+        </p:blipFill>
+        <p:spPr bwMode="auto">
+          <a:xfrm>
+            <a:off x="5439113" y="4177265"/>
+            <a:ext cx="1575901" cy="1245042"/>
+          </a:xfrm>
+          <a:prstGeom prst="rect">
+            <a:avLst/>
+          </a:prstGeom>
+          <a:noFill/>
+          <a:extLst>
+            <a:ext uri="{909E8E84-426E-40DD-AFC4-6F175D3DCCD1}">
+              <a14:hiddenFill xmlns:a14="http://schemas.microsoft.com/office/drawing/2010/main">
+                <a:solidFill>
+                  <a:srgbClr val="FFFFFF"/>
+                </a:solidFill>
+              </a14:hiddenFill>
+            </a:ext>
+          </a:extLst>
+        </p:spPr>
+      </p:pic>
+      <p:pic>
+        <p:nvPicPr>
+          <p:cNvPr id="1036" name="Picture 12">
+            <a:extLst>
+              <a:ext uri="{FF2B5EF4-FFF2-40B4-BE49-F238E27FC236}">
+                <a16:creationId xmlns:a16="http://schemas.microsoft.com/office/drawing/2014/main" id="{49334E8B-E3E5-452A-A842-E46C7B0835C9}"/>
+              </a:ext>
+            </a:extLst>
+          </p:cNvPr>
+          <p:cNvPicPr>
+            <a:picLocks noChangeAspect="1" noChangeArrowheads="1"/>
+          </p:cNvPicPr>
+          <p:nvPr/>
+        </p:nvPicPr>
+        <p:blipFill>
+          <a:blip r:embed="rId6">
+            <a:extLst>
+              <a:ext uri="{28A0092B-C50C-407E-A947-70E740481C1C}">
+                <a14:useLocalDpi xmlns:a14="http://schemas.microsoft.com/office/drawing/2010/main" val="0"/>
+              </a:ext>
+            </a:extLst>
+          </a:blip>
+          <a:srcRect/>
+          <a:stretch>
+            <a:fillRect/>
+          </a:stretch>
+        </p:blipFill>
+        <p:spPr bwMode="auto">
+          <a:xfrm>
+            <a:off x="7083840" y="4101507"/>
+            <a:ext cx="1331396" cy="1331396"/>
+          </a:xfrm>
+          <a:prstGeom prst="rect">
+            <a:avLst/>
+          </a:prstGeom>
+          <a:noFill/>
+          <a:extLst>
+            <a:ext uri="{909E8E84-426E-40DD-AFC4-6F175D3DCCD1}">
+              <a14:hiddenFill xmlns:a14="http://schemas.microsoft.com/office/drawing/2010/main">
+                <a:solidFill>
+                  <a:srgbClr val="FFFFFF"/>
+                </a:solidFill>
+              </a14:hiddenFill>
+            </a:ext>
+          </a:extLst>
+        </p:spPr>
+      </p:pic>
+    </p:spTree>
+    <p:extLst>
+      <p:ext uri="{BB962C8B-B14F-4D97-AF65-F5344CB8AC3E}">
+        <p14:creationId xmlns:p14="http://schemas.microsoft.com/office/powerpoint/2010/main" val="2464020795"/>
+      </p:ext>
+    </p:extLst>
+  </p:cSld>
+  <p:clrMapOvr>
+    <a:masterClrMapping/>
+  </p:clrMapOvr>
+</p:sld>
+</file>
+
+<file path=ppt/slides/slide5.xml><?xml version="1.0" encoding="utf-8"?>
+<p:sld xmlns:a="http://schemas.openxmlformats.org/drawingml/2006/main" xmlns:r="http://schemas.openxmlformats.org/officeDocument/2006/relationships" xmlns:p="http://schemas.openxmlformats.org/presentationml/2006/main">
+  <p:cSld>
+    <p:spTree>
+      <p:nvGrpSpPr>
+        <p:cNvPr id="1" name=""/>
+        <p:cNvGrpSpPr/>
+        <p:nvPr/>
+      </p:nvGrpSpPr>
+      <p:grpSpPr>
+        <a:xfrm>
+          <a:off x="0" y="0"/>
+          <a:ext cx="0" cy="0"/>
+          <a:chOff x="0" y="0"/>
+          <a:chExt cx="0" cy="0"/>
+        </a:xfrm>
+      </p:grpSpPr>
+      <p:pic>
+        <p:nvPicPr>
+          <p:cNvPr id="12" name="Рисунок 11">
+            <a:extLst>
+              <a:ext uri="{FF2B5EF4-FFF2-40B4-BE49-F238E27FC236}">
+                <a16:creationId xmlns:a16="http://schemas.microsoft.com/office/drawing/2014/main" id="{1212C747-9338-4A1B-B039-5FA62226ECA9}"/>
+              </a:ext>
+            </a:extLst>
+          </p:cNvPr>
+          <p:cNvPicPr>
+            <a:picLocks noChangeAspect="1"/>
+          </p:cNvPicPr>
+          <p:nvPr/>
+        </p:nvPicPr>
+        <p:blipFill>
+          <a:blip r:embed="rId2"/>
+          <a:stretch>
+            <a:fillRect/>
+          </a:stretch>
+        </p:blipFill>
+        <p:spPr>
+          <a:xfrm>
+            <a:off x="677333" y="1611026"/>
+            <a:ext cx="5690048" cy="2538481"/>
+          </a:xfrm>
+          <a:prstGeom prst="rect">
+            <a:avLst/>
+          </a:prstGeom>
+          <a:ln w="38100" cap="sq">
+            <a:solidFill>
+              <a:srgbClr val="000000"/>
+            </a:solidFill>
+            <a:prstDash val="solid"/>
+            <a:miter lim="800000"/>
+          </a:ln>
+          <a:effectLst>
+            <a:outerShdw blurRad="50800" dist="38100" dir="2700000" algn="tl" rotWithShape="0">
+              <a:srgbClr val="000000">
+                <a:alpha val="43000"/>
+              </a:srgbClr>
+            </a:outerShdw>
+          </a:effectLst>
+        </p:spPr>
+      </p:pic>
+      <p:pic>
+        <p:nvPicPr>
+          <p:cNvPr id="26" name="Рисунок 25">
+            <a:extLst>
+              <a:ext uri="{FF2B5EF4-FFF2-40B4-BE49-F238E27FC236}">
+                <a16:creationId xmlns:a16="http://schemas.microsoft.com/office/drawing/2014/main" id="{73AB6340-EB51-4370-A3E9-691EFF51F1D4}"/>
+              </a:ext>
+            </a:extLst>
+          </p:cNvPr>
+          <p:cNvPicPr>
+            <a:picLocks noChangeAspect="1"/>
+          </p:cNvPicPr>
+          <p:nvPr/>
+        </p:nvPicPr>
+        <p:blipFill>
+          <a:blip r:embed="rId3"/>
+          <a:stretch>
+            <a:fillRect/>
+          </a:stretch>
+        </p:blipFill>
+        <p:spPr>
+          <a:xfrm>
+            <a:off x="1993734" y="2924554"/>
+            <a:ext cx="4991797" cy="1781424"/>
+          </a:xfrm>
+          <a:prstGeom prst="rect">
+            <a:avLst/>
+          </a:prstGeom>
+          <a:ln w="38100" cap="sq">
+            <a:solidFill>
+              <a:srgbClr val="000000"/>
+            </a:solidFill>
+            <a:prstDash val="solid"/>
+            <a:miter lim="800000"/>
+          </a:ln>
+          <a:effectLst>
+            <a:outerShdw blurRad="50800" dist="38100" dir="2700000" algn="tl" rotWithShape="0">
+              <a:srgbClr val="000000">
+                <a:alpha val="43000"/>
+              </a:srgbClr>
+            </a:outerShdw>
+          </a:effectLst>
+        </p:spPr>
+      </p:pic>
+      <p:sp>
+        <p:nvSpPr>
+          <p:cNvPr id="2" name="Заголовок 1">
+            <a:extLst>
+              <a:ext uri="{FF2B5EF4-FFF2-40B4-BE49-F238E27FC236}">
+                <a16:creationId xmlns:a16="http://schemas.microsoft.com/office/drawing/2014/main" id="{2F14D257-437A-4F83-84D7-CC782E349352}"/>
+              </a:ext>
+            </a:extLst>
+          </p:cNvPr>
+          <p:cNvSpPr>
+            <a:spLocks noGrp="1"/>
+          </p:cNvSpPr>
+          <p:nvPr>
+            <p:ph type="title"/>
+          </p:nvPr>
+        </p:nvSpPr>
+        <p:spPr>
+          <a:xfrm>
+            <a:off x="677333" y="609600"/>
+            <a:ext cx="9061889" cy="805132"/>
+          </a:xfrm>
+        </p:spPr>
+        <p:txBody>
+          <a:bodyPr>
+            <a:noAutofit/>
+          </a:bodyPr>
+          <a:lstStyle/>
+          <a:p>
+            <a:r>
+              <a:rPr lang="ru-RU" dirty="0"/>
+              <a:t>Проектирование веб-службы</a:t>
+            </a:r>
+          </a:p>
+        </p:txBody>
+      </p:sp>
       <p:sp>
         <p:nvSpPr>
           <p:cNvPr id="5" name="Объект 2">
@@ -12398,6 +11570,957 @@
           </a:p>
         </p:txBody>
       </p:sp>
+      <p:pic>
+        <p:nvPicPr>
+          <p:cNvPr id="14" name="Рисунок 13">
+            <a:extLst>
+              <a:ext uri="{FF2B5EF4-FFF2-40B4-BE49-F238E27FC236}">
+                <a16:creationId xmlns:a16="http://schemas.microsoft.com/office/drawing/2014/main" id="{B7588B8A-D8B2-4AB3-84A6-EF48AD1A3B8E}"/>
+              </a:ext>
+            </a:extLst>
+          </p:cNvPr>
+          <p:cNvPicPr>
+            <a:picLocks noChangeAspect="1"/>
+          </p:cNvPicPr>
+          <p:nvPr/>
+        </p:nvPicPr>
+        <p:blipFill>
+          <a:blip r:embed="rId4"/>
+          <a:stretch>
+            <a:fillRect/>
+          </a:stretch>
+        </p:blipFill>
+        <p:spPr>
+          <a:xfrm>
+            <a:off x="4064974" y="4436199"/>
+            <a:ext cx="5111916" cy="1347605"/>
+          </a:xfrm>
+          <a:prstGeom prst="rect">
+            <a:avLst/>
+          </a:prstGeom>
+          <a:ln w="38100" cap="sq">
+            <a:solidFill>
+              <a:srgbClr val="000000"/>
+            </a:solidFill>
+            <a:prstDash val="solid"/>
+            <a:miter lim="800000"/>
+          </a:ln>
+          <a:effectLst>
+            <a:outerShdw blurRad="50800" dist="38100" dir="2700000" algn="tl" rotWithShape="0">
+              <a:srgbClr val="000000">
+                <a:alpha val="43000"/>
+              </a:srgbClr>
+            </a:outerShdw>
+          </a:effectLst>
+        </p:spPr>
+      </p:pic>
+      <p:sp>
+        <p:nvSpPr>
+          <p:cNvPr id="15" name="Объект 2">
+            <a:extLst>
+              <a:ext uri="{FF2B5EF4-FFF2-40B4-BE49-F238E27FC236}">
+                <a16:creationId xmlns:a16="http://schemas.microsoft.com/office/drawing/2014/main" id="{EDF1319A-2F3D-498C-86A8-F44B700360D7}"/>
+              </a:ext>
+            </a:extLst>
+          </p:cNvPr>
+          <p:cNvSpPr txBox="1">
+            <a:spLocks/>
+          </p:cNvSpPr>
+          <p:nvPr/>
+        </p:nvSpPr>
+        <p:spPr>
+          <a:xfrm>
+            <a:off x="6467455" y="2043347"/>
+            <a:ext cx="1995927" cy="375728"/>
+          </a:xfrm>
+          <a:prstGeom prst="rect">
+            <a:avLst/>
+          </a:prstGeom>
+        </p:spPr>
+        <p:txBody>
+          <a:bodyPr vert="horz" lIns="91440" tIns="45720" rIns="91440" bIns="45720" rtlCol="0">
+            <a:normAutofit/>
+          </a:bodyPr>
+          <a:lstStyle>
+            <a:lvl1pPr marL="342900" indent="-342900" algn="l" defTabSz="457200" rtl="0" eaLnBrk="1" latinLnBrk="0" hangingPunct="1">
+              <a:spcBef>
+                <a:spcPts val="1000"/>
+              </a:spcBef>
+              <a:spcAft>
+                <a:spcPts val="0"/>
+              </a:spcAft>
+              <a:buClr>
+                <a:schemeClr val="accent1"/>
+              </a:buClr>
+              <a:buSzPct val="80000"/>
+              <a:buFont typeface="Wingdings 3" charset="2"/>
+              <a:buChar char=""/>
+              <a:defRPr sz="1800" kern="1200">
+                <a:solidFill>
+                  <a:schemeClr val="tx1">
+                    <a:lumMod val="75000"/>
+                    <a:lumOff val="25000"/>
+                  </a:schemeClr>
+                </a:solidFill>
+                <a:latin typeface="+mn-lt"/>
+                <a:ea typeface="+mn-ea"/>
+                <a:cs typeface="+mn-cs"/>
+              </a:defRPr>
+            </a:lvl1pPr>
+            <a:lvl2pPr marL="742950" indent="-285750" algn="l" defTabSz="457200" rtl="0" eaLnBrk="1" latinLnBrk="0" hangingPunct="1">
+              <a:spcBef>
+                <a:spcPts val="1000"/>
+              </a:spcBef>
+              <a:spcAft>
+                <a:spcPts val="0"/>
+              </a:spcAft>
+              <a:buClr>
+                <a:schemeClr val="accent1"/>
+              </a:buClr>
+              <a:buSzPct val="80000"/>
+              <a:buFont typeface="Wingdings 3" charset="2"/>
+              <a:buChar char=""/>
+              <a:defRPr sz="1600" kern="1200">
+                <a:solidFill>
+                  <a:schemeClr val="tx1">
+                    <a:lumMod val="75000"/>
+                    <a:lumOff val="25000"/>
+                  </a:schemeClr>
+                </a:solidFill>
+                <a:latin typeface="+mn-lt"/>
+                <a:ea typeface="+mn-ea"/>
+                <a:cs typeface="+mn-cs"/>
+              </a:defRPr>
+            </a:lvl2pPr>
+            <a:lvl3pPr marL="1143000" indent="-228600" algn="l" defTabSz="457200" rtl="0" eaLnBrk="1" latinLnBrk="0" hangingPunct="1">
+              <a:spcBef>
+                <a:spcPts val="1000"/>
+              </a:spcBef>
+              <a:spcAft>
+                <a:spcPts val="0"/>
+              </a:spcAft>
+              <a:buClr>
+                <a:schemeClr val="accent1"/>
+              </a:buClr>
+              <a:buSzPct val="80000"/>
+              <a:buFont typeface="Wingdings 3" charset="2"/>
+              <a:buChar char=""/>
+              <a:defRPr sz="1400" kern="1200">
+                <a:solidFill>
+                  <a:schemeClr val="tx1">
+                    <a:lumMod val="75000"/>
+                    <a:lumOff val="25000"/>
+                  </a:schemeClr>
+                </a:solidFill>
+                <a:latin typeface="+mn-lt"/>
+                <a:ea typeface="+mn-ea"/>
+                <a:cs typeface="+mn-cs"/>
+              </a:defRPr>
+            </a:lvl3pPr>
+            <a:lvl4pPr marL="1600200" indent="-228600" algn="l" defTabSz="457200" rtl="0" eaLnBrk="1" latinLnBrk="0" hangingPunct="1">
+              <a:spcBef>
+                <a:spcPts val="1000"/>
+              </a:spcBef>
+              <a:spcAft>
+                <a:spcPts val="0"/>
+              </a:spcAft>
+              <a:buClr>
+                <a:schemeClr val="accent1"/>
+              </a:buClr>
+              <a:buSzPct val="80000"/>
+              <a:buFont typeface="Wingdings 3" charset="2"/>
+              <a:buChar char=""/>
+              <a:defRPr sz="1200" kern="1200">
+                <a:solidFill>
+                  <a:schemeClr val="tx1">
+                    <a:lumMod val="75000"/>
+                    <a:lumOff val="25000"/>
+                  </a:schemeClr>
+                </a:solidFill>
+                <a:latin typeface="+mn-lt"/>
+                <a:ea typeface="+mn-ea"/>
+                <a:cs typeface="+mn-cs"/>
+              </a:defRPr>
+            </a:lvl4pPr>
+            <a:lvl5pPr marL="2057400" indent="-228600" algn="l" defTabSz="457200" rtl="0" eaLnBrk="1" latinLnBrk="0" hangingPunct="1">
+              <a:spcBef>
+                <a:spcPts val="1000"/>
+              </a:spcBef>
+              <a:spcAft>
+                <a:spcPts val="0"/>
+              </a:spcAft>
+              <a:buClr>
+                <a:schemeClr val="accent1"/>
+              </a:buClr>
+              <a:buSzPct val="80000"/>
+              <a:buFont typeface="Wingdings 3" charset="2"/>
+              <a:buChar char=""/>
+              <a:defRPr sz="1200" kern="1200">
+                <a:solidFill>
+                  <a:schemeClr val="tx1">
+                    <a:lumMod val="75000"/>
+                    <a:lumOff val="25000"/>
+                  </a:schemeClr>
+                </a:solidFill>
+                <a:latin typeface="+mn-lt"/>
+                <a:ea typeface="+mn-ea"/>
+                <a:cs typeface="+mn-cs"/>
+              </a:defRPr>
+            </a:lvl5pPr>
+            <a:lvl6pPr marL="2514600" indent="-228600" algn="l" defTabSz="457200" rtl="0" eaLnBrk="1" latinLnBrk="0" hangingPunct="1">
+              <a:spcBef>
+                <a:spcPts val="1000"/>
+              </a:spcBef>
+              <a:spcAft>
+                <a:spcPts val="0"/>
+              </a:spcAft>
+              <a:buClr>
+                <a:schemeClr val="accent1"/>
+              </a:buClr>
+              <a:buSzPct val="80000"/>
+              <a:buFont typeface="Wingdings 3" charset="2"/>
+              <a:buChar char=""/>
+              <a:defRPr sz="1200" kern="1200">
+                <a:solidFill>
+                  <a:schemeClr val="tx1">
+                    <a:lumMod val="75000"/>
+                    <a:lumOff val="25000"/>
+                  </a:schemeClr>
+                </a:solidFill>
+                <a:latin typeface="+mn-lt"/>
+                <a:ea typeface="+mn-ea"/>
+                <a:cs typeface="+mn-cs"/>
+              </a:defRPr>
+            </a:lvl6pPr>
+            <a:lvl7pPr marL="2971800" indent="-228600" algn="l" defTabSz="457200" rtl="0" eaLnBrk="1" latinLnBrk="0" hangingPunct="1">
+              <a:spcBef>
+                <a:spcPts val="1000"/>
+              </a:spcBef>
+              <a:spcAft>
+                <a:spcPts val="0"/>
+              </a:spcAft>
+              <a:buClr>
+                <a:schemeClr val="accent1"/>
+              </a:buClr>
+              <a:buSzPct val="80000"/>
+              <a:buFont typeface="Wingdings 3" charset="2"/>
+              <a:buChar char=""/>
+              <a:defRPr sz="1200" kern="1200">
+                <a:solidFill>
+                  <a:schemeClr val="tx1">
+                    <a:lumMod val="75000"/>
+                    <a:lumOff val="25000"/>
+                  </a:schemeClr>
+                </a:solidFill>
+                <a:latin typeface="+mn-lt"/>
+                <a:ea typeface="+mn-ea"/>
+                <a:cs typeface="+mn-cs"/>
+              </a:defRPr>
+            </a:lvl7pPr>
+            <a:lvl8pPr marL="3429000" indent="-228600" algn="l" defTabSz="457200" rtl="0" eaLnBrk="1" latinLnBrk="0" hangingPunct="1">
+              <a:spcBef>
+                <a:spcPts val="1000"/>
+              </a:spcBef>
+              <a:spcAft>
+                <a:spcPts val="0"/>
+              </a:spcAft>
+              <a:buClr>
+                <a:schemeClr val="accent1"/>
+              </a:buClr>
+              <a:buSzPct val="80000"/>
+              <a:buFont typeface="Wingdings 3" charset="2"/>
+              <a:buChar char=""/>
+              <a:defRPr sz="1200" kern="1200">
+                <a:solidFill>
+                  <a:schemeClr val="tx1">
+                    <a:lumMod val="75000"/>
+                    <a:lumOff val="25000"/>
+                  </a:schemeClr>
+                </a:solidFill>
+                <a:latin typeface="+mn-lt"/>
+                <a:ea typeface="+mn-ea"/>
+                <a:cs typeface="+mn-cs"/>
+              </a:defRPr>
+            </a:lvl8pPr>
+            <a:lvl9pPr marL="3886200" indent="-228600" algn="l" defTabSz="457200" rtl="0" eaLnBrk="1" latinLnBrk="0" hangingPunct="1">
+              <a:spcBef>
+                <a:spcPts val="1000"/>
+              </a:spcBef>
+              <a:spcAft>
+                <a:spcPts val="0"/>
+              </a:spcAft>
+              <a:buClr>
+                <a:schemeClr val="accent1"/>
+              </a:buClr>
+              <a:buSzPct val="80000"/>
+              <a:buFont typeface="Wingdings 3" charset="2"/>
+              <a:buChar char=""/>
+              <a:defRPr sz="1200" kern="1200">
+                <a:solidFill>
+                  <a:schemeClr val="tx1">
+                    <a:lumMod val="75000"/>
+                    <a:lumOff val="25000"/>
+                  </a:schemeClr>
+                </a:solidFill>
+                <a:latin typeface="+mn-lt"/>
+                <a:ea typeface="+mn-ea"/>
+                <a:cs typeface="+mn-cs"/>
+              </a:defRPr>
+            </a:lvl9pPr>
+          </a:lstStyle>
+          <a:p>
+            <a:r>
+              <a:rPr lang="en-US" dirty="0"/>
+              <a:t>SOAP</a:t>
+            </a:r>
+            <a:endParaRPr lang="ru-RU" dirty="0"/>
+          </a:p>
+        </p:txBody>
+      </p:sp>
+      <p:sp>
+        <p:nvSpPr>
+          <p:cNvPr id="17" name="Объект 2">
+            <a:extLst>
+              <a:ext uri="{FF2B5EF4-FFF2-40B4-BE49-F238E27FC236}">
+                <a16:creationId xmlns:a16="http://schemas.microsoft.com/office/drawing/2014/main" id="{771DB8DD-B19A-4C89-AB9F-10414EFE9483}"/>
+              </a:ext>
+            </a:extLst>
+          </p:cNvPr>
+          <p:cNvSpPr txBox="1">
+            <a:spLocks/>
+          </p:cNvSpPr>
+          <p:nvPr/>
+        </p:nvSpPr>
+        <p:spPr>
+          <a:xfrm>
+            <a:off x="6985531" y="3416838"/>
+            <a:ext cx="1995927" cy="375728"/>
+          </a:xfrm>
+          <a:prstGeom prst="rect">
+            <a:avLst/>
+          </a:prstGeom>
+        </p:spPr>
+        <p:txBody>
+          <a:bodyPr vert="horz" lIns="91440" tIns="45720" rIns="91440" bIns="45720" rtlCol="0">
+            <a:normAutofit/>
+          </a:bodyPr>
+          <a:lstStyle>
+            <a:lvl1pPr marL="342900" indent="-342900" algn="l" defTabSz="457200" rtl="0" eaLnBrk="1" latinLnBrk="0" hangingPunct="1">
+              <a:spcBef>
+                <a:spcPts val="1000"/>
+              </a:spcBef>
+              <a:spcAft>
+                <a:spcPts val="0"/>
+              </a:spcAft>
+              <a:buClr>
+                <a:schemeClr val="accent1"/>
+              </a:buClr>
+              <a:buSzPct val="80000"/>
+              <a:buFont typeface="Wingdings 3" charset="2"/>
+              <a:buChar char=""/>
+              <a:defRPr sz="1800" kern="1200">
+                <a:solidFill>
+                  <a:schemeClr val="tx1">
+                    <a:lumMod val="75000"/>
+                    <a:lumOff val="25000"/>
+                  </a:schemeClr>
+                </a:solidFill>
+                <a:latin typeface="+mn-lt"/>
+                <a:ea typeface="+mn-ea"/>
+                <a:cs typeface="+mn-cs"/>
+              </a:defRPr>
+            </a:lvl1pPr>
+            <a:lvl2pPr marL="742950" indent="-285750" algn="l" defTabSz="457200" rtl="0" eaLnBrk="1" latinLnBrk="0" hangingPunct="1">
+              <a:spcBef>
+                <a:spcPts val="1000"/>
+              </a:spcBef>
+              <a:spcAft>
+                <a:spcPts val="0"/>
+              </a:spcAft>
+              <a:buClr>
+                <a:schemeClr val="accent1"/>
+              </a:buClr>
+              <a:buSzPct val="80000"/>
+              <a:buFont typeface="Wingdings 3" charset="2"/>
+              <a:buChar char=""/>
+              <a:defRPr sz="1600" kern="1200">
+                <a:solidFill>
+                  <a:schemeClr val="tx1">
+                    <a:lumMod val="75000"/>
+                    <a:lumOff val="25000"/>
+                  </a:schemeClr>
+                </a:solidFill>
+                <a:latin typeface="+mn-lt"/>
+                <a:ea typeface="+mn-ea"/>
+                <a:cs typeface="+mn-cs"/>
+              </a:defRPr>
+            </a:lvl2pPr>
+            <a:lvl3pPr marL="1143000" indent="-228600" algn="l" defTabSz="457200" rtl="0" eaLnBrk="1" latinLnBrk="0" hangingPunct="1">
+              <a:spcBef>
+                <a:spcPts val="1000"/>
+              </a:spcBef>
+              <a:spcAft>
+                <a:spcPts val="0"/>
+              </a:spcAft>
+              <a:buClr>
+                <a:schemeClr val="accent1"/>
+              </a:buClr>
+              <a:buSzPct val="80000"/>
+              <a:buFont typeface="Wingdings 3" charset="2"/>
+              <a:buChar char=""/>
+              <a:defRPr sz="1400" kern="1200">
+                <a:solidFill>
+                  <a:schemeClr val="tx1">
+                    <a:lumMod val="75000"/>
+                    <a:lumOff val="25000"/>
+                  </a:schemeClr>
+                </a:solidFill>
+                <a:latin typeface="+mn-lt"/>
+                <a:ea typeface="+mn-ea"/>
+                <a:cs typeface="+mn-cs"/>
+              </a:defRPr>
+            </a:lvl3pPr>
+            <a:lvl4pPr marL="1600200" indent="-228600" algn="l" defTabSz="457200" rtl="0" eaLnBrk="1" latinLnBrk="0" hangingPunct="1">
+              <a:spcBef>
+                <a:spcPts val="1000"/>
+              </a:spcBef>
+              <a:spcAft>
+                <a:spcPts val="0"/>
+              </a:spcAft>
+              <a:buClr>
+                <a:schemeClr val="accent1"/>
+              </a:buClr>
+              <a:buSzPct val="80000"/>
+              <a:buFont typeface="Wingdings 3" charset="2"/>
+              <a:buChar char=""/>
+              <a:defRPr sz="1200" kern="1200">
+                <a:solidFill>
+                  <a:schemeClr val="tx1">
+                    <a:lumMod val="75000"/>
+                    <a:lumOff val="25000"/>
+                  </a:schemeClr>
+                </a:solidFill>
+                <a:latin typeface="+mn-lt"/>
+                <a:ea typeface="+mn-ea"/>
+                <a:cs typeface="+mn-cs"/>
+              </a:defRPr>
+            </a:lvl4pPr>
+            <a:lvl5pPr marL="2057400" indent="-228600" algn="l" defTabSz="457200" rtl="0" eaLnBrk="1" latinLnBrk="0" hangingPunct="1">
+              <a:spcBef>
+                <a:spcPts val="1000"/>
+              </a:spcBef>
+              <a:spcAft>
+                <a:spcPts val="0"/>
+              </a:spcAft>
+              <a:buClr>
+                <a:schemeClr val="accent1"/>
+              </a:buClr>
+              <a:buSzPct val="80000"/>
+              <a:buFont typeface="Wingdings 3" charset="2"/>
+              <a:buChar char=""/>
+              <a:defRPr sz="1200" kern="1200">
+                <a:solidFill>
+                  <a:schemeClr val="tx1">
+                    <a:lumMod val="75000"/>
+                    <a:lumOff val="25000"/>
+                  </a:schemeClr>
+                </a:solidFill>
+                <a:latin typeface="+mn-lt"/>
+                <a:ea typeface="+mn-ea"/>
+                <a:cs typeface="+mn-cs"/>
+              </a:defRPr>
+            </a:lvl5pPr>
+            <a:lvl6pPr marL="2514600" indent="-228600" algn="l" defTabSz="457200" rtl="0" eaLnBrk="1" latinLnBrk="0" hangingPunct="1">
+              <a:spcBef>
+                <a:spcPts val="1000"/>
+              </a:spcBef>
+              <a:spcAft>
+                <a:spcPts val="0"/>
+              </a:spcAft>
+              <a:buClr>
+                <a:schemeClr val="accent1"/>
+              </a:buClr>
+              <a:buSzPct val="80000"/>
+              <a:buFont typeface="Wingdings 3" charset="2"/>
+              <a:buChar char=""/>
+              <a:defRPr sz="1200" kern="1200">
+                <a:solidFill>
+                  <a:schemeClr val="tx1">
+                    <a:lumMod val="75000"/>
+                    <a:lumOff val="25000"/>
+                  </a:schemeClr>
+                </a:solidFill>
+                <a:latin typeface="+mn-lt"/>
+                <a:ea typeface="+mn-ea"/>
+                <a:cs typeface="+mn-cs"/>
+              </a:defRPr>
+            </a:lvl6pPr>
+            <a:lvl7pPr marL="2971800" indent="-228600" algn="l" defTabSz="457200" rtl="0" eaLnBrk="1" latinLnBrk="0" hangingPunct="1">
+              <a:spcBef>
+                <a:spcPts val="1000"/>
+              </a:spcBef>
+              <a:spcAft>
+                <a:spcPts val="0"/>
+              </a:spcAft>
+              <a:buClr>
+                <a:schemeClr val="accent1"/>
+              </a:buClr>
+              <a:buSzPct val="80000"/>
+              <a:buFont typeface="Wingdings 3" charset="2"/>
+              <a:buChar char=""/>
+              <a:defRPr sz="1200" kern="1200">
+                <a:solidFill>
+                  <a:schemeClr val="tx1">
+                    <a:lumMod val="75000"/>
+                    <a:lumOff val="25000"/>
+                  </a:schemeClr>
+                </a:solidFill>
+                <a:latin typeface="+mn-lt"/>
+                <a:ea typeface="+mn-ea"/>
+                <a:cs typeface="+mn-cs"/>
+              </a:defRPr>
+            </a:lvl7pPr>
+            <a:lvl8pPr marL="3429000" indent="-228600" algn="l" defTabSz="457200" rtl="0" eaLnBrk="1" latinLnBrk="0" hangingPunct="1">
+              <a:spcBef>
+                <a:spcPts val="1000"/>
+              </a:spcBef>
+              <a:spcAft>
+                <a:spcPts val="0"/>
+              </a:spcAft>
+              <a:buClr>
+                <a:schemeClr val="accent1"/>
+              </a:buClr>
+              <a:buSzPct val="80000"/>
+              <a:buFont typeface="Wingdings 3" charset="2"/>
+              <a:buChar char=""/>
+              <a:defRPr sz="1200" kern="1200">
+                <a:solidFill>
+                  <a:schemeClr val="tx1">
+                    <a:lumMod val="75000"/>
+                    <a:lumOff val="25000"/>
+                  </a:schemeClr>
+                </a:solidFill>
+                <a:latin typeface="+mn-lt"/>
+                <a:ea typeface="+mn-ea"/>
+                <a:cs typeface="+mn-cs"/>
+              </a:defRPr>
+            </a:lvl8pPr>
+            <a:lvl9pPr marL="3886200" indent="-228600" algn="l" defTabSz="457200" rtl="0" eaLnBrk="1" latinLnBrk="0" hangingPunct="1">
+              <a:spcBef>
+                <a:spcPts val="1000"/>
+              </a:spcBef>
+              <a:spcAft>
+                <a:spcPts val="0"/>
+              </a:spcAft>
+              <a:buClr>
+                <a:schemeClr val="accent1"/>
+              </a:buClr>
+              <a:buSzPct val="80000"/>
+              <a:buFont typeface="Wingdings 3" charset="2"/>
+              <a:buChar char=""/>
+              <a:defRPr sz="1200" kern="1200">
+                <a:solidFill>
+                  <a:schemeClr val="tx1">
+                    <a:lumMod val="75000"/>
+                    <a:lumOff val="25000"/>
+                  </a:schemeClr>
+                </a:solidFill>
+                <a:latin typeface="+mn-lt"/>
+                <a:ea typeface="+mn-ea"/>
+                <a:cs typeface="+mn-cs"/>
+              </a:defRPr>
+            </a:lvl9pPr>
+          </a:lstStyle>
+          <a:p>
+            <a:r>
+              <a:rPr lang="en-US" dirty="0"/>
+              <a:t>XML-RPC</a:t>
+            </a:r>
+            <a:endParaRPr lang="ru-RU" dirty="0"/>
+          </a:p>
+        </p:txBody>
+      </p:sp>
+      <p:sp>
+        <p:nvSpPr>
+          <p:cNvPr id="18" name="Объект 2">
+            <a:extLst>
+              <a:ext uri="{FF2B5EF4-FFF2-40B4-BE49-F238E27FC236}">
+                <a16:creationId xmlns:a16="http://schemas.microsoft.com/office/drawing/2014/main" id="{CBCD7BFA-13A1-412F-BF0D-A9E751C7E570}"/>
+              </a:ext>
+            </a:extLst>
+          </p:cNvPr>
+          <p:cNvSpPr txBox="1">
+            <a:spLocks/>
+          </p:cNvSpPr>
+          <p:nvPr/>
+        </p:nvSpPr>
+        <p:spPr>
+          <a:xfrm>
+            <a:off x="2826453" y="5183663"/>
+            <a:ext cx="1995927" cy="375728"/>
+          </a:xfrm>
+          <a:prstGeom prst="rect">
+            <a:avLst/>
+          </a:prstGeom>
+        </p:spPr>
+        <p:txBody>
+          <a:bodyPr vert="horz" lIns="91440" tIns="45720" rIns="91440" bIns="45720" rtlCol="0">
+            <a:normAutofit/>
+          </a:bodyPr>
+          <a:lstStyle>
+            <a:lvl1pPr marL="342900" indent="-342900" algn="l" defTabSz="457200" rtl="0" eaLnBrk="1" latinLnBrk="0" hangingPunct="1">
+              <a:spcBef>
+                <a:spcPts val="1000"/>
+              </a:spcBef>
+              <a:spcAft>
+                <a:spcPts val="0"/>
+              </a:spcAft>
+              <a:buClr>
+                <a:schemeClr val="accent1"/>
+              </a:buClr>
+              <a:buSzPct val="80000"/>
+              <a:buFont typeface="Wingdings 3" charset="2"/>
+              <a:buChar char=""/>
+              <a:defRPr sz="1800" kern="1200">
+                <a:solidFill>
+                  <a:schemeClr val="tx1">
+                    <a:lumMod val="75000"/>
+                    <a:lumOff val="25000"/>
+                  </a:schemeClr>
+                </a:solidFill>
+                <a:latin typeface="+mn-lt"/>
+                <a:ea typeface="+mn-ea"/>
+                <a:cs typeface="+mn-cs"/>
+              </a:defRPr>
+            </a:lvl1pPr>
+            <a:lvl2pPr marL="742950" indent="-285750" algn="l" defTabSz="457200" rtl="0" eaLnBrk="1" latinLnBrk="0" hangingPunct="1">
+              <a:spcBef>
+                <a:spcPts val="1000"/>
+              </a:spcBef>
+              <a:spcAft>
+                <a:spcPts val="0"/>
+              </a:spcAft>
+              <a:buClr>
+                <a:schemeClr val="accent1"/>
+              </a:buClr>
+              <a:buSzPct val="80000"/>
+              <a:buFont typeface="Wingdings 3" charset="2"/>
+              <a:buChar char=""/>
+              <a:defRPr sz="1600" kern="1200">
+                <a:solidFill>
+                  <a:schemeClr val="tx1">
+                    <a:lumMod val="75000"/>
+                    <a:lumOff val="25000"/>
+                  </a:schemeClr>
+                </a:solidFill>
+                <a:latin typeface="+mn-lt"/>
+                <a:ea typeface="+mn-ea"/>
+                <a:cs typeface="+mn-cs"/>
+              </a:defRPr>
+            </a:lvl2pPr>
+            <a:lvl3pPr marL="1143000" indent="-228600" algn="l" defTabSz="457200" rtl="0" eaLnBrk="1" latinLnBrk="0" hangingPunct="1">
+              <a:spcBef>
+                <a:spcPts val="1000"/>
+              </a:spcBef>
+              <a:spcAft>
+                <a:spcPts val="0"/>
+              </a:spcAft>
+              <a:buClr>
+                <a:schemeClr val="accent1"/>
+              </a:buClr>
+              <a:buSzPct val="80000"/>
+              <a:buFont typeface="Wingdings 3" charset="2"/>
+              <a:buChar char=""/>
+              <a:defRPr sz="1400" kern="1200">
+                <a:solidFill>
+                  <a:schemeClr val="tx1">
+                    <a:lumMod val="75000"/>
+                    <a:lumOff val="25000"/>
+                  </a:schemeClr>
+                </a:solidFill>
+                <a:latin typeface="+mn-lt"/>
+                <a:ea typeface="+mn-ea"/>
+                <a:cs typeface="+mn-cs"/>
+              </a:defRPr>
+            </a:lvl3pPr>
+            <a:lvl4pPr marL="1600200" indent="-228600" algn="l" defTabSz="457200" rtl="0" eaLnBrk="1" latinLnBrk="0" hangingPunct="1">
+              <a:spcBef>
+                <a:spcPts val="1000"/>
+              </a:spcBef>
+              <a:spcAft>
+                <a:spcPts val="0"/>
+              </a:spcAft>
+              <a:buClr>
+                <a:schemeClr val="accent1"/>
+              </a:buClr>
+              <a:buSzPct val="80000"/>
+              <a:buFont typeface="Wingdings 3" charset="2"/>
+              <a:buChar char=""/>
+              <a:defRPr sz="1200" kern="1200">
+                <a:solidFill>
+                  <a:schemeClr val="tx1">
+                    <a:lumMod val="75000"/>
+                    <a:lumOff val="25000"/>
+                  </a:schemeClr>
+                </a:solidFill>
+                <a:latin typeface="+mn-lt"/>
+                <a:ea typeface="+mn-ea"/>
+                <a:cs typeface="+mn-cs"/>
+              </a:defRPr>
+            </a:lvl4pPr>
+            <a:lvl5pPr marL="2057400" indent="-228600" algn="l" defTabSz="457200" rtl="0" eaLnBrk="1" latinLnBrk="0" hangingPunct="1">
+              <a:spcBef>
+                <a:spcPts val="1000"/>
+              </a:spcBef>
+              <a:spcAft>
+                <a:spcPts val="0"/>
+              </a:spcAft>
+              <a:buClr>
+                <a:schemeClr val="accent1"/>
+              </a:buClr>
+              <a:buSzPct val="80000"/>
+              <a:buFont typeface="Wingdings 3" charset="2"/>
+              <a:buChar char=""/>
+              <a:defRPr sz="1200" kern="1200">
+                <a:solidFill>
+                  <a:schemeClr val="tx1">
+                    <a:lumMod val="75000"/>
+                    <a:lumOff val="25000"/>
+                  </a:schemeClr>
+                </a:solidFill>
+                <a:latin typeface="+mn-lt"/>
+                <a:ea typeface="+mn-ea"/>
+                <a:cs typeface="+mn-cs"/>
+              </a:defRPr>
+            </a:lvl5pPr>
+            <a:lvl6pPr marL="2514600" indent="-228600" algn="l" defTabSz="457200" rtl="0" eaLnBrk="1" latinLnBrk="0" hangingPunct="1">
+              <a:spcBef>
+                <a:spcPts val="1000"/>
+              </a:spcBef>
+              <a:spcAft>
+                <a:spcPts val="0"/>
+              </a:spcAft>
+              <a:buClr>
+                <a:schemeClr val="accent1"/>
+              </a:buClr>
+              <a:buSzPct val="80000"/>
+              <a:buFont typeface="Wingdings 3" charset="2"/>
+              <a:buChar char=""/>
+              <a:defRPr sz="1200" kern="1200">
+                <a:solidFill>
+                  <a:schemeClr val="tx1">
+                    <a:lumMod val="75000"/>
+                    <a:lumOff val="25000"/>
+                  </a:schemeClr>
+                </a:solidFill>
+                <a:latin typeface="+mn-lt"/>
+                <a:ea typeface="+mn-ea"/>
+                <a:cs typeface="+mn-cs"/>
+              </a:defRPr>
+            </a:lvl6pPr>
+            <a:lvl7pPr marL="2971800" indent="-228600" algn="l" defTabSz="457200" rtl="0" eaLnBrk="1" latinLnBrk="0" hangingPunct="1">
+              <a:spcBef>
+                <a:spcPts val="1000"/>
+              </a:spcBef>
+              <a:spcAft>
+                <a:spcPts val="0"/>
+              </a:spcAft>
+              <a:buClr>
+                <a:schemeClr val="accent1"/>
+              </a:buClr>
+              <a:buSzPct val="80000"/>
+              <a:buFont typeface="Wingdings 3" charset="2"/>
+              <a:buChar char=""/>
+              <a:defRPr sz="1200" kern="1200">
+                <a:solidFill>
+                  <a:schemeClr val="tx1">
+                    <a:lumMod val="75000"/>
+                    <a:lumOff val="25000"/>
+                  </a:schemeClr>
+                </a:solidFill>
+                <a:latin typeface="+mn-lt"/>
+                <a:ea typeface="+mn-ea"/>
+                <a:cs typeface="+mn-cs"/>
+              </a:defRPr>
+            </a:lvl7pPr>
+            <a:lvl8pPr marL="3429000" indent="-228600" algn="l" defTabSz="457200" rtl="0" eaLnBrk="1" latinLnBrk="0" hangingPunct="1">
+              <a:spcBef>
+                <a:spcPts val="1000"/>
+              </a:spcBef>
+              <a:spcAft>
+                <a:spcPts val="0"/>
+              </a:spcAft>
+              <a:buClr>
+                <a:schemeClr val="accent1"/>
+              </a:buClr>
+              <a:buSzPct val="80000"/>
+              <a:buFont typeface="Wingdings 3" charset="2"/>
+              <a:buChar char=""/>
+              <a:defRPr sz="1200" kern="1200">
+                <a:solidFill>
+                  <a:schemeClr val="tx1">
+                    <a:lumMod val="75000"/>
+                    <a:lumOff val="25000"/>
+                  </a:schemeClr>
+                </a:solidFill>
+                <a:latin typeface="+mn-lt"/>
+                <a:ea typeface="+mn-ea"/>
+                <a:cs typeface="+mn-cs"/>
+              </a:defRPr>
+            </a:lvl8pPr>
+            <a:lvl9pPr marL="3886200" indent="-228600" algn="l" defTabSz="457200" rtl="0" eaLnBrk="1" latinLnBrk="0" hangingPunct="1">
+              <a:spcBef>
+                <a:spcPts val="1000"/>
+              </a:spcBef>
+              <a:spcAft>
+                <a:spcPts val="0"/>
+              </a:spcAft>
+              <a:buClr>
+                <a:schemeClr val="accent1"/>
+              </a:buClr>
+              <a:buSzPct val="80000"/>
+              <a:buFont typeface="Wingdings 3" charset="2"/>
+              <a:buChar char=""/>
+              <a:defRPr sz="1200" kern="1200">
+                <a:solidFill>
+                  <a:schemeClr val="tx1">
+                    <a:lumMod val="75000"/>
+                    <a:lumOff val="25000"/>
+                  </a:schemeClr>
+                </a:solidFill>
+                <a:latin typeface="+mn-lt"/>
+                <a:ea typeface="+mn-ea"/>
+                <a:cs typeface="+mn-cs"/>
+              </a:defRPr>
+            </a:lvl9pPr>
+          </a:lstStyle>
+          <a:p>
+            <a:r>
+              <a:rPr lang="en-US" dirty="0"/>
+              <a:t>REST</a:t>
+            </a:r>
+            <a:endParaRPr lang="ru-RU" dirty="0"/>
+          </a:p>
+        </p:txBody>
+      </p:sp>
+      <p:cxnSp>
+        <p:nvCxnSpPr>
+          <p:cNvPr id="20" name="Прямая соединительная линия 19">
+            <a:extLst>
+              <a:ext uri="{FF2B5EF4-FFF2-40B4-BE49-F238E27FC236}">
+                <a16:creationId xmlns:a16="http://schemas.microsoft.com/office/drawing/2014/main" id="{64B00223-14DB-496E-A17D-B8DF4FD324F3}"/>
+              </a:ext>
+            </a:extLst>
+          </p:cNvPr>
+          <p:cNvCxnSpPr>
+            <a:stCxn id="15" idx="2"/>
+          </p:cNvCxnSpPr>
+          <p:nvPr/>
+        </p:nvCxnSpPr>
+        <p:spPr>
+          <a:xfrm flipH="1">
+            <a:off x="6620932" y="2419075"/>
+            <a:ext cx="844487" cy="0"/>
+          </a:xfrm>
+          <a:prstGeom prst="line">
+            <a:avLst/>
+          </a:prstGeom>
+          <a:ln w="28575"/>
+        </p:spPr>
+        <p:style>
+          <a:lnRef idx="1">
+            <a:schemeClr val="accent1"/>
+          </a:lnRef>
+          <a:fillRef idx="0">
+            <a:schemeClr val="accent1"/>
+          </a:fillRef>
+          <a:effectRef idx="0">
+            <a:schemeClr val="accent1"/>
+          </a:effectRef>
+          <a:fontRef idx="minor">
+            <a:schemeClr val="tx1"/>
+          </a:fontRef>
+        </p:style>
+      </p:cxnSp>
+      <p:cxnSp>
+        <p:nvCxnSpPr>
+          <p:cNvPr id="21" name="Прямая соединительная линия 20">
+            <a:extLst>
+              <a:ext uri="{FF2B5EF4-FFF2-40B4-BE49-F238E27FC236}">
+                <a16:creationId xmlns:a16="http://schemas.microsoft.com/office/drawing/2014/main" id="{98BD8F03-A3B6-4200-9DF9-D5311CC22068}"/>
+              </a:ext>
+            </a:extLst>
+          </p:cNvPr>
+          <p:cNvCxnSpPr>
+            <a:cxnSpLocks/>
+          </p:cNvCxnSpPr>
+          <p:nvPr/>
+        </p:nvCxnSpPr>
+        <p:spPr>
+          <a:xfrm flipH="1" flipV="1">
+            <a:off x="7139008" y="3783803"/>
+            <a:ext cx="1117752" cy="8763"/>
+          </a:xfrm>
+          <a:prstGeom prst="line">
+            <a:avLst/>
+          </a:prstGeom>
+          <a:ln w="28575"/>
+        </p:spPr>
+        <p:style>
+          <a:lnRef idx="1">
+            <a:schemeClr val="accent1"/>
+          </a:lnRef>
+          <a:fillRef idx="0">
+            <a:schemeClr val="accent1"/>
+          </a:fillRef>
+          <a:effectRef idx="0">
+            <a:schemeClr val="accent1"/>
+          </a:effectRef>
+          <a:fontRef idx="minor">
+            <a:schemeClr val="tx1"/>
+          </a:fontRef>
+        </p:style>
+      </p:cxnSp>
+      <p:cxnSp>
+        <p:nvCxnSpPr>
+          <p:cNvPr id="23" name="Прямая соединительная линия 22">
+            <a:extLst>
+              <a:ext uri="{FF2B5EF4-FFF2-40B4-BE49-F238E27FC236}">
+                <a16:creationId xmlns:a16="http://schemas.microsoft.com/office/drawing/2014/main" id="{72A572DD-4174-4FC4-9555-DE72F5543EF1}"/>
+              </a:ext>
+            </a:extLst>
+          </p:cNvPr>
+          <p:cNvCxnSpPr>
+            <a:cxnSpLocks/>
+            <a:stCxn id="18" idx="2"/>
+          </p:cNvCxnSpPr>
+          <p:nvPr/>
+        </p:nvCxnSpPr>
+        <p:spPr>
+          <a:xfrm flipH="1">
+            <a:off x="2979931" y="5559391"/>
+            <a:ext cx="844486" cy="0"/>
+          </a:xfrm>
+          <a:prstGeom prst="line">
+            <a:avLst/>
+          </a:prstGeom>
+          <a:ln w="28575"/>
+        </p:spPr>
+        <p:style>
+          <a:lnRef idx="1">
+            <a:schemeClr val="accent1"/>
+          </a:lnRef>
+          <a:fillRef idx="0">
+            <a:schemeClr val="accent1"/>
+          </a:fillRef>
+          <a:effectRef idx="0">
+            <a:schemeClr val="accent1"/>
+          </a:effectRef>
+          <a:fontRef idx="minor">
+            <a:schemeClr val="tx1"/>
+          </a:fontRef>
+        </p:style>
+      </p:cxnSp>
     </p:spTree>
     <p:extLst>
       <p:ext uri="{BB962C8B-B14F-4D97-AF65-F5344CB8AC3E}">
@@ -12428,1058 +12551,6 @@
           <a:chExt cx="0" cy="0"/>
         </a:xfrm>
       </p:grpSpPr>
-      <p:graphicFrame>
-        <p:nvGraphicFramePr>
-          <p:cNvPr id="4" name="Таблица 3">
-            <a:extLst>
-              <a:ext uri="{FF2B5EF4-FFF2-40B4-BE49-F238E27FC236}">
-                <a16:creationId xmlns:a16="http://schemas.microsoft.com/office/drawing/2014/main" id="{2A63106B-14C3-4E59-AD5C-FA65AD7885A0}"/>
-              </a:ext>
-            </a:extLst>
-          </p:cNvPr>
-          <p:cNvGraphicFramePr>
-            <a:graphicFrameLocks noGrp="1"/>
-          </p:cNvGraphicFramePr>
-          <p:nvPr>
-            <p:extLst>
-              <p:ext uri="{D42A27DB-BD31-4B8C-83A1-F6EECF244321}">
-                <p14:modId xmlns:p14="http://schemas.microsoft.com/office/powerpoint/2010/main" val="3106168120"/>
-              </p:ext>
-            </p:extLst>
-          </p:nvPr>
-        </p:nvGraphicFramePr>
-        <p:xfrm>
-          <a:off x="677334" y="1949487"/>
-          <a:ext cx="7776553" cy="4100027"/>
-        </p:xfrm>
-        <a:graphic>
-          <a:graphicData uri="http://schemas.openxmlformats.org/drawingml/2006/table">
-            <a:tbl>
-              <a:tblPr firstRow="1" firstCol="1" bandRow="1">
-                <a:tableStyleId>{5C22544A-7EE6-4342-B048-85BDC9FD1C3A}</a:tableStyleId>
-              </a:tblPr>
-              <a:tblGrid>
-                <a:gridCol w="1919327">
-                  <a:extLst>
-                    <a:ext uri="{9D8B030D-6E8A-4147-A177-3AD203B41FA5}">
-                      <a16:colId xmlns:a16="http://schemas.microsoft.com/office/drawing/2014/main" val="2243870941"/>
-                    </a:ext>
-                  </a:extLst>
-                </a:gridCol>
-                <a:gridCol w="2941497">
-                  <a:extLst>
-                    <a:ext uri="{9D8B030D-6E8A-4147-A177-3AD203B41FA5}">
-                      <a16:colId xmlns:a16="http://schemas.microsoft.com/office/drawing/2014/main" val="1892872019"/>
-                    </a:ext>
-                  </a:extLst>
-                </a:gridCol>
-                <a:gridCol w="2915729">
-                  <a:extLst>
-                    <a:ext uri="{9D8B030D-6E8A-4147-A177-3AD203B41FA5}">
-                      <a16:colId xmlns:a16="http://schemas.microsoft.com/office/drawing/2014/main" val="3592683047"/>
-                    </a:ext>
-                  </a:extLst>
-                </a:gridCol>
-              </a:tblGrid>
-              <a:tr h="175904">
-                <a:tc>
-                  <a:txBody>
-                    <a:bodyPr/>
-                    <a:lstStyle/>
-                    <a:p>
-                      <a:pPr algn="l">
-                        <a:tabLst>
-                          <a:tab pos="457200" algn="l"/>
-                          <a:tab pos="914400" algn="l"/>
-                          <a:tab pos="1371600" algn="l"/>
-                          <a:tab pos="1828800" algn="l"/>
-                          <a:tab pos="2286000" algn="l"/>
-                          <a:tab pos="2743200" algn="l"/>
-                          <a:tab pos="3200400" algn="l"/>
-                          <a:tab pos="3657600" algn="l"/>
-                        </a:tabLst>
-                      </a:pPr>
-                      <a:r>
-                        <a:rPr lang="ru-RU" sz="1200" dirty="0">
-                          <a:ln>
-                            <a:noFill/>
-                          </a:ln>
-                          <a:effectLst/>
-                        </a:rPr>
-                        <a:t>Характеристика</a:t>
-                      </a:r>
-                      <a:endParaRPr lang="ru-RU" sz="1200" dirty="0">
-                        <a:ln>
-                          <a:noFill/>
-                        </a:ln>
-                        <a:solidFill>
-                          <a:srgbClr val="000000"/>
-                        </a:solidFill>
-                        <a:effectLst/>
-                        <a:latin typeface="Helvetica Neue"/>
-                        <a:ea typeface="Helvetica Neue"/>
-                        <a:cs typeface="Helvetica Neue"/>
-                      </a:endParaRPr>
-                    </a:p>
-                  </a:txBody>
-                  <a:tcPr marL="42601" marR="42601" marT="0" marB="0"/>
-                </a:tc>
-                <a:tc>
-                  <a:txBody>
-                    <a:bodyPr/>
-                    <a:lstStyle/>
-                    <a:p>
-                      <a:pPr algn="l">
-                        <a:tabLst>
-                          <a:tab pos="457200" algn="l"/>
-                          <a:tab pos="914400" algn="l"/>
-                          <a:tab pos="1371600" algn="l"/>
-                          <a:tab pos="1828800" algn="l"/>
-                          <a:tab pos="2286000" algn="l"/>
-                          <a:tab pos="2743200" algn="l"/>
-                          <a:tab pos="3200400" algn="l"/>
-                          <a:tab pos="3657600" algn="l"/>
-                        </a:tabLst>
-                      </a:pPr>
-                      <a:r>
-                        <a:rPr lang="en-US" sz="1200" dirty="0">
-                          <a:ln>
-                            <a:noFill/>
-                          </a:ln>
-                          <a:effectLst/>
-                        </a:rPr>
-                        <a:t>IMAP</a:t>
-                      </a:r>
-                      <a:endParaRPr lang="ru-RU" sz="1200" dirty="0">
-                        <a:ln>
-                          <a:noFill/>
-                        </a:ln>
-                        <a:solidFill>
-                          <a:srgbClr val="000000"/>
-                        </a:solidFill>
-                        <a:effectLst/>
-                        <a:latin typeface="Helvetica Neue"/>
-                        <a:ea typeface="Helvetica Neue"/>
-                        <a:cs typeface="Helvetica Neue"/>
-                      </a:endParaRPr>
-                    </a:p>
-                  </a:txBody>
-                  <a:tcPr marL="42601" marR="42601" marT="0" marB="0"/>
-                </a:tc>
-                <a:tc>
-                  <a:txBody>
-                    <a:bodyPr/>
-                    <a:lstStyle/>
-                    <a:p>
-                      <a:pPr algn="l">
-                        <a:tabLst>
-                          <a:tab pos="457200" algn="l"/>
-                          <a:tab pos="914400" algn="l"/>
-                          <a:tab pos="1371600" algn="l"/>
-                          <a:tab pos="1828800" algn="l"/>
-                          <a:tab pos="2286000" algn="l"/>
-                          <a:tab pos="2743200" algn="l"/>
-                          <a:tab pos="3200400" algn="l"/>
-                          <a:tab pos="3657600" algn="l"/>
-                        </a:tabLst>
-                      </a:pPr>
-                      <a:r>
-                        <a:rPr lang="en-US" sz="1200">
-                          <a:ln>
-                            <a:noFill/>
-                          </a:ln>
-                          <a:effectLst/>
-                        </a:rPr>
-                        <a:t>POP3</a:t>
-                      </a:r>
-                      <a:endParaRPr lang="ru-RU" sz="1200">
-                        <a:ln>
-                          <a:noFill/>
-                        </a:ln>
-                        <a:solidFill>
-                          <a:srgbClr val="000000"/>
-                        </a:solidFill>
-                        <a:effectLst/>
-                        <a:latin typeface="Helvetica Neue"/>
-                        <a:ea typeface="Helvetica Neue"/>
-                        <a:cs typeface="Helvetica Neue"/>
-                      </a:endParaRPr>
-                    </a:p>
-                  </a:txBody>
-                  <a:tcPr marL="42601" marR="42601" marT="0" marB="0"/>
-                </a:tc>
-                <a:extLst>
-                  <a:ext uri="{0D108BD9-81ED-4DB2-BD59-A6C34878D82A}">
-                    <a16:rowId xmlns:a16="http://schemas.microsoft.com/office/drawing/2014/main" val="101943698"/>
-                  </a:ext>
-                </a:extLst>
-              </a:tr>
-              <a:tr h="527713">
-                <a:tc>
-                  <a:txBody>
-                    <a:bodyPr/>
-                    <a:lstStyle/>
-                    <a:p>
-                      <a:pPr algn="l">
-                        <a:tabLst>
-                          <a:tab pos="457200" algn="l"/>
-                          <a:tab pos="914400" algn="l"/>
-                          <a:tab pos="1371600" algn="l"/>
-                          <a:tab pos="1828800" algn="l"/>
-                          <a:tab pos="2286000" algn="l"/>
-                          <a:tab pos="2743200" algn="l"/>
-                          <a:tab pos="3200400" algn="l"/>
-                          <a:tab pos="3657600" algn="l"/>
-                        </a:tabLst>
-                      </a:pPr>
-                      <a:r>
-                        <a:rPr lang="ru-RU" sz="1200" dirty="0">
-                          <a:ln>
-                            <a:noFill/>
-                          </a:ln>
-                          <a:effectLst/>
-                        </a:rPr>
-                        <a:t>Полное название</a:t>
-                      </a:r>
-                      <a:endParaRPr lang="ru-RU" sz="1200" dirty="0">
-                        <a:ln>
-                          <a:noFill/>
-                        </a:ln>
-                        <a:solidFill>
-                          <a:srgbClr val="000000"/>
-                        </a:solidFill>
-                        <a:effectLst/>
-                        <a:latin typeface="Helvetica Neue"/>
-                        <a:ea typeface="Helvetica Neue"/>
-                        <a:cs typeface="Helvetica Neue"/>
-                      </a:endParaRPr>
-                    </a:p>
-                  </a:txBody>
-                  <a:tcPr marL="42601" marR="42601" marT="0" marB="0"/>
-                </a:tc>
-                <a:tc>
-                  <a:txBody>
-                    <a:bodyPr/>
-                    <a:lstStyle/>
-                    <a:p>
-                      <a:pPr algn="l">
-                        <a:tabLst>
-                          <a:tab pos="457200" algn="l"/>
-                          <a:tab pos="914400" algn="l"/>
-                          <a:tab pos="1371600" algn="l"/>
-                          <a:tab pos="1828800" algn="l"/>
-                          <a:tab pos="2286000" algn="l"/>
-                          <a:tab pos="2743200" algn="l"/>
-                          <a:tab pos="3200400" algn="l"/>
-                          <a:tab pos="3657600" algn="l"/>
-                        </a:tabLst>
-                      </a:pPr>
-                      <a:r>
-                        <a:rPr lang="en-US" sz="1200">
-                          <a:ln>
-                            <a:noFill/>
-                          </a:ln>
-                          <a:effectLst/>
-                        </a:rPr>
-                        <a:t>Internet Messaging Access Protocol</a:t>
-                      </a:r>
-                      <a:r>
-                        <a:rPr lang="ru-RU" sz="1200">
-                          <a:ln>
-                            <a:noFill/>
-                          </a:ln>
-                          <a:effectLst/>
-                        </a:rPr>
-                        <a:t> – Протокол доступа к Интернет сообщениям</a:t>
-                      </a:r>
-                      <a:endParaRPr lang="ru-RU" sz="1200">
-                        <a:ln>
-                          <a:noFill/>
-                        </a:ln>
-                        <a:solidFill>
-                          <a:srgbClr val="000000"/>
-                        </a:solidFill>
-                        <a:effectLst/>
-                        <a:latin typeface="Helvetica Neue"/>
-                        <a:ea typeface="Helvetica Neue"/>
-                        <a:cs typeface="Helvetica Neue"/>
-                      </a:endParaRPr>
-                    </a:p>
-                  </a:txBody>
-                  <a:tcPr marL="42601" marR="42601" marT="0" marB="0"/>
-                </a:tc>
-                <a:tc>
-                  <a:txBody>
-                    <a:bodyPr/>
-                    <a:lstStyle/>
-                    <a:p>
-                      <a:pPr algn="l">
-                        <a:tabLst>
-                          <a:tab pos="457200" algn="l"/>
-                          <a:tab pos="914400" algn="l"/>
-                          <a:tab pos="1371600" algn="l"/>
-                          <a:tab pos="1828800" algn="l"/>
-                          <a:tab pos="2286000" algn="l"/>
-                          <a:tab pos="2743200" algn="l"/>
-                          <a:tab pos="3200400" algn="l"/>
-                          <a:tab pos="3657600" algn="l"/>
-                        </a:tabLst>
-                      </a:pPr>
-                      <a:r>
-                        <a:rPr lang="en-US" sz="1200">
-                          <a:ln>
-                            <a:noFill/>
-                          </a:ln>
-                          <a:effectLst/>
-                        </a:rPr>
-                        <a:t>Post Office Protocol</a:t>
-                      </a:r>
-                      <a:r>
-                        <a:rPr lang="ru-RU" sz="1200">
-                          <a:ln>
-                            <a:noFill/>
-                          </a:ln>
-                          <a:effectLst/>
-                        </a:rPr>
-                        <a:t> – Протокол почтового отделения</a:t>
-                      </a:r>
-                      <a:endParaRPr lang="ru-RU" sz="1200">
-                        <a:ln>
-                          <a:noFill/>
-                        </a:ln>
-                        <a:solidFill>
-                          <a:srgbClr val="000000"/>
-                        </a:solidFill>
-                        <a:effectLst/>
-                        <a:latin typeface="Helvetica Neue"/>
-                        <a:ea typeface="Helvetica Neue"/>
-                        <a:cs typeface="Helvetica Neue"/>
-                      </a:endParaRPr>
-                    </a:p>
-                  </a:txBody>
-                  <a:tcPr marL="42601" marR="42601" marT="0" marB="0"/>
-                </a:tc>
-                <a:extLst>
-                  <a:ext uri="{0D108BD9-81ED-4DB2-BD59-A6C34878D82A}">
-                    <a16:rowId xmlns:a16="http://schemas.microsoft.com/office/drawing/2014/main" val="1348853581"/>
-                  </a:ext>
-                </a:extLst>
-              </a:tr>
-              <a:tr h="175904">
-                <a:tc>
-                  <a:txBody>
-                    <a:bodyPr/>
-                    <a:lstStyle/>
-                    <a:p>
-                      <a:pPr algn="l">
-                        <a:tabLst>
-                          <a:tab pos="457200" algn="l"/>
-                          <a:tab pos="914400" algn="l"/>
-                          <a:tab pos="1371600" algn="l"/>
-                          <a:tab pos="1828800" algn="l"/>
-                          <a:tab pos="2286000" algn="l"/>
-                          <a:tab pos="2743200" algn="l"/>
-                          <a:tab pos="3200400" algn="l"/>
-                          <a:tab pos="3657600" algn="l"/>
-                        </a:tabLst>
-                      </a:pPr>
-                      <a:r>
-                        <a:rPr lang="ru-RU" sz="1200">
-                          <a:ln>
-                            <a:noFill/>
-                          </a:ln>
-                          <a:effectLst/>
-                        </a:rPr>
-                        <a:t>Место хранения писем</a:t>
-                      </a:r>
-                      <a:endParaRPr lang="ru-RU" sz="1200">
-                        <a:ln>
-                          <a:noFill/>
-                        </a:ln>
-                        <a:solidFill>
-                          <a:srgbClr val="000000"/>
-                        </a:solidFill>
-                        <a:effectLst/>
-                        <a:latin typeface="Helvetica Neue"/>
-                        <a:ea typeface="Helvetica Neue"/>
-                        <a:cs typeface="Helvetica Neue"/>
-                      </a:endParaRPr>
-                    </a:p>
-                  </a:txBody>
-                  <a:tcPr marL="42601" marR="42601" marT="0" marB="0"/>
-                </a:tc>
-                <a:tc>
-                  <a:txBody>
-                    <a:bodyPr/>
-                    <a:lstStyle/>
-                    <a:p>
-                      <a:pPr algn="l">
-                        <a:tabLst>
-                          <a:tab pos="457200" algn="l"/>
-                          <a:tab pos="914400" algn="l"/>
-                          <a:tab pos="1371600" algn="l"/>
-                          <a:tab pos="1828800" algn="l"/>
-                          <a:tab pos="2286000" algn="l"/>
-                          <a:tab pos="2743200" algn="l"/>
-                          <a:tab pos="3200400" algn="l"/>
-                          <a:tab pos="3657600" algn="l"/>
-                        </a:tabLst>
-                      </a:pPr>
-                      <a:r>
-                        <a:rPr lang="ru-RU" sz="1200" dirty="0">
-                          <a:ln>
-                            <a:noFill/>
-                          </a:ln>
-                          <a:effectLst/>
-                        </a:rPr>
-                        <a:t>На сервере</a:t>
-                      </a:r>
-                      <a:endParaRPr lang="ru-RU" sz="1200" dirty="0">
-                        <a:ln>
-                          <a:noFill/>
-                        </a:ln>
-                        <a:solidFill>
-                          <a:srgbClr val="000000"/>
-                        </a:solidFill>
-                        <a:effectLst/>
-                        <a:latin typeface="Helvetica Neue"/>
-                        <a:ea typeface="Helvetica Neue"/>
-                        <a:cs typeface="Helvetica Neue"/>
-                      </a:endParaRPr>
-                    </a:p>
-                  </a:txBody>
-                  <a:tcPr marL="42601" marR="42601" marT="0" marB="0"/>
-                </a:tc>
-                <a:tc>
-                  <a:txBody>
-                    <a:bodyPr/>
-                    <a:lstStyle/>
-                    <a:p>
-                      <a:pPr algn="l">
-                        <a:tabLst>
-                          <a:tab pos="457200" algn="l"/>
-                          <a:tab pos="914400" algn="l"/>
-                          <a:tab pos="1371600" algn="l"/>
-                          <a:tab pos="1828800" algn="l"/>
-                          <a:tab pos="2286000" algn="l"/>
-                          <a:tab pos="2743200" algn="l"/>
-                          <a:tab pos="3200400" algn="l"/>
-                          <a:tab pos="3657600" algn="l"/>
-                        </a:tabLst>
-                      </a:pPr>
-                      <a:r>
-                        <a:rPr lang="ru-RU" sz="1200">
-                          <a:ln>
-                            <a:noFill/>
-                          </a:ln>
-                          <a:effectLst/>
-                        </a:rPr>
-                        <a:t>На компьютере пользователя</a:t>
-                      </a:r>
-                      <a:endParaRPr lang="ru-RU" sz="1200">
-                        <a:ln>
-                          <a:noFill/>
-                        </a:ln>
-                        <a:solidFill>
-                          <a:srgbClr val="000000"/>
-                        </a:solidFill>
-                        <a:effectLst/>
-                        <a:latin typeface="Helvetica Neue"/>
-                        <a:ea typeface="Helvetica Neue"/>
-                        <a:cs typeface="Helvetica Neue"/>
-                      </a:endParaRPr>
-                    </a:p>
-                  </a:txBody>
-                  <a:tcPr marL="42601" marR="42601" marT="0" marB="0"/>
-                </a:tc>
-                <a:extLst>
-                  <a:ext uri="{0D108BD9-81ED-4DB2-BD59-A6C34878D82A}">
-                    <a16:rowId xmlns:a16="http://schemas.microsoft.com/office/drawing/2014/main" val="3420988199"/>
-                  </a:ext>
-                </a:extLst>
-              </a:tr>
-              <a:tr h="351809">
-                <a:tc>
-                  <a:txBody>
-                    <a:bodyPr/>
-                    <a:lstStyle/>
-                    <a:p>
-                      <a:pPr algn="l">
-                        <a:tabLst>
-                          <a:tab pos="457200" algn="l"/>
-                          <a:tab pos="914400" algn="l"/>
-                          <a:tab pos="1371600" algn="l"/>
-                          <a:tab pos="1828800" algn="l"/>
-                          <a:tab pos="2286000" algn="l"/>
-                          <a:tab pos="2743200" algn="l"/>
-                          <a:tab pos="3200400" algn="l"/>
-                          <a:tab pos="3657600" algn="l"/>
-                        </a:tabLst>
-                      </a:pPr>
-                      <a:r>
-                        <a:rPr lang="ru-RU" sz="1200">
-                          <a:ln>
-                            <a:noFill/>
-                          </a:ln>
-                          <a:effectLst/>
-                        </a:rPr>
-                        <a:t>Синхронизация</a:t>
-                      </a:r>
-                      <a:endParaRPr lang="ru-RU" sz="1200">
-                        <a:ln>
-                          <a:noFill/>
-                        </a:ln>
-                        <a:solidFill>
-                          <a:srgbClr val="000000"/>
-                        </a:solidFill>
-                        <a:effectLst/>
-                        <a:latin typeface="Helvetica Neue"/>
-                        <a:ea typeface="Helvetica Neue"/>
-                        <a:cs typeface="Helvetica Neue"/>
-                      </a:endParaRPr>
-                    </a:p>
-                  </a:txBody>
-                  <a:tcPr marL="42601" marR="42601" marT="0" marB="0"/>
-                </a:tc>
-                <a:tc>
-                  <a:txBody>
-                    <a:bodyPr/>
-                    <a:lstStyle/>
-                    <a:p>
-                      <a:pPr algn="l">
-                        <a:tabLst>
-                          <a:tab pos="457200" algn="l"/>
-                          <a:tab pos="914400" algn="l"/>
-                          <a:tab pos="1371600" algn="l"/>
-                          <a:tab pos="1828800" algn="l"/>
-                          <a:tab pos="2286000" algn="l"/>
-                          <a:tab pos="2743200" algn="l"/>
-                          <a:tab pos="3200400" algn="l"/>
-                          <a:tab pos="3657600" algn="l"/>
-                        </a:tabLst>
-                      </a:pPr>
-                      <a:r>
-                        <a:rPr lang="ru-RU" sz="1200" dirty="0">
-                          <a:ln>
-                            <a:noFill/>
-                          </a:ln>
-                          <a:effectLst/>
-                        </a:rPr>
-                        <a:t>Синхронизация на нескольких устройствах</a:t>
-                      </a:r>
-                      <a:endParaRPr lang="ru-RU" sz="1200" dirty="0">
-                        <a:ln>
-                          <a:noFill/>
-                        </a:ln>
-                        <a:solidFill>
-                          <a:srgbClr val="000000"/>
-                        </a:solidFill>
-                        <a:effectLst/>
-                        <a:latin typeface="Helvetica Neue"/>
-                        <a:ea typeface="Helvetica Neue"/>
-                        <a:cs typeface="Helvetica Neue"/>
-                      </a:endParaRPr>
-                    </a:p>
-                  </a:txBody>
-                  <a:tcPr marL="42601" marR="42601" marT="0" marB="0"/>
-                </a:tc>
-                <a:tc>
-                  <a:txBody>
-                    <a:bodyPr/>
-                    <a:lstStyle/>
-                    <a:p>
-                      <a:pPr algn="l">
-                        <a:tabLst>
-                          <a:tab pos="457200" algn="l"/>
-                          <a:tab pos="914400" algn="l"/>
-                          <a:tab pos="1371600" algn="l"/>
-                          <a:tab pos="1828800" algn="l"/>
-                          <a:tab pos="2286000" algn="l"/>
-                          <a:tab pos="2743200" algn="l"/>
-                          <a:tab pos="3200400" algn="l"/>
-                          <a:tab pos="3657600" algn="l"/>
-                        </a:tabLst>
-                      </a:pPr>
-                      <a:r>
-                        <a:rPr lang="ru-RU" sz="1200" dirty="0">
-                          <a:ln>
-                            <a:noFill/>
-                          </a:ln>
-                          <a:effectLst/>
-                        </a:rPr>
-                        <a:t>Нет синхронизации между устройствами</a:t>
-                      </a:r>
-                      <a:endParaRPr lang="ru-RU" sz="1200" dirty="0">
-                        <a:ln>
-                          <a:noFill/>
-                        </a:ln>
-                        <a:solidFill>
-                          <a:srgbClr val="000000"/>
-                        </a:solidFill>
-                        <a:effectLst/>
-                        <a:latin typeface="Helvetica Neue"/>
-                        <a:ea typeface="Helvetica Neue"/>
-                        <a:cs typeface="Helvetica Neue"/>
-                      </a:endParaRPr>
-                    </a:p>
-                  </a:txBody>
-                  <a:tcPr marL="42601" marR="42601" marT="0" marB="0"/>
-                </a:tc>
-                <a:extLst>
-                  <a:ext uri="{0D108BD9-81ED-4DB2-BD59-A6C34878D82A}">
-                    <a16:rowId xmlns:a16="http://schemas.microsoft.com/office/drawing/2014/main" val="2042159959"/>
-                  </a:ext>
-                </a:extLst>
-              </a:tr>
-              <a:tr h="351809">
-                <a:tc>
-                  <a:txBody>
-                    <a:bodyPr/>
-                    <a:lstStyle/>
-                    <a:p>
-                      <a:pPr algn="l">
-                        <a:tabLst>
-                          <a:tab pos="457200" algn="l"/>
-                          <a:tab pos="914400" algn="l"/>
-                          <a:tab pos="1371600" algn="l"/>
-                          <a:tab pos="1828800" algn="l"/>
-                          <a:tab pos="2286000" algn="l"/>
-                          <a:tab pos="2743200" algn="l"/>
-                          <a:tab pos="3200400" algn="l"/>
-                          <a:tab pos="3657600" algn="l"/>
-                        </a:tabLst>
-                      </a:pPr>
-                      <a:r>
-                        <a:rPr lang="ru-RU" sz="1200" dirty="0">
-                          <a:ln>
-                            <a:noFill/>
-                          </a:ln>
-                          <a:effectLst/>
-                        </a:rPr>
-                        <a:t>Доступ к письмам с вложениями</a:t>
-                      </a:r>
-                      <a:endParaRPr lang="ru-RU" sz="1200" dirty="0">
-                        <a:ln>
-                          <a:noFill/>
-                        </a:ln>
-                        <a:solidFill>
-                          <a:srgbClr val="000000"/>
-                        </a:solidFill>
-                        <a:effectLst/>
-                        <a:latin typeface="Helvetica Neue"/>
-                        <a:ea typeface="Helvetica Neue"/>
-                        <a:cs typeface="Helvetica Neue"/>
-                      </a:endParaRPr>
-                    </a:p>
-                  </a:txBody>
-                  <a:tcPr marL="42601" marR="42601" marT="0" marB="0"/>
-                </a:tc>
-                <a:tc>
-                  <a:txBody>
-                    <a:bodyPr/>
-                    <a:lstStyle/>
-                    <a:p>
-                      <a:pPr algn="l">
-                        <a:tabLst>
-                          <a:tab pos="457200" algn="l"/>
-                          <a:tab pos="914400" algn="l"/>
-                          <a:tab pos="1371600" algn="l"/>
-                          <a:tab pos="1828800" algn="l"/>
-                          <a:tab pos="2286000" algn="l"/>
-                          <a:tab pos="2743200" algn="l"/>
-                          <a:tab pos="3200400" algn="l"/>
-                          <a:tab pos="3657600" algn="l"/>
-                        </a:tabLst>
-                      </a:pPr>
-                      <a:r>
-                        <a:rPr lang="ru-RU" sz="1200" dirty="0">
-                          <a:ln>
-                            <a:noFill/>
-                          </a:ln>
-                          <a:effectLst/>
-                        </a:rPr>
-                        <a:t>Тело письма и вложения скачиваются отдельно</a:t>
-                      </a:r>
-                      <a:endParaRPr lang="ru-RU" sz="1200" dirty="0">
-                        <a:ln>
-                          <a:noFill/>
-                        </a:ln>
-                        <a:solidFill>
-                          <a:srgbClr val="000000"/>
-                        </a:solidFill>
-                        <a:effectLst/>
-                        <a:latin typeface="Helvetica Neue"/>
-                        <a:ea typeface="Helvetica Neue"/>
-                        <a:cs typeface="Helvetica Neue"/>
-                      </a:endParaRPr>
-                    </a:p>
-                  </a:txBody>
-                  <a:tcPr marL="42601" marR="42601" marT="0" marB="0"/>
-                </a:tc>
-                <a:tc>
-                  <a:txBody>
-                    <a:bodyPr/>
-                    <a:lstStyle/>
-                    <a:p>
-                      <a:pPr algn="l">
-                        <a:tabLst>
-                          <a:tab pos="457200" algn="l"/>
-                          <a:tab pos="914400" algn="l"/>
-                          <a:tab pos="1371600" algn="l"/>
-                          <a:tab pos="1828800" algn="l"/>
-                          <a:tab pos="2286000" algn="l"/>
-                          <a:tab pos="2743200" algn="l"/>
-                          <a:tab pos="3200400" algn="l"/>
-                          <a:tab pos="3657600" algn="l"/>
-                        </a:tabLst>
-                      </a:pPr>
-                      <a:r>
-                        <a:rPr lang="ru-RU" sz="1200" dirty="0">
-                          <a:ln>
-                            <a:noFill/>
-                          </a:ln>
-                          <a:effectLst/>
-                        </a:rPr>
-                        <a:t>Письма скачиваются целиком, с вложениями</a:t>
-                      </a:r>
-                      <a:endParaRPr lang="ru-RU" sz="1200" dirty="0">
-                        <a:ln>
-                          <a:noFill/>
-                        </a:ln>
-                        <a:solidFill>
-                          <a:srgbClr val="000000"/>
-                        </a:solidFill>
-                        <a:effectLst/>
-                        <a:latin typeface="Helvetica Neue"/>
-                        <a:ea typeface="Helvetica Neue"/>
-                        <a:cs typeface="Helvetica Neue"/>
-                      </a:endParaRPr>
-                    </a:p>
-                  </a:txBody>
-                  <a:tcPr marL="42601" marR="42601" marT="0" marB="0"/>
-                </a:tc>
-                <a:extLst>
-                  <a:ext uri="{0D108BD9-81ED-4DB2-BD59-A6C34878D82A}">
-                    <a16:rowId xmlns:a16="http://schemas.microsoft.com/office/drawing/2014/main" val="59922851"/>
-                  </a:ext>
-                </a:extLst>
-              </a:tr>
-              <a:tr h="876467">
-                <a:tc>
-                  <a:txBody>
-                    <a:bodyPr/>
-                    <a:lstStyle/>
-                    <a:p>
-                      <a:pPr algn="l">
-                        <a:tabLst>
-                          <a:tab pos="457200" algn="l"/>
-                          <a:tab pos="914400" algn="l"/>
-                          <a:tab pos="1371600" algn="l"/>
-                          <a:tab pos="1828800" algn="l"/>
-                          <a:tab pos="2286000" algn="l"/>
-                          <a:tab pos="2743200" algn="l"/>
-                          <a:tab pos="3200400" algn="l"/>
-                          <a:tab pos="3657600" algn="l"/>
-                        </a:tabLst>
-                      </a:pPr>
-                      <a:r>
-                        <a:rPr lang="ru-RU" sz="1200">
-                          <a:ln>
-                            <a:noFill/>
-                          </a:ln>
-                          <a:effectLst/>
-                        </a:rPr>
-                        <a:t>Возможность потери данных</a:t>
-                      </a:r>
-                      <a:endParaRPr lang="ru-RU" sz="1200">
-                        <a:ln>
-                          <a:noFill/>
-                        </a:ln>
-                        <a:solidFill>
-                          <a:srgbClr val="000000"/>
-                        </a:solidFill>
-                        <a:effectLst/>
-                        <a:latin typeface="Helvetica Neue"/>
-                        <a:ea typeface="Helvetica Neue"/>
-                        <a:cs typeface="Helvetica Neue"/>
-                      </a:endParaRPr>
-                    </a:p>
-                  </a:txBody>
-                  <a:tcPr marL="42601" marR="42601" marT="0" marB="0"/>
-                </a:tc>
-                <a:tc>
-                  <a:txBody>
-                    <a:bodyPr/>
-                    <a:lstStyle/>
-                    <a:p>
-                      <a:pPr algn="l">
-                        <a:tabLst>
-                          <a:tab pos="457200" algn="l"/>
-                          <a:tab pos="914400" algn="l"/>
-                          <a:tab pos="1371600" algn="l"/>
-                          <a:tab pos="1828800" algn="l"/>
-                          <a:tab pos="2286000" algn="l"/>
-                          <a:tab pos="2743200" algn="l"/>
-                          <a:tab pos="3200400" algn="l"/>
-                          <a:tab pos="3657600" algn="l"/>
-                        </a:tabLst>
-                      </a:pPr>
-                      <a:r>
-                        <a:rPr lang="ru-RU" sz="1200" dirty="0">
-                          <a:ln>
-                            <a:noFill/>
-                          </a:ln>
-                          <a:effectLst/>
-                        </a:rPr>
-                        <a:t>При поломке сервера, копии могут быть сохранены на локальных устройствах</a:t>
-                      </a:r>
-                      <a:endParaRPr lang="ru-RU" sz="1200" dirty="0">
-                        <a:ln>
-                          <a:noFill/>
-                        </a:ln>
-                        <a:solidFill>
-                          <a:srgbClr val="000000"/>
-                        </a:solidFill>
-                        <a:effectLst/>
-                        <a:latin typeface="Helvetica Neue"/>
-                        <a:ea typeface="Helvetica Neue"/>
-                        <a:cs typeface="Helvetica Neue"/>
-                      </a:endParaRPr>
-                    </a:p>
-                  </a:txBody>
-                  <a:tcPr marL="42601" marR="42601" marT="0" marB="0"/>
-                </a:tc>
-                <a:tc>
-                  <a:txBody>
-                    <a:bodyPr/>
-                    <a:lstStyle/>
-                    <a:p>
-                      <a:pPr algn="l">
-                        <a:tabLst>
-                          <a:tab pos="457200" algn="l"/>
-                          <a:tab pos="914400" algn="l"/>
-                          <a:tab pos="1371600" algn="l"/>
-                          <a:tab pos="1828800" algn="l"/>
-                          <a:tab pos="2286000" algn="l"/>
-                          <a:tab pos="2743200" algn="l"/>
-                          <a:tab pos="3200400" algn="l"/>
-                          <a:tab pos="3657600" algn="l"/>
-                        </a:tabLst>
-                      </a:pPr>
-                      <a:r>
-                        <a:rPr lang="ru-RU" sz="1200" dirty="0">
-                          <a:ln>
-                            <a:noFill/>
-                          </a:ln>
-                          <a:effectLst/>
-                        </a:rPr>
-                        <a:t>Письма будут потеряны на локальном устройстве, без возможности восстановления</a:t>
-                      </a:r>
-                      <a:endParaRPr lang="ru-RU" sz="1200" dirty="0">
-                        <a:ln>
-                          <a:noFill/>
-                        </a:ln>
-                        <a:solidFill>
-                          <a:srgbClr val="000000"/>
-                        </a:solidFill>
-                        <a:effectLst/>
-                        <a:latin typeface="Helvetica Neue"/>
-                        <a:ea typeface="Helvetica Neue"/>
-                        <a:cs typeface="Helvetica Neue"/>
-                      </a:endParaRPr>
-                    </a:p>
-                  </a:txBody>
-                  <a:tcPr marL="42601" marR="42601" marT="0" marB="0"/>
-                </a:tc>
-                <a:extLst>
-                  <a:ext uri="{0D108BD9-81ED-4DB2-BD59-A6C34878D82A}">
-                    <a16:rowId xmlns:a16="http://schemas.microsoft.com/office/drawing/2014/main" val="1586843725"/>
-                  </a:ext>
-                </a:extLst>
-              </a:tr>
-              <a:tr h="1577640">
-                <a:tc>
-                  <a:txBody>
-                    <a:bodyPr/>
-                    <a:lstStyle/>
-                    <a:p>
-                      <a:pPr algn="l">
-                        <a:tabLst>
-                          <a:tab pos="457200" algn="l"/>
-                          <a:tab pos="914400" algn="l"/>
-                          <a:tab pos="1371600" algn="l"/>
-                          <a:tab pos="1828800" algn="l"/>
-                          <a:tab pos="2286000" algn="l"/>
-                          <a:tab pos="2743200" algn="l"/>
-                          <a:tab pos="3200400" algn="l"/>
-                          <a:tab pos="3657600" algn="l"/>
-                        </a:tabLst>
-                      </a:pPr>
-                      <a:r>
-                        <a:rPr lang="ru-RU" sz="1200" dirty="0">
-                          <a:ln>
-                            <a:noFill/>
-                          </a:ln>
-                          <a:effectLst/>
-                        </a:rPr>
-                        <a:t>Необходимость постоянного интернет-соединения</a:t>
-                      </a:r>
-                      <a:endParaRPr lang="ru-RU" sz="1200" dirty="0">
-                        <a:ln>
-                          <a:noFill/>
-                        </a:ln>
-                        <a:solidFill>
-                          <a:srgbClr val="000000"/>
-                        </a:solidFill>
-                        <a:effectLst/>
-                        <a:latin typeface="Helvetica Neue"/>
-                        <a:ea typeface="Helvetica Neue"/>
-                        <a:cs typeface="Helvetica Neue"/>
-                      </a:endParaRPr>
-                    </a:p>
-                  </a:txBody>
-                  <a:tcPr marL="42601" marR="42601" marT="0" marB="0"/>
-                </a:tc>
-                <a:tc>
-                  <a:txBody>
-                    <a:bodyPr/>
-                    <a:lstStyle/>
-                    <a:p>
-                      <a:pPr algn="l">
-                        <a:tabLst>
-                          <a:tab pos="457200" algn="l"/>
-                          <a:tab pos="914400" algn="l"/>
-                          <a:tab pos="1371600" algn="l"/>
-                          <a:tab pos="1828800" algn="l"/>
-                          <a:tab pos="2286000" algn="l"/>
-                          <a:tab pos="2743200" algn="l"/>
-                          <a:tab pos="3200400" algn="l"/>
-                          <a:tab pos="3657600" algn="l"/>
-                        </a:tabLst>
-                      </a:pPr>
-                      <a:r>
-                        <a:rPr lang="ru-RU" sz="1200" dirty="0">
-                          <a:ln>
-                            <a:noFill/>
-                          </a:ln>
-                          <a:effectLst/>
-                        </a:rPr>
-                        <a:t>Необходимо постоянно.</a:t>
-                      </a:r>
-                    </a:p>
-                    <a:p>
-                      <a:pPr algn="l">
-                        <a:tabLst>
-                          <a:tab pos="457200" algn="l"/>
-                          <a:tab pos="914400" algn="l"/>
-                          <a:tab pos="1371600" algn="l"/>
-                          <a:tab pos="1828800" algn="l"/>
-                          <a:tab pos="2286000" algn="l"/>
-                          <a:tab pos="2743200" algn="l"/>
-                          <a:tab pos="3200400" algn="l"/>
-                          <a:tab pos="3657600" algn="l"/>
-                        </a:tabLst>
-                      </a:pPr>
-                      <a:r>
-                        <a:rPr lang="ru-RU" sz="1200" dirty="0">
-                          <a:ln>
-                            <a:noFill/>
-                          </a:ln>
-                          <a:effectLst/>
-                        </a:rPr>
-                        <a:t>Возможность просмотреть только текст письма при медленном интернет-соединении</a:t>
-                      </a:r>
-                      <a:endParaRPr lang="ru-RU" sz="1200" dirty="0">
-                        <a:ln>
-                          <a:noFill/>
-                        </a:ln>
-                        <a:solidFill>
-                          <a:srgbClr val="000000"/>
-                        </a:solidFill>
-                        <a:effectLst/>
-                        <a:latin typeface="Helvetica Neue"/>
-                        <a:ea typeface="Helvetica Neue"/>
-                        <a:cs typeface="Helvetica Neue"/>
-                      </a:endParaRPr>
-                    </a:p>
-                  </a:txBody>
-                  <a:tcPr marL="42601" marR="42601" marT="0" marB="0"/>
-                </a:tc>
-                <a:tc>
-                  <a:txBody>
-                    <a:bodyPr/>
-                    <a:lstStyle/>
-                    <a:p>
-                      <a:pPr algn="l">
-                        <a:tabLst>
-                          <a:tab pos="457200" algn="l"/>
-                          <a:tab pos="914400" algn="l"/>
-                          <a:tab pos="1371600" algn="l"/>
-                          <a:tab pos="1828800" algn="l"/>
-                          <a:tab pos="2286000" algn="l"/>
-                          <a:tab pos="2743200" algn="l"/>
-                          <a:tab pos="3200400" algn="l"/>
-                          <a:tab pos="3657600" algn="l"/>
-                        </a:tabLst>
-                      </a:pPr>
-                      <a:r>
-                        <a:rPr lang="ru-RU" sz="1200" dirty="0">
-                          <a:ln>
-                            <a:noFill/>
-                          </a:ln>
-                          <a:effectLst/>
-                        </a:rPr>
-                        <a:t>Необходимость только для единовременного скачивания или отправки письма.</a:t>
-                      </a:r>
-                    </a:p>
-                    <a:p>
-                      <a:pPr algn="l">
-                        <a:tabLst>
-                          <a:tab pos="457200" algn="l"/>
-                          <a:tab pos="914400" algn="l"/>
-                          <a:tab pos="1371600" algn="l"/>
-                          <a:tab pos="1828800" algn="l"/>
-                          <a:tab pos="2286000" algn="l"/>
-                          <a:tab pos="2743200" algn="l"/>
-                          <a:tab pos="3200400" algn="l"/>
-                          <a:tab pos="3657600" algn="l"/>
-                        </a:tabLst>
-                      </a:pPr>
-                      <a:r>
-                        <a:rPr lang="ru-RU" sz="1200" dirty="0">
-                          <a:ln>
-                            <a:noFill/>
-                          </a:ln>
-                          <a:effectLst/>
-                        </a:rPr>
-                        <a:t>Невозможность увидеть только текст письма, необходимость загрузки всех вложений</a:t>
-                      </a:r>
-                      <a:endParaRPr lang="ru-RU" sz="1200" dirty="0">
-                        <a:ln>
-                          <a:noFill/>
-                        </a:ln>
-                        <a:solidFill>
-                          <a:srgbClr val="000000"/>
-                        </a:solidFill>
-                        <a:effectLst/>
-                        <a:latin typeface="Helvetica Neue"/>
-                        <a:ea typeface="Helvetica Neue"/>
-                        <a:cs typeface="Helvetica Neue"/>
-                      </a:endParaRPr>
-                    </a:p>
-                  </a:txBody>
-                  <a:tcPr marL="42601" marR="42601" marT="0" marB="0"/>
-                </a:tc>
-                <a:extLst>
-                  <a:ext uri="{0D108BD9-81ED-4DB2-BD59-A6C34878D82A}">
-                    <a16:rowId xmlns:a16="http://schemas.microsoft.com/office/drawing/2014/main" val="271976878"/>
-                  </a:ext>
-                </a:extLst>
-              </a:tr>
-            </a:tbl>
-          </a:graphicData>
-        </a:graphic>
-      </p:graphicFrame>
       <p:sp>
         <p:nvSpPr>
           <p:cNvPr id="9" name="Заголовок 1">
@@ -13551,6 +12622,698 @@
           </a:p>
         </p:txBody>
       </p:sp>
+      <p:pic>
+        <p:nvPicPr>
+          <p:cNvPr id="3" name="Рисунок 2">
+            <a:extLst>
+              <a:ext uri="{FF2B5EF4-FFF2-40B4-BE49-F238E27FC236}">
+                <a16:creationId xmlns:a16="http://schemas.microsoft.com/office/drawing/2014/main" id="{D31315EB-61EA-484C-9C1E-318C92BA291B}"/>
+              </a:ext>
+            </a:extLst>
+          </p:cNvPr>
+          <p:cNvPicPr>
+            <a:picLocks noChangeAspect="1"/>
+          </p:cNvPicPr>
+          <p:nvPr/>
+        </p:nvPicPr>
+        <p:blipFill>
+          <a:blip r:embed="rId2"/>
+          <a:stretch>
+            <a:fillRect/>
+          </a:stretch>
+        </p:blipFill>
+        <p:spPr>
+          <a:xfrm>
+            <a:off x="677333" y="1857017"/>
+            <a:ext cx="5649113" cy="2419688"/>
+          </a:xfrm>
+          <a:prstGeom prst="rect">
+            <a:avLst/>
+          </a:prstGeom>
+          <a:ln w="38100" cap="sq">
+            <a:solidFill>
+              <a:srgbClr val="000000"/>
+            </a:solidFill>
+            <a:prstDash val="solid"/>
+            <a:miter lim="800000"/>
+          </a:ln>
+          <a:effectLst>
+            <a:outerShdw blurRad="50800" dist="38100" dir="2700000" algn="tl" rotWithShape="0">
+              <a:srgbClr val="000000">
+                <a:alpha val="43000"/>
+              </a:srgbClr>
+            </a:outerShdw>
+          </a:effectLst>
+        </p:spPr>
+      </p:pic>
+      <p:pic>
+        <p:nvPicPr>
+          <p:cNvPr id="6" name="Рисунок 5">
+            <a:extLst>
+              <a:ext uri="{FF2B5EF4-FFF2-40B4-BE49-F238E27FC236}">
+                <a16:creationId xmlns:a16="http://schemas.microsoft.com/office/drawing/2014/main" id="{453ACBF7-2A53-443B-83DF-925A9DB18D5B}"/>
+              </a:ext>
+            </a:extLst>
+          </p:cNvPr>
+          <p:cNvPicPr>
+            <a:picLocks noChangeAspect="1"/>
+          </p:cNvPicPr>
+          <p:nvPr/>
+        </p:nvPicPr>
+        <p:blipFill>
+          <a:blip r:embed="rId3"/>
+          <a:stretch>
+            <a:fillRect/>
+          </a:stretch>
+        </p:blipFill>
+        <p:spPr>
+          <a:xfrm>
+            <a:off x="4616247" y="3967386"/>
+            <a:ext cx="3810532" cy="2200582"/>
+          </a:xfrm>
+          <a:prstGeom prst="rect">
+            <a:avLst/>
+          </a:prstGeom>
+          <a:ln w="38100" cap="sq">
+            <a:solidFill>
+              <a:srgbClr val="000000"/>
+            </a:solidFill>
+            <a:prstDash val="solid"/>
+            <a:miter lim="800000"/>
+          </a:ln>
+          <a:effectLst>
+            <a:outerShdw blurRad="50800" dist="38100" dir="2700000" algn="tl" rotWithShape="0">
+              <a:srgbClr val="000000">
+                <a:alpha val="43000"/>
+              </a:srgbClr>
+            </a:outerShdw>
+          </a:effectLst>
+        </p:spPr>
+      </p:pic>
+      <p:sp>
+        <p:nvSpPr>
+          <p:cNvPr id="11" name="Объект 2">
+            <a:extLst>
+              <a:ext uri="{FF2B5EF4-FFF2-40B4-BE49-F238E27FC236}">
+                <a16:creationId xmlns:a16="http://schemas.microsoft.com/office/drawing/2014/main" id="{2DDC89E7-A530-400A-A01F-40592D80074D}"/>
+              </a:ext>
+            </a:extLst>
+          </p:cNvPr>
+          <p:cNvSpPr txBox="1">
+            <a:spLocks/>
+          </p:cNvSpPr>
+          <p:nvPr/>
+        </p:nvSpPr>
+        <p:spPr>
+          <a:xfrm>
+            <a:off x="6430852" y="2702750"/>
+            <a:ext cx="1995927" cy="375728"/>
+          </a:xfrm>
+          <a:prstGeom prst="rect">
+            <a:avLst/>
+          </a:prstGeom>
+        </p:spPr>
+        <p:txBody>
+          <a:bodyPr vert="horz" lIns="91440" tIns="45720" rIns="91440" bIns="45720" rtlCol="0">
+            <a:normAutofit/>
+          </a:bodyPr>
+          <a:lstStyle>
+            <a:lvl1pPr marL="342900" indent="-342900" algn="l" defTabSz="457200" rtl="0" eaLnBrk="1" latinLnBrk="0" hangingPunct="1">
+              <a:spcBef>
+                <a:spcPts val="1000"/>
+              </a:spcBef>
+              <a:spcAft>
+                <a:spcPts val="0"/>
+              </a:spcAft>
+              <a:buClr>
+                <a:schemeClr val="accent1"/>
+              </a:buClr>
+              <a:buSzPct val="80000"/>
+              <a:buFont typeface="Wingdings 3" charset="2"/>
+              <a:buChar char=""/>
+              <a:defRPr sz="1800" kern="1200">
+                <a:solidFill>
+                  <a:schemeClr val="tx1">
+                    <a:lumMod val="75000"/>
+                    <a:lumOff val="25000"/>
+                  </a:schemeClr>
+                </a:solidFill>
+                <a:latin typeface="+mn-lt"/>
+                <a:ea typeface="+mn-ea"/>
+                <a:cs typeface="+mn-cs"/>
+              </a:defRPr>
+            </a:lvl1pPr>
+            <a:lvl2pPr marL="742950" indent="-285750" algn="l" defTabSz="457200" rtl="0" eaLnBrk="1" latinLnBrk="0" hangingPunct="1">
+              <a:spcBef>
+                <a:spcPts val="1000"/>
+              </a:spcBef>
+              <a:spcAft>
+                <a:spcPts val="0"/>
+              </a:spcAft>
+              <a:buClr>
+                <a:schemeClr val="accent1"/>
+              </a:buClr>
+              <a:buSzPct val="80000"/>
+              <a:buFont typeface="Wingdings 3" charset="2"/>
+              <a:buChar char=""/>
+              <a:defRPr sz="1600" kern="1200">
+                <a:solidFill>
+                  <a:schemeClr val="tx1">
+                    <a:lumMod val="75000"/>
+                    <a:lumOff val="25000"/>
+                  </a:schemeClr>
+                </a:solidFill>
+                <a:latin typeface="+mn-lt"/>
+                <a:ea typeface="+mn-ea"/>
+                <a:cs typeface="+mn-cs"/>
+              </a:defRPr>
+            </a:lvl2pPr>
+            <a:lvl3pPr marL="1143000" indent="-228600" algn="l" defTabSz="457200" rtl="0" eaLnBrk="1" latinLnBrk="0" hangingPunct="1">
+              <a:spcBef>
+                <a:spcPts val="1000"/>
+              </a:spcBef>
+              <a:spcAft>
+                <a:spcPts val="0"/>
+              </a:spcAft>
+              <a:buClr>
+                <a:schemeClr val="accent1"/>
+              </a:buClr>
+              <a:buSzPct val="80000"/>
+              <a:buFont typeface="Wingdings 3" charset="2"/>
+              <a:buChar char=""/>
+              <a:defRPr sz="1400" kern="1200">
+                <a:solidFill>
+                  <a:schemeClr val="tx1">
+                    <a:lumMod val="75000"/>
+                    <a:lumOff val="25000"/>
+                  </a:schemeClr>
+                </a:solidFill>
+                <a:latin typeface="+mn-lt"/>
+                <a:ea typeface="+mn-ea"/>
+                <a:cs typeface="+mn-cs"/>
+              </a:defRPr>
+            </a:lvl3pPr>
+            <a:lvl4pPr marL="1600200" indent="-228600" algn="l" defTabSz="457200" rtl="0" eaLnBrk="1" latinLnBrk="0" hangingPunct="1">
+              <a:spcBef>
+                <a:spcPts val="1000"/>
+              </a:spcBef>
+              <a:spcAft>
+                <a:spcPts val="0"/>
+              </a:spcAft>
+              <a:buClr>
+                <a:schemeClr val="accent1"/>
+              </a:buClr>
+              <a:buSzPct val="80000"/>
+              <a:buFont typeface="Wingdings 3" charset="2"/>
+              <a:buChar char=""/>
+              <a:defRPr sz="1200" kern="1200">
+                <a:solidFill>
+                  <a:schemeClr val="tx1">
+                    <a:lumMod val="75000"/>
+                    <a:lumOff val="25000"/>
+                  </a:schemeClr>
+                </a:solidFill>
+                <a:latin typeface="+mn-lt"/>
+                <a:ea typeface="+mn-ea"/>
+                <a:cs typeface="+mn-cs"/>
+              </a:defRPr>
+            </a:lvl4pPr>
+            <a:lvl5pPr marL="2057400" indent="-228600" algn="l" defTabSz="457200" rtl="0" eaLnBrk="1" latinLnBrk="0" hangingPunct="1">
+              <a:spcBef>
+                <a:spcPts val="1000"/>
+              </a:spcBef>
+              <a:spcAft>
+                <a:spcPts val="0"/>
+              </a:spcAft>
+              <a:buClr>
+                <a:schemeClr val="accent1"/>
+              </a:buClr>
+              <a:buSzPct val="80000"/>
+              <a:buFont typeface="Wingdings 3" charset="2"/>
+              <a:buChar char=""/>
+              <a:defRPr sz="1200" kern="1200">
+                <a:solidFill>
+                  <a:schemeClr val="tx1">
+                    <a:lumMod val="75000"/>
+                    <a:lumOff val="25000"/>
+                  </a:schemeClr>
+                </a:solidFill>
+                <a:latin typeface="+mn-lt"/>
+                <a:ea typeface="+mn-ea"/>
+                <a:cs typeface="+mn-cs"/>
+              </a:defRPr>
+            </a:lvl5pPr>
+            <a:lvl6pPr marL="2514600" indent="-228600" algn="l" defTabSz="457200" rtl="0" eaLnBrk="1" latinLnBrk="0" hangingPunct="1">
+              <a:spcBef>
+                <a:spcPts val="1000"/>
+              </a:spcBef>
+              <a:spcAft>
+                <a:spcPts val="0"/>
+              </a:spcAft>
+              <a:buClr>
+                <a:schemeClr val="accent1"/>
+              </a:buClr>
+              <a:buSzPct val="80000"/>
+              <a:buFont typeface="Wingdings 3" charset="2"/>
+              <a:buChar char=""/>
+              <a:defRPr sz="1200" kern="1200">
+                <a:solidFill>
+                  <a:schemeClr val="tx1">
+                    <a:lumMod val="75000"/>
+                    <a:lumOff val="25000"/>
+                  </a:schemeClr>
+                </a:solidFill>
+                <a:latin typeface="+mn-lt"/>
+                <a:ea typeface="+mn-ea"/>
+                <a:cs typeface="+mn-cs"/>
+              </a:defRPr>
+            </a:lvl6pPr>
+            <a:lvl7pPr marL="2971800" indent="-228600" algn="l" defTabSz="457200" rtl="0" eaLnBrk="1" latinLnBrk="0" hangingPunct="1">
+              <a:spcBef>
+                <a:spcPts val="1000"/>
+              </a:spcBef>
+              <a:spcAft>
+                <a:spcPts val="0"/>
+              </a:spcAft>
+              <a:buClr>
+                <a:schemeClr val="accent1"/>
+              </a:buClr>
+              <a:buSzPct val="80000"/>
+              <a:buFont typeface="Wingdings 3" charset="2"/>
+              <a:buChar char=""/>
+              <a:defRPr sz="1200" kern="1200">
+                <a:solidFill>
+                  <a:schemeClr val="tx1">
+                    <a:lumMod val="75000"/>
+                    <a:lumOff val="25000"/>
+                  </a:schemeClr>
+                </a:solidFill>
+                <a:latin typeface="+mn-lt"/>
+                <a:ea typeface="+mn-ea"/>
+                <a:cs typeface="+mn-cs"/>
+              </a:defRPr>
+            </a:lvl7pPr>
+            <a:lvl8pPr marL="3429000" indent="-228600" algn="l" defTabSz="457200" rtl="0" eaLnBrk="1" latinLnBrk="0" hangingPunct="1">
+              <a:spcBef>
+                <a:spcPts val="1000"/>
+              </a:spcBef>
+              <a:spcAft>
+                <a:spcPts val="0"/>
+              </a:spcAft>
+              <a:buClr>
+                <a:schemeClr val="accent1"/>
+              </a:buClr>
+              <a:buSzPct val="80000"/>
+              <a:buFont typeface="Wingdings 3" charset="2"/>
+              <a:buChar char=""/>
+              <a:defRPr sz="1200" kern="1200">
+                <a:solidFill>
+                  <a:schemeClr val="tx1">
+                    <a:lumMod val="75000"/>
+                    <a:lumOff val="25000"/>
+                  </a:schemeClr>
+                </a:solidFill>
+                <a:latin typeface="+mn-lt"/>
+                <a:ea typeface="+mn-ea"/>
+                <a:cs typeface="+mn-cs"/>
+              </a:defRPr>
+            </a:lvl8pPr>
+            <a:lvl9pPr marL="3886200" indent="-228600" algn="l" defTabSz="457200" rtl="0" eaLnBrk="1" latinLnBrk="0" hangingPunct="1">
+              <a:spcBef>
+                <a:spcPts val="1000"/>
+              </a:spcBef>
+              <a:spcAft>
+                <a:spcPts val="0"/>
+              </a:spcAft>
+              <a:buClr>
+                <a:schemeClr val="accent1"/>
+              </a:buClr>
+              <a:buSzPct val="80000"/>
+              <a:buFont typeface="Wingdings 3" charset="2"/>
+              <a:buChar char=""/>
+              <a:defRPr sz="1200" kern="1200">
+                <a:solidFill>
+                  <a:schemeClr val="tx1">
+                    <a:lumMod val="75000"/>
+                    <a:lumOff val="25000"/>
+                  </a:schemeClr>
+                </a:solidFill>
+                <a:latin typeface="+mn-lt"/>
+                <a:ea typeface="+mn-ea"/>
+                <a:cs typeface="+mn-cs"/>
+              </a:defRPr>
+            </a:lvl9pPr>
+          </a:lstStyle>
+          <a:p>
+            <a:r>
+              <a:rPr lang="en-US" dirty="0"/>
+              <a:t>IMAP</a:t>
+            </a:r>
+            <a:endParaRPr lang="ru-RU" dirty="0"/>
+          </a:p>
+        </p:txBody>
+      </p:sp>
+      <p:cxnSp>
+        <p:nvCxnSpPr>
+          <p:cNvPr id="12" name="Прямая соединительная линия 11">
+            <a:extLst>
+              <a:ext uri="{FF2B5EF4-FFF2-40B4-BE49-F238E27FC236}">
+                <a16:creationId xmlns:a16="http://schemas.microsoft.com/office/drawing/2014/main" id="{1E8E08B3-4191-4306-8A94-382214B1CE6F}"/>
+              </a:ext>
+            </a:extLst>
+          </p:cNvPr>
+          <p:cNvCxnSpPr>
+            <a:stCxn id="11" idx="2"/>
+          </p:cNvCxnSpPr>
+          <p:nvPr/>
+        </p:nvCxnSpPr>
+        <p:spPr>
+          <a:xfrm flipH="1">
+            <a:off x="6584329" y="3078478"/>
+            <a:ext cx="844487" cy="0"/>
+          </a:xfrm>
+          <a:prstGeom prst="line">
+            <a:avLst/>
+          </a:prstGeom>
+          <a:ln w="28575"/>
+        </p:spPr>
+        <p:style>
+          <a:lnRef idx="1">
+            <a:schemeClr val="accent1"/>
+          </a:lnRef>
+          <a:fillRef idx="0">
+            <a:schemeClr val="accent1"/>
+          </a:fillRef>
+          <a:effectRef idx="0">
+            <a:schemeClr val="accent1"/>
+          </a:effectRef>
+          <a:fontRef idx="minor">
+            <a:schemeClr val="tx1"/>
+          </a:fontRef>
+        </p:style>
+      </p:cxnSp>
+      <p:sp>
+        <p:nvSpPr>
+          <p:cNvPr id="13" name="Объект 2">
+            <a:extLst>
+              <a:ext uri="{FF2B5EF4-FFF2-40B4-BE49-F238E27FC236}">
+                <a16:creationId xmlns:a16="http://schemas.microsoft.com/office/drawing/2014/main" id="{8E914B5B-3ECE-4356-974B-58C2C4F70D93}"/>
+              </a:ext>
+            </a:extLst>
+          </p:cNvPr>
+          <p:cNvSpPr txBox="1">
+            <a:spLocks/>
+          </p:cNvSpPr>
+          <p:nvPr/>
+        </p:nvSpPr>
+        <p:spPr>
+          <a:xfrm>
+            <a:off x="3325902" y="5212271"/>
+            <a:ext cx="1995927" cy="375728"/>
+          </a:xfrm>
+          <a:prstGeom prst="rect">
+            <a:avLst/>
+          </a:prstGeom>
+        </p:spPr>
+        <p:txBody>
+          <a:bodyPr vert="horz" lIns="91440" tIns="45720" rIns="91440" bIns="45720" rtlCol="0">
+            <a:normAutofit/>
+          </a:bodyPr>
+          <a:lstStyle>
+            <a:lvl1pPr marL="342900" indent="-342900" algn="l" defTabSz="457200" rtl="0" eaLnBrk="1" latinLnBrk="0" hangingPunct="1">
+              <a:spcBef>
+                <a:spcPts val="1000"/>
+              </a:spcBef>
+              <a:spcAft>
+                <a:spcPts val="0"/>
+              </a:spcAft>
+              <a:buClr>
+                <a:schemeClr val="accent1"/>
+              </a:buClr>
+              <a:buSzPct val="80000"/>
+              <a:buFont typeface="Wingdings 3" charset="2"/>
+              <a:buChar char=""/>
+              <a:defRPr sz="1800" kern="1200">
+                <a:solidFill>
+                  <a:schemeClr val="tx1">
+                    <a:lumMod val="75000"/>
+                    <a:lumOff val="25000"/>
+                  </a:schemeClr>
+                </a:solidFill>
+                <a:latin typeface="+mn-lt"/>
+                <a:ea typeface="+mn-ea"/>
+                <a:cs typeface="+mn-cs"/>
+              </a:defRPr>
+            </a:lvl1pPr>
+            <a:lvl2pPr marL="742950" indent="-285750" algn="l" defTabSz="457200" rtl="0" eaLnBrk="1" latinLnBrk="0" hangingPunct="1">
+              <a:spcBef>
+                <a:spcPts val="1000"/>
+              </a:spcBef>
+              <a:spcAft>
+                <a:spcPts val="0"/>
+              </a:spcAft>
+              <a:buClr>
+                <a:schemeClr val="accent1"/>
+              </a:buClr>
+              <a:buSzPct val="80000"/>
+              <a:buFont typeface="Wingdings 3" charset="2"/>
+              <a:buChar char=""/>
+              <a:defRPr sz="1600" kern="1200">
+                <a:solidFill>
+                  <a:schemeClr val="tx1">
+                    <a:lumMod val="75000"/>
+                    <a:lumOff val="25000"/>
+                  </a:schemeClr>
+                </a:solidFill>
+                <a:latin typeface="+mn-lt"/>
+                <a:ea typeface="+mn-ea"/>
+                <a:cs typeface="+mn-cs"/>
+              </a:defRPr>
+            </a:lvl2pPr>
+            <a:lvl3pPr marL="1143000" indent="-228600" algn="l" defTabSz="457200" rtl="0" eaLnBrk="1" latinLnBrk="0" hangingPunct="1">
+              <a:spcBef>
+                <a:spcPts val="1000"/>
+              </a:spcBef>
+              <a:spcAft>
+                <a:spcPts val="0"/>
+              </a:spcAft>
+              <a:buClr>
+                <a:schemeClr val="accent1"/>
+              </a:buClr>
+              <a:buSzPct val="80000"/>
+              <a:buFont typeface="Wingdings 3" charset="2"/>
+              <a:buChar char=""/>
+              <a:defRPr sz="1400" kern="1200">
+                <a:solidFill>
+                  <a:schemeClr val="tx1">
+                    <a:lumMod val="75000"/>
+                    <a:lumOff val="25000"/>
+                  </a:schemeClr>
+                </a:solidFill>
+                <a:latin typeface="+mn-lt"/>
+                <a:ea typeface="+mn-ea"/>
+                <a:cs typeface="+mn-cs"/>
+              </a:defRPr>
+            </a:lvl3pPr>
+            <a:lvl4pPr marL="1600200" indent="-228600" algn="l" defTabSz="457200" rtl="0" eaLnBrk="1" latinLnBrk="0" hangingPunct="1">
+              <a:spcBef>
+                <a:spcPts val="1000"/>
+              </a:spcBef>
+              <a:spcAft>
+                <a:spcPts val="0"/>
+              </a:spcAft>
+              <a:buClr>
+                <a:schemeClr val="accent1"/>
+              </a:buClr>
+              <a:buSzPct val="80000"/>
+              <a:buFont typeface="Wingdings 3" charset="2"/>
+              <a:buChar char=""/>
+              <a:defRPr sz="1200" kern="1200">
+                <a:solidFill>
+                  <a:schemeClr val="tx1">
+                    <a:lumMod val="75000"/>
+                    <a:lumOff val="25000"/>
+                  </a:schemeClr>
+                </a:solidFill>
+                <a:latin typeface="+mn-lt"/>
+                <a:ea typeface="+mn-ea"/>
+                <a:cs typeface="+mn-cs"/>
+              </a:defRPr>
+            </a:lvl4pPr>
+            <a:lvl5pPr marL="2057400" indent="-228600" algn="l" defTabSz="457200" rtl="0" eaLnBrk="1" latinLnBrk="0" hangingPunct="1">
+              <a:spcBef>
+                <a:spcPts val="1000"/>
+              </a:spcBef>
+              <a:spcAft>
+                <a:spcPts val="0"/>
+              </a:spcAft>
+              <a:buClr>
+                <a:schemeClr val="accent1"/>
+              </a:buClr>
+              <a:buSzPct val="80000"/>
+              <a:buFont typeface="Wingdings 3" charset="2"/>
+              <a:buChar char=""/>
+              <a:defRPr sz="1200" kern="1200">
+                <a:solidFill>
+                  <a:schemeClr val="tx1">
+                    <a:lumMod val="75000"/>
+                    <a:lumOff val="25000"/>
+                  </a:schemeClr>
+                </a:solidFill>
+                <a:latin typeface="+mn-lt"/>
+                <a:ea typeface="+mn-ea"/>
+                <a:cs typeface="+mn-cs"/>
+              </a:defRPr>
+            </a:lvl5pPr>
+            <a:lvl6pPr marL="2514600" indent="-228600" algn="l" defTabSz="457200" rtl="0" eaLnBrk="1" latinLnBrk="0" hangingPunct="1">
+              <a:spcBef>
+                <a:spcPts val="1000"/>
+              </a:spcBef>
+              <a:spcAft>
+                <a:spcPts val="0"/>
+              </a:spcAft>
+              <a:buClr>
+                <a:schemeClr val="accent1"/>
+              </a:buClr>
+              <a:buSzPct val="80000"/>
+              <a:buFont typeface="Wingdings 3" charset="2"/>
+              <a:buChar char=""/>
+              <a:defRPr sz="1200" kern="1200">
+                <a:solidFill>
+                  <a:schemeClr val="tx1">
+                    <a:lumMod val="75000"/>
+                    <a:lumOff val="25000"/>
+                  </a:schemeClr>
+                </a:solidFill>
+                <a:latin typeface="+mn-lt"/>
+                <a:ea typeface="+mn-ea"/>
+                <a:cs typeface="+mn-cs"/>
+              </a:defRPr>
+            </a:lvl6pPr>
+            <a:lvl7pPr marL="2971800" indent="-228600" algn="l" defTabSz="457200" rtl="0" eaLnBrk="1" latinLnBrk="0" hangingPunct="1">
+              <a:spcBef>
+                <a:spcPts val="1000"/>
+              </a:spcBef>
+              <a:spcAft>
+                <a:spcPts val="0"/>
+              </a:spcAft>
+              <a:buClr>
+                <a:schemeClr val="accent1"/>
+              </a:buClr>
+              <a:buSzPct val="80000"/>
+              <a:buFont typeface="Wingdings 3" charset="2"/>
+              <a:buChar char=""/>
+              <a:defRPr sz="1200" kern="1200">
+                <a:solidFill>
+                  <a:schemeClr val="tx1">
+                    <a:lumMod val="75000"/>
+                    <a:lumOff val="25000"/>
+                  </a:schemeClr>
+                </a:solidFill>
+                <a:latin typeface="+mn-lt"/>
+                <a:ea typeface="+mn-ea"/>
+                <a:cs typeface="+mn-cs"/>
+              </a:defRPr>
+            </a:lvl7pPr>
+            <a:lvl8pPr marL="3429000" indent="-228600" algn="l" defTabSz="457200" rtl="0" eaLnBrk="1" latinLnBrk="0" hangingPunct="1">
+              <a:spcBef>
+                <a:spcPts val="1000"/>
+              </a:spcBef>
+              <a:spcAft>
+                <a:spcPts val="0"/>
+              </a:spcAft>
+              <a:buClr>
+                <a:schemeClr val="accent1"/>
+              </a:buClr>
+              <a:buSzPct val="80000"/>
+              <a:buFont typeface="Wingdings 3" charset="2"/>
+              <a:buChar char=""/>
+              <a:defRPr sz="1200" kern="1200">
+                <a:solidFill>
+                  <a:schemeClr val="tx1">
+                    <a:lumMod val="75000"/>
+                    <a:lumOff val="25000"/>
+                  </a:schemeClr>
+                </a:solidFill>
+                <a:latin typeface="+mn-lt"/>
+                <a:ea typeface="+mn-ea"/>
+                <a:cs typeface="+mn-cs"/>
+              </a:defRPr>
+            </a:lvl8pPr>
+            <a:lvl9pPr marL="3886200" indent="-228600" algn="l" defTabSz="457200" rtl="0" eaLnBrk="1" latinLnBrk="0" hangingPunct="1">
+              <a:spcBef>
+                <a:spcPts val="1000"/>
+              </a:spcBef>
+              <a:spcAft>
+                <a:spcPts val="0"/>
+              </a:spcAft>
+              <a:buClr>
+                <a:schemeClr val="accent1"/>
+              </a:buClr>
+              <a:buSzPct val="80000"/>
+              <a:buFont typeface="Wingdings 3" charset="2"/>
+              <a:buChar char=""/>
+              <a:defRPr sz="1200" kern="1200">
+                <a:solidFill>
+                  <a:schemeClr val="tx1">
+                    <a:lumMod val="75000"/>
+                    <a:lumOff val="25000"/>
+                  </a:schemeClr>
+                </a:solidFill>
+                <a:latin typeface="+mn-lt"/>
+                <a:ea typeface="+mn-ea"/>
+                <a:cs typeface="+mn-cs"/>
+              </a:defRPr>
+            </a:lvl9pPr>
+          </a:lstStyle>
+          <a:p>
+            <a:r>
+              <a:rPr lang="en-US" dirty="0"/>
+              <a:t>POP3</a:t>
+            </a:r>
+            <a:endParaRPr lang="ru-RU" dirty="0"/>
+          </a:p>
+        </p:txBody>
+      </p:sp>
+      <p:cxnSp>
+        <p:nvCxnSpPr>
+          <p:cNvPr id="14" name="Прямая соединительная линия 13">
+            <a:extLst>
+              <a:ext uri="{FF2B5EF4-FFF2-40B4-BE49-F238E27FC236}">
+                <a16:creationId xmlns:a16="http://schemas.microsoft.com/office/drawing/2014/main" id="{B3A7E6EB-15F7-413D-8711-38F386A45926}"/>
+              </a:ext>
+            </a:extLst>
+          </p:cNvPr>
+          <p:cNvCxnSpPr>
+            <a:stCxn id="13" idx="2"/>
+          </p:cNvCxnSpPr>
+          <p:nvPr/>
+        </p:nvCxnSpPr>
+        <p:spPr>
+          <a:xfrm flipH="1">
+            <a:off x="3479379" y="5587999"/>
+            <a:ext cx="844487" cy="0"/>
+          </a:xfrm>
+          <a:prstGeom prst="line">
+            <a:avLst/>
+          </a:prstGeom>
+          <a:ln w="28575"/>
+        </p:spPr>
+        <p:style>
+          <a:lnRef idx="1">
+            <a:schemeClr val="accent1"/>
+          </a:lnRef>
+          <a:fillRef idx="0">
+            <a:schemeClr val="accent1"/>
+          </a:fillRef>
+          <a:effectRef idx="0">
+            <a:schemeClr val="accent1"/>
+          </a:effectRef>
+          <a:fontRef idx="minor">
+            <a:schemeClr val="tx1"/>
+          </a:fontRef>
+        </p:style>
+      </p:cxnSp>
     </p:spTree>
     <p:extLst>
       <p:ext uri="{BB962C8B-B14F-4D97-AF65-F5344CB8AC3E}">
@@ -13627,50 +13390,6 @@
       </p:pic>
       <p:pic>
         <p:nvPicPr>
-          <p:cNvPr id="13" name="Рисунок 12">
-            <a:extLst>
-              <a:ext uri="{FF2B5EF4-FFF2-40B4-BE49-F238E27FC236}">
-                <a16:creationId xmlns:a16="http://schemas.microsoft.com/office/drawing/2014/main" id="{112D5ED9-90DD-445F-86A8-E563286AD89D}"/>
-              </a:ext>
-            </a:extLst>
-          </p:cNvPr>
-          <p:cNvPicPr>
-            <a:picLocks noChangeAspect="1"/>
-          </p:cNvPicPr>
-          <p:nvPr/>
-        </p:nvPicPr>
-        <p:blipFill>
-          <a:blip r:embed="rId3"/>
-          <a:stretch>
-            <a:fillRect/>
-          </a:stretch>
-        </p:blipFill>
-        <p:spPr>
-          <a:xfrm>
-            <a:off x="2540248" y="2375717"/>
-            <a:ext cx="3117542" cy="1516050"/>
-          </a:xfrm>
-          <a:prstGeom prst="rect">
-            <a:avLst/>
-          </a:prstGeom>
-          <a:ln w="38100" cap="sq">
-            <a:solidFill>
-              <a:srgbClr val="000000"/>
-            </a:solidFill>
-            <a:prstDash val="solid"/>
-            <a:miter lim="800000"/>
-          </a:ln>
-          <a:effectLst>
-            <a:outerShdw blurRad="50800" dist="38100" dir="2700000" algn="tl" rotWithShape="0">
-              <a:srgbClr val="000000">
-                <a:alpha val="43000"/>
-              </a:srgbClr>
-            </a:outerShdw>
-          </a:effectLst>
-        </p:spPr>
-      </p:pic>
-      <p:pic>
-        <p:nvPicPr>
           <p:cNvPr id="6152" name="Picture 8">
             <a:extLst>
               <a:ext uri="{FF2B5EF4-FFF2-40B4-BE49-F238E27FC236}">
@@ -13684,7 +13403,7 @@
           <p:nvPr/>
         </p:nvPicPr>
         <p:blipFill>
-          <a:blip r:embed="rId4">
+          <a:blip r:embed="rId3">
             <a:extLst>
               <a:ext uri="{28A0092B-C50C-407E-A947-70E740481C1C}">
                 <a14:useLocalDpi xmlns:a14="http://schemas.microsoft.com/office/drawing/2010/main" val="0"/>
@@ -13698,7 +13417,7 @@
         </p:blipFill>
         <p:spPr bwMode="auto">
           <a:xfrm>
-            <a:off x="3532286" y="3726972"/>
+            <a:off x="2584865" y="2390098"/>
             <a:ext cx="2922321" cy="1488053"/>
           </a:xfrm>
           <a:prstGeom prst="rect">
@@ -13744,7 +13463,7 @@
           <p:nvPr/>
         </p:nvPicPr>
         <p:blipFill>
-          <a:blip r:embed="rId5"/>
+          <a:blip r:embed="rId4"/>
           <a:stretch>
             <a:fillRect/>
           </a:stretch>
@@ -13773,6 +13492,86 @@
           </a:effectLst>
         </p:spPr>
       </p:pic>
+      <p:sp>
+        <p:nvSpPr>
+          <p:cNvPr id="22" name="Заголовок 1">
+            <a:extLst>
+              <a:ext uri="{FF2B5EF4-FFF2-40B4-BE49-F238E27FC236}">
+                <a16:creationId xmlns:a16="http://schemas.microsoft.com/office/drawing/2014/main" id="{8F11876C-EBF8-4404-839D-E94E7E901A9C}"/>
+              </a:ext>
+            </a:extLst>
+          </p:cNvPr>
+          <p:cNvSpPr>
+            <a:spLocks noGrp="1"/>
+          </p:cNvSpPr>
+          <p:nvPr>
+            <p:ph type="title"/>
+          </p:nvPr>
+        </p:nvSpPr>
+        <p:spPr>
+          <a:xfrm>
+            <a:off x="677333" y="609600"/>
+            <a:ext cx="9061889" cy="805132"/>
+          </a:xfrm>
+        </p:spPr>
+        <p:txBody>
+          <a:bodyPr>
+            <a:noAutofit/>
+          </a:bodyPr>
+          <a:lstStyle/>
+          <a:p>
+            <a:r>
+              <a:rPr lang="ru-RU" dirty="0"/>
+              <a:t>Проектирование веб-службы</a:t>
+            </a:r>
+          </a:p>
+        </p:txBody>
+      </p:sp>
+      <p:sp>
+        <p:nvSpPr>
+          <p:cNvPr id="23" name="Объект 2">
+            <a:extLst>
+              <a:ext uri="{FF2B5EF4-FFF2-40B4-BE49-F238E27FC236}">
+                <a16:creationId xmlns:a16="http://schemas.microsoft.com/office/drawing/2014/main" id="{068995B4-DCF9-4C7B-872E-57F9E78088EB}"/>
+              </a:ext>
+            </a:extLst>
+          </p:cNvPr>
+          <p:cNvSpPr>
+            <a:spLocks noGrp="1"/>
+          </p:cNvSpPr>
+          <p:nvPr>
+            <p:ph idx="1"/>
+          </p:nvPr>
+        </p:nvSpPr>
+        <p:spPr>
+          <a:xfrm>
+            <a:off x="677334" y="1270000"/>
+            <a:ext cx="8596668" cy="1024625"/>
+          </a:xfrm>
+        </p:spPr>
+        <p:txBody>
+          <a:bodyPr/>
+          <a:lstStyle/>
+          <a:p>
+            <a:pPr marL="0" indent="0">
+              <a:buNone/>
+            </a:pPr>
+            <a:r>
+              <a:rPr lang="ru-RU" dirty="0"/>
+              <a:t>Как защитить и обезопасить данные пользователей веб-службы?</a:t>
+            </a:r>
+          </a:p>
+          <a:p>
+            <a:pPr marL="0" indent="0">
+              <a:buNone/>
+            </a:pPr>
+            <a:r>
+              <a:rPr lang="ru-RU" dirty="0"/>
+              <a:t>Двухфакторная аутентификация: способы получения кода</a:t>
+            </a:r>
+          </a:p>
+        </p:txBody>
+      </p:sp>
       <p:pic>
         <p:nvPicPr>
           <p:cNvPr id="6150" name="Picture 6">
@@ -13788,7 +13587,7 @@
           <p:nvPr/>
         </p:nvPicPr>
         <p:blipFill>
-          <a:blip r:embed="rId6">
+          <a:blip r:embed="rId5">
             <a:extLst>
               <a:ext uri="{28A0092B-C50C-407E-A947-70E740481C1C}">
                 <a14:useLocalDpi xmlns:a14="http://schemas.microsoft.com/office/drawing/2010/main" val="0"/>
@@ -13802,7 +13601,7 @@
         </p:blipFill>
         <p:spPr bwMode="auto">
           <a:xfrm>
-            <a:off x="5089748" y="4933099"/>
+            <a:off x="3604506" y="3341061"/>
             <a:ext cx="2381870" cy="1441825"/>
           </a:xfrm>
           <a:prstGeom prst="rect">
@@ -13833,86 +13632,49 @@
           </a:extLst>
         </p:spPr>
       </p:pic>
-      <p:sp>
-        <p:nvSpPr>
-          <p:cNvPr id="22" name="Заголовок 1">
+      <p:pic>
+        <p:nvPicPr>
+          <p:cNvPr id="13" name="Рисунок 12">
             <a:extLst>
               <a:ext uri="{FF2B5EF4-FFF2-40B4-BE49-F238E27FC236}">
-                <a16:creationId xmlns:a16="http://schemas.microsoft.com/office/drawing/2014/main" id="{8F11876C-EBF8-4404-839D-E94E7E901A9C}"/>
+                <a16:creationId xmlns:a16="http://schemas.microsoft.com/office/drawing/2014/main" id="{112D5ED9-90DD-445F-86A8-E563286AD89D}"/>
               </a:ext>
             </a:extLst>
           </p:cNvPr>
-          <p:cNvSpPr>
-            <a:spLocks noGrp="1"/>
-          </p:cNvSpPr>
-          <p:nvPr>
-            <p:ph type="title"/>
-          </p:nvPr>
-        </p:nvSpPr>
+          <p:cNvPicPr>
+            <a:picLocks noChangeAspect="1"/>
+          </p:cNvPicPr>
+          <p:nvPr/>
+        </p:nvPicPr>
+        <p:blipFill rotWithShape="1">
+          <a:blip r:embed="rId6"/>
+          <a:srcRect l="22173" t="29378" r="25535"/>
+          <a:stretch/>
+        </p:blipFill>
         <p:spPr>
           <a:xfrm>
-            <a:off x="677333" y="609600"/>
-            <a:ext cx="9061889" cy="805132"/>
+            <a:off x="4701467" y="4543169"/>
+            <a:ext cx="2789066" cy="1831755"/>
           </a:xfrm>
+          <a:prstGeom prst="rect">
+            <a:avLst/>
+          </a:prstGeom>
+          <a:ln w="38100" cap="sq">
+            <a:solidFill>
+              <a:srgbClr val="000000"/>
+            </a:solidFill>
+            <a:prstDash val="solid"/>
+            <a:miter lim="800000"/>
+          </a:ln>
+          <a:effectLst>
+            <a:outerShdw blurRad="50800" dist="38100" dir="2700000" algn="tl" rotWithShape="0">
+              <a:srgbClr val="000000">
+                <a:alpha val="43000"/>
+              </a:srgbClr>
+            </a:outerShdw>
+          </a:effectLst>
         </p:spPr>
-        <p:txBody>
-          <a:bodyPr>
-            <a:noAutofit/>
-          </a:bodyPr>
-          <a:lstStyle/>
-          <a:p>
-            <a:r>
-              <a:rPr lang="ru-RU" dirty="0"/>
-              <a:t>Проектирование веб-службы</a:t>
-            </a:r>
-          </a:p>
-        </p:txBody>
-      </p:sp>
-      <p:sp>
-        <p:nvSpPr>
-          <p:cNvPr id="23" name="Объект 2">
-            <a:extLst>
-              <a:ext uri="{FF2B5EF4-FFF2-40B4-BE49-F238E27FC236}">
-                <a16:creationId xmlns:a16="http://schemas.microsoft.com/office/drawing/2014/main" id="{068995B4-DCF9-4C7B-872E-57F9E78088EB}"/>
-              </a:ext>
-            </a:extLst>
-          </p:cNvPr>
-          <p:cNvSpPr>
-            <a:spLocks noGrp="1"/>
-          </p:cNvSpPr>
-          <p:nvPr>
-            <p:ph idx="1"/>
-          </p:nvPr>
-        </p:nvSpPr>
-        <p:spPr>
-          <a:xfrm>
-            <a:off x="677334" y="1270000"/>
-            <a:ext cx="8596668" cy="1024625"/>
-          </a:xfrm>
-        </p:spPr>
-        <p:txBody>
-          <a:bodyPr/>
-          <a:lstStyle/>
-          <a:p>
-            <a:pPr marL="0" indent="0">
-              <a:buNone/>
-            </a:pPr>
-            <a:r>
-              <a:rPr lang="ru-RU" dirty="0"/>
-              <a:t>Как защитить и обезопасить данные пользователей веб-службы?</a:t>
-            </a:r>
-          </a:p>
-          <a:p>
-            <a:pPr marL="0" indent="0">
-              <a:buNone/>
-            </a:pPr>
-            <a:r>
-              <a:rPr lang="ru-RU" dirty="0"/>
-              <a:t>Двухфакторная аутентификация: способы получения кода.</a:t>
-            </a:r>
-          </a:p>
-        </p:txBody>
-      </p:sp>
+      </p:pic>
     </p:spTree>
     <p:extLst>
       <p:ext uri="{BB962C8B-B14F-4D97-AF65-F5344CB8AC3E}">
